--- a/figures_newsletter.pptx
+++ b/figures_newsletter.pptx
@@ -9,6 +9,7 @@
     <p:sldId id="257" r:id="rId3"/>
     <p:sldId id="258" r:id="rId4"/>
     <p:sldId id="259" r:id="rId5"/>
+    <p:sldId id="260" r:id="rId6"/>
   </p:sldIdLst>
   <p:sldSz cx="12192000" cy="6858000"/>
   <p:notesSz cx="6858000" cy="9144000"/>
@@ -126,6 +127,4617 @@
 </p:presentation>
 </file>
 
+<file path=ppt/diagrams/colors1.xml><?xml version="1.0" encoding="utf-8"?>
+<dgm:colorsDef xmlns:dgm="http://schemas.openxmlformats.org/drawingml/2006/diagram" xmlns:a="http://schemas.openxmlformats.org/drawingml/2006/main" uniqueId="urn:microsoft.com/office/officeart/2005/8/colors/accent1_2">
+  <dgm:title val=""/>
+  <dgm:desc val=""/>
+  <dgm:catLst>
+    <dgm:cat type="accent1" pri="11200"/>
+  </dgm:catLst>
+  <dgm:styleLbl name="node0">
+    <dgm:fillClrLst meth="repeat">
+      <a:schemeClr val="accent1"/>
+    </dgm:fillClrLst>
+    <dgm:linClrLst meth="repeat">
+      <a:schemeClr val="lt1"/>
+    </dgm:linClrLst>
+    <dgm:effectClrLst/>
+    <dgm:txLinClrLst/>
+    <dgm:txFillClrLst/>
+    <dgm:txEffectClrLst/>
+  </dgm:styleLbl>
+  <dgm:styleLbl name="alignNode1">
+    <dgm:fillClrLst meth="repeat">
+      <a:schemeClr val="accent1"/>
+    </dgm:fillClrLst>
+    <dgm:linClrLst meth="repeat">
+      <a:schemeClr val="accent1"/>
+    </dgm:linClrLst>
+    <dgm:effectClrLst/>
+    <dgm:txLinClrLst/>
+    <dgm:txFillClrLst/>
+    <dgm:txEffectClrLst/>
+  </dgm:styleLbl>
+  <dgm:styleLbl name="node1">
+    <dgm:fillClrLst meth="repeat">
+      <a:schemeClr val="accent1"/>
+    </dgm:fillClrLst>
+    <dgm:linClrLst meth="repeat">
+      <a:schemeClr val="lt1"/>
+    </dgm:linClrLst>
+    <dgm:effectClrLst/>
+    <dgm:txLinClrLst/>
+    <dgm:txFillClrLst/>
+    <dgm:txEffectClrLst/>
+  </dgm:styleLbl>
+  <dgm:styleLbl name="lnNode1">
+    <dgm:fillClrLst meth="repeat">
+      <a:schemeClr val="accent1"/>
+    </dgm:fillClrLst>
+    <dgm:linClrLst meth="repeat">
+      <a:schemeClr val="lt1"/>
+    </dgm:linClrLst>
+    <dgm:effectClrLst/>
+    <dgm:txLinClrLst/>
+    <dgm:txFillClrLst/>
+    <dgm:txEffectClrLst/>
+  </dgm:styleLbl>
+  <dgm:styleLbl name="vennNode1">
+    <dgm:fillClrLst meth="repeat">
+      <a:schemeClr val="accent1">
+        <a:alpha val="50000"/>
+      </a:schemeClr>
+    </dgm:fillClrLst>
+    <dgm:linClrLst meth="repeat">
+      <a:schemeClr val="lt1"/>
+    </dgm:linClrLst>
+    <dgm:effectClrLst/>
+    <dgm:txLinClrLst/>
+    <dgm:txFillClrLst/>
+    <dgm:txEffectClrLst/>
+  </dgm:styleLbl>
+  <dgm:styleLbl name="node2">
+    <dgm:fillClrLst meth="repeat">
+      <a:schemeClr val="accent1"/>
+    </dgm:fillClrLst>
+    <dgm:linClrLst meth="repeat">
+      <a:schemeClr val="lt1"/>
+    </dgm:linClrLst>
+    <dgm:effectClrLst/>
+    <dgm:txLinClrLst/>
+    <dgm:txFillClrLst/>
+    <dgm:txEffectClrLst/>
+  </dgm:styleLbl>
+  <dgm:styleLbl name="node3">
+    <dgm:fillClrLst meth="repeat">
+      <a:schemeClr val="accent1"/>
+    </dgm:fillClrLst>
+    <dgm:linClrLst meth="repeat">
+      <a:schemeClr val="lt1"/>
+    </dgm:linClrLst>
+    <dgm:effectClrLst/>
+    <dgm:txLinClrLst/>
+    <dgm:txFillClrLst/>
+    <dgm:txEffectClrLst/>
+  </dgm:styleLbl>
+  <dgm:styleLbl name="node4">
+    <dgm:fillClrLst meth="repeat">
+      <a:schemeClr val="accent1"/>
+    </dgm:fillClrLst>
+    <dgm:linClrLst meth="repeat">
+      <a:schemeClr val="lt1"/>
+    </dgm:linClrLst>
+    <dgm:effectClrLst/>
+    <dgm:txLinClrLst/>
+    <dgm:txFillClrLst/>
+    <dgm:txEffectClrLst/>
+  </dgm:styleLbl>
+  <dgm:styleLbl name="fgImgPlace1">
+    <dgm:fillClrLst meth="repeat">
+      <a:schemeClr val="accent1">
+        <a:tint val="50000"/>
+      </a:schemeClr>
+    </dgm:fillClrLst>
+    <dgm:linClrLst meth="repeat">
+      <a:schemeClr val="lt1"/>
+    </dgm:linClrLst>
+    <dgm:effectClrLst/>
+    <dgm:txLinClrLst/>
+    <dgm:txFillClrLst meth="repeat">
+      <a:schemeClr val="lt1"/>
+    </dgm:txFillClrLst>
+    <dgm:txEffectClrLst/>
+  </dgm:styleLbl>
+  <dgm:styleLbl name="alignImgPlace1">
+    <dgm:fillClrLst meth="repeat">
+      <a:schemeClr val="accent1">
+        <a:tint val="50000"/>
+      </a:schemeClr>
+    </dgm:fillClrLst>
+    <dgm:linClrLst meth="repeat">
+      <a:schemeClr val="lt1"/>
+    </dgm:linClrLst>
+    <dgm:effectClrLst/>
+    <dgm:txLinClrLst/>
+    <dgm:txFillClrLst meth="repeat">
+      <a:schemeClr val="lt1"/>
+    </dgm:txFillClrLst>
+    <dgm:txEffectClrLst/>
+  </dgm:styleLbl>
+  <dgm:styleLbl name="bgImgPlace1">
+    <dgm:fillClrLst meth="repeat">
+      <a:schemeClr val="accent1">
+        <a:tint val="50000"/>
+      </a:schemeClr>
+    </dgm:fillClrLst>
+    <dgm:linClrLst meth="repeat">
+      <a:schemeClr val="lt1"/>
+    </dgm:linClrLst>
+    <dgm:effectClrLst/>
+    <dgm:txLinClrLst/>
+    <dgm:txFillClrLst meth="repeat">
+      <a:schemeClr val="lt1"/>
+    </dgm:txFillClrLst>
+    <dgm:txEffectClrLst/>
+  </dgm:styleLbl>
+  <dgm:styleLbl name="sibTrans2D1">
+    <dgm:fillClrLst meth="repeat">
+      <a:schemeClr val="accent1">
+        <a:tint val="60000"/>
+      </a:schemeClr>
+    </dgm:fillClrLst>
+    <dgm:linClrLst meth="repeat">
+      <a:schemeClr val="accent1">
+        <a:tint val="60000"/>
+      </a:schemeClr>
+    </dgm:linClrLst>
+    <dgm:effectClrLst/>
+    <dgm:txLinClrLst/>
+    <dgm:txFillClrLst/>
+    <dgm:txEffectClrLst/>
+  </dgm:styleLbl>
+  <dgm:styleLbl name="fgSibTrans2D1">
+    <dgm:fillClrLst meth="repeat">
+      <a:schemeClr val="accent1">
+        <a:tint val="60000"/>
+      </a:schemeClr>
+    </dgm:fillClrLst>
+    <dgm:linClrLst meth="repeat">
+      <a:schemeClr val="accent1">
+        <a:tint val="60000"/>
+      </a:schemeClr>
+    </dgm:linClrLst>
+    <dgm:effectClrLst/>
+    <dgm:txLinClrLst/>
+    <dgm:txFillClrLst/>
+    <dgm:txEffectClrLst/>
+  </dgm:styleLbl>
+  <dgm:styleLbl name="bgSibTrans2D1">
+    <dgm:fillClrLst meth="repeat">
+      <a:schemeClr val="accent1">
+        <a:tint val="60000"/>
+      </a:schemeClr>
+    </dgm:fillClrLst>
+    <dgm:linClrLst meth="repeat">
+      <a:schemeClr val="accent1">
+        <a:tint val="60000"/>
+      </a:schemeClr>
+    </dgm:linClrLst>
+    <dgm:effectClrLst/>
+    <dgm:txLinClrLst/>
+    <dgm:txFillClrLst/>
+    <dgm:txEffectClrLst/>
+  </dgm:styleLbl>
+  <dgm:styleLbl name="sibTrans1D1">
+    <dgm:fillClrLst meth="repeat">
+      <a:schemeClr val="accent1"/>
+    </dgm:fillClrLst>
+    <dgm:linClrLst meth="repeat">
+      <a:schemeClr val="accent1"/>
+    </dgm:linClrLst>
+    <dgm:effectClrLst/>
+    <dgm:txLinClrLst/>
+    <dgm:txFillClrLst meth="repeat">
+      <a:schemeClr val="tx1"/>
+    </dgm:txFillClrLst>
+    <dgm:txEffectClrLst/>
+  </dgm:styleLbl>
+  <dgm:styleLbl name="callout">
+    <dgm:fillClrLst meth="repeat">
+      <a:schemeClr val="accent1"/>
+    </dgm:fillClrLst>
+    <dgm:linClrLst meth="repeat">
+      <a:schemeClr val="accent1">
+        <a:tint val="50000"/>
+      </a:schemeClr>
+    </dgm:linClrLst>
+    <dgm:effectClrLst/>
+    <dgm:txLinClrLst/>
+    <dgm:txFillClrLst meth="repeat">
+      <a:schemeClr val="tx1"/>
+    </dgm:txFillClrLst>
+    <dgm:txEffectClrLst/>
+  </dgm:styleLbl>
+  <dgm:styleLbl name="asst0">
+    <dgm:fillClrLst meth="repeat">
+      <a:schemeClr val="accent1"/>
+    </dgm:fillClrLst>
+    <dgm:linClrLst meth="repeat">
+      <a:schemeClr val="lt1"/>
+    </dgm:linClrLst>
+    <dgm:effectClrLst/>
+    <dgm:txLinClrLst/>
+    <dgm:txFillClrLst/>
+    <dgm:txEffectClrLst/>
+  </dgm:styleLbl>
+  <dgm:styleLbl name="asst1">
+    <dgm:fillClrLst meth="repeat">
+      <a:schemeClr val="accent1"/>
+    </dgm:fillClrLst>
+    <dgm:linClrLst meth="repeat">
+      <a:schemeClr val="lt1"/>
+    </dgm:linClrLst>
+    <dgm:effectClrLst/>
+    <dgm:txLinClrLst/>
+    <dgm:txFillClrLst/>
+    <dgm:txEffectClrLst/>
+  </dgm:styleLbl>
+  <dgm:styleLbl name="asst2">
+    <dgm:fillClrLst meth="repeat">
+      <a:schemeClr val="accent1"/>
+    </dgm:fillClrLst>
+    <dgm:linClrLst meth="repeat">
+      <a:schemeClr val="lt1"/>
+    </dgm:linClrLst>
+    <dgm:effectClrLst/>
+    <dgm:txLinClrLst/>
+    <dgm:txFillClrLst/>
+    <dgm:txEffectClrLst/>
+  </dgm:styleLbl>
+  <dgm:styleLbl name="asst3">
+    <dgm:fillClrLst meth="repeat">
+      <a:schemeClr val="accent1"/>
+    </dgm:fillClrLst>
+    <dgm:linClrLst meth="repeat">
+      <a:schemeClr val="lt1"/>
+    </dgm:linClrLst>
+    <dgm:effectClrLst/>
+    <dgm:txLinClrLst/>
+    <dgm:txFillClrLst/>
+    <dgm:txEffectClrLst/>
+  </dgm:styleLbl>
+  <dgm:styleLbl name="asst4">
+    <dgm:fillClrLst meth="repeat">
+      <a:schemeClr val="accent1"/>
+    </dgm:fillClrLst>
+    <dgm:linClrLst meth="repeat">
+      <a:schemeClr val="lt1"/>
+    </dgm:linClrLst>
+    <dgm:effectClrLst/>
+    <dgm:txLinClrLst/>
+    <dgm:txFillClrLst/>
+    <dgm:txEffectClrLst/>
+  </dgm:styleLbl>
+  <dgm:styleLbl name="parChTrans2D1">
+    <dgm:fillClrLst meth="repeat">
+      <a:schemeClr val="accent1">
+        <a:tint val="60000"/>
+      </a:schemeClr>
+    </dgm:fillClrLst>
+    <dgm:linClrLst meth="repeat">
+      <a:schemeClr val="accent1">
+        <a:tint val="60000"/>
+      </a:schemeClr>
+    </dgm:linClrLst>
+    <dgm:effectClrLst/>
+    <dgm:txLinClrLst/>
+    <dgm:txFillClrLst meth="repeat">
+      <a:schemeClr val="lt1"/>
+    </dgm:txFillClrLst>
+    <dgm:txEffectClrLst/>
+  </dgm:styleLbl>
+  <dgm:styleLbl name="parChTrans2D2">
+    <dgm:fillClrLst meth="repeat">
+      <a:schemeClr val="accent1"/>
+    </dgm:fillClrLst>
+    <dgm:linClrLst meth="repeat">
+      <a:schemeClr val="accent1"/>
+    </dgm:linClrLst>
+    <dgm:effectClrLst/>
+    <dgm:txLinClrLst/>
+    <dgm:txFillClrLst meth="repeat">
+      <a:schemeClr val="lt1"/>
+    </dgm:txFillClrLst>
+    <dgm:txEffectClrLst/>
+  </dgm:styleLbl>
+  <dgm:styleLbl name="parChTrans2D3">
+    <dgm:fillClrLst meth="repeat">
+      <a:schemeClr val="accent1"/>
+    </dgm:fillClrLst>
+    <dgm:linClrLst meth="repeat">
+      <a:schemeClr val="accent1"/>
+    </dgm:linClrLst>
+    <dgm:effectClrLst/>
+    <dgm:txLinClrLst/>
+    <dgm:txFillClrLst meth="repeat">
+      <a:schemeClr val="lt1"/>
+    </dgm:txFillClrLst>
+    <dgm:txEffectClrLst/>
+  </dgm:styleLbl>
+  <dgm:styleLbl name="parChTrans2D4">
+    <dgm:fillClrLst meth="repeat">
+      <a:schemeClr val="accent1"/>
+    </dgm:fillClrLst>
+    <dgm:linClrLst meth="repeat">
+      <a:schemeClr val="accent1"/>
+    </dgm:linClrLst>
+    <dgm:effectClrLst/>
+    <dgm:txLinClrLst/>
+    <dgm:txFillClrLst meth="repeat">
+      <a:schemeClr val="lt1"/>
+    </dgm:txFillClrLst>
+    <dgm:txEffectClrLst/>
+  </dgm:styleLbl>
+  <dgm:styleLbl name="parChTrans1D1">
+    <dgm:fillClrLst meth="repeat">
+      <a:schemeClr val="accent1"/>
+    </dgm:fillClrLst>
+    <dgm:linClrLst meth="repeat">
+      <a:schemeClr val="accent1">
+        <a:shade val="60000"/>
+      </a:schemeClr>
+    </dgm:linClrLst>
+    <dgm:effectClrLst/>
+    <dgm:txLinClrLst/>
+    <dgm:txFillClrLst meth="repeat">
+      <a:schemeClr val="tx1"/>
+    </dgm:txFillClrLst>
+    <dgm:txEffectClrLst/>
+  </dgm:styleLbl>
+  <dgm:styleLbl name="parChTrans1D2">
+    <dgm:fillClrLst meth="repeat">
+      <a:schemeClr val="accent1"/>
+    </dgm:fillClrLst>
+    <dgm:linClrLst meth="repeat">
+      <a:schemeClr val="accent1">
+        <a:shade val="60000"/>
+      </a:schemeClr>
+    </dgm:linClrLst>
+    <dgm:effectClrLst/>
+    <dgm:txLinClrLst/>
+    <dgm:txFillClrLst meth="repeat">
+      <a:schemeClr val="tx1"/>
+    </dgm:txFillClrLst>
+    <dgm:txEffectClrLst/>
+  </dgm:styleLbl>
+  <dgm:styleLbl name="parChTrans1D3">
+    <dgm:fillClrLst meth="repeat">
+      <a:schemeClr val="accent1"/>
+    </dgm:fillClrLst>
+    <dgm:linClrLst meth="repeat">
+      <a:schemeClr val="accent1">
+        <a:shade val="80000"/>
+      </a:schemeClr>
+    </dgm:linClrLst>
+    <dgm:effectClrLst/>
+    <dgm:txLinClrLst/>
+    <dgm:txFillClrLst meth="repeat">
+      <a:schemeClr val="tx1"/>
+    </dgm:txFillClrLst>
+    <dgm:txEffectClrLst/>
+  </dgm:styleLbl>
+  <dgm:styleLbl name="parChTrans1D4">
+    <dgm:fillClrLst meth="repeat">
+      <a:schemeClr val="accent1"/>
+    </dgm:fillClrLst>
+    <dgm:linClrLst meth="repeat">
+      <a:schemeClr val="accent1">
+        <a:shade val="80000"/>
+      </a:schemeClr>
+    </dgm:linClrLst>
+    <dgm:effectClrLst/>
+    <dgm:txLinClrLst/>
+    <dgm:txFillClrLst meth="repeat">
+      <a:schemeClr val="tx1"/>
+    </dgm:txFillClrLst>
+    <dgm:txEffectClrLst/>
+  </dgm:styleLbl>
+  <dgm:styleLbl name="fgAcc1">
+    <dgm:fillClrLst meth="repeat">
+      <a:schemeClr val="lt1">
+        <a:alpha val="90000"/>
+      </a:schemeClr>
+    </dgm:fillClrLst>
+    <dgm:linClrLst meth="repeat">
+      <a:schemeClr val="accent1"/>
+    </dgm:linClrLst>
+    <dgm:effectClrLst/>
+    <dgm:txLinClrLst/>
+    <dgm:txFillClrLst meth="repeat">
+      <a:schemeClr val="dk1"/>
+    </dgm:txFillClrLst>
+    <dgm:txEffectClrLst/>
+  </dgm:styleLbl>
+  <dgm:styleLbl name="conFgAcc1">
+    <dgm:fillClrLst meth="repeat">
+      <a:schemeClr val="lt1">
+        <a:alpha val="90000"/>
+      </a:schemeClr>
+    </dgm:fillClrLst>
+    <dgm:linClrLst meth="repeat">
+      <a:schemeClr val="accent1"/>
+    </dgm:linClrLst>
+    <dgm:effectClrLst/>
+    <dgm:txLinClrLst/>
+    <dgm:txFillClrLst meth="repeat">
+      <a:schemeClr val="dk1"/>
+    </dgm:txFillClrLst>
+    <dgm:txEffectClrLst/>
+  </dgm:styleLbl>
+  <dgm:styleLbl name="alignAcc1">
+    <dgm:fillClrLst meth="repeat">
+      <a:schemeClr val="lt1">
+        <a:alpha val="90000"/>
+      </a:schemeClr>
+    </dgm:fillClrLst>
+    <dgm:linClrLst meth="repeat">
+      <a:schemeClr val="accent1"/>
+    </dgm:linClrLst>
+    <dgm:effectClrLst/>
+    <dgm:txLinClrLst/>
+    <dgm:txFillClrLst meth="repeat">
+      <a:schemeClr val="dk1"/>
+    </dgm:txFillClrLst>
+    <dgm:txEffectClrLst/>
+  </dgm:styleLbl>
+  <dgm:styleLbl name="trAlignAcc1">
+    <dgm:fillClrLst meth="repeat">
+      <a:schemeClr val="lt1">
+        <a:alpha val="40000"/>
+      </a:schemeClr>
+    </dgm:fillClrLst>
+    <dgm:linClrLst meth="repeat">
+      <a:schemeClr val="accent1"/>
+    </dgm:linClrLst>
+    <dgm:effectClrLst/>
+    <dgm:txLinClrLst/>
+    <dgm:txFillClrLst meth="repeat">
+      <a:schemeClr val="dk1"/>
+    </dgm:txFillClrLst>
+    <dgm:txEffectClrLst/>
+  </dgm:styleLbl>
+  <dgm:styleLbl name="bgAcc1">
+    <dgm:fillClrLst meth="repeat">
+      <a:schemeClr val="lt1">
+        <a:alpha val="90000"/>
+      </a:schemeClr>
+    </dgm:fillClrLst>
+    <dgm:linClrLst meth="repeat">
+      <a:schemeClr val="accent1"/>
+    </dgm:linClrLst>
+    <dgm:effectClrLst/>
+    <dgm:txLinClrLst/>
+    <dgm:txFillClrLst meth="repeat">
+      <a:schemeClr val="dk1"/>
+    </dgm:txFillClrLst>
+    <dgm:txEffectClrLst/>
+  </dgm:styleLbl>
+  <dgm:styleLbl name="solidFgAcc1">
+    <dgm:fillClrLst meth="repeat">
+      <a:schemeClr val="lt1"/>
+    </dgm:fillClrLst>
+    <dgm:linClrLst meth="repeat">
+      <a:schemeClr val="accent1"/>
+    </dgm:linClrLst>
+    <dgm:effectClrLst/>
+    <dgm:txLinClrLst/>
+    <dgm:txFillClrLst meth="repeat">
+      <a:schemeClr val="dk1"/>
+    </dgm:txFillClrLst>
+    <dgm:txEffectClrLst/>
+  </dgm:styleLbl>
+  <dgm:styleLbl name="solidAlignAcc1">
+    <dgm:fillClrLst meth="repeat">
+      <a:schemeClr val="lt1"/>
+    </dgm:fillClrLst>
+    <dgm:linClrLst meth="repeat">
+      <a:schemeClr val="accent1"/>
+    </dgm:linClrLst>
+    <dgm:effectClrLst/>
+    <dgm:txLinClrLst/>
+    <dgm:txFillClrLst meth="repeat">
+      <a:schemeClr val="dk1"/>
+    </dgm:txFillClrLst>
+    <dgm:txEffectClrLst/>
+  </dgm:styleLbl>
+  <dgm:styleLbl name="solidBgAcc1">
+    <dgm:fillClrLst meth="repeat">
+      <a:schemeClr val="lt1"/>
+    </dgm:fillClrLst>
+    <dgm:linClrLst meth="repeat">
+      <a:schemeClr val="accent1"/>
+    </dgm:linClrLst>
+    <dgm:effectClrLst/>
+    <dgm:txLinClrLst/>
+    <dgm:txFillClrLst meth="repeat">
+      <a:schemeClr val="dk1"/>
+    </dgm:txFillClrLst>
+    <dgm:txEffectClrLst/>
+  </dgm:styleLbl>
+  <dgm:styleLbl name="fgAccFollowNode1">
+    <dgm:fillClrLst meth="repeat">
+      <a:schemeClr val="accent1">
+        <a:alpha val="90000"/>
+        <a:tint val="40000"/>
+      </a:schemeClr>
+    </dgm:fillClrLst>
+    <dgm:linClrLst meth="repeat">
+      <a:schemeClr val="accent1">
+        <a:alpha val="90000"/>
+        <a:tint val="40000"/>
+      </a:schemeClr>
+    </dgm:linClrLst>
+    <dgm:effectClrLst/>
+    <dgm:txLinClrLst/>
+    <dgm:txFillClrLst meth="repeat">
+      <a:schemeClr val="dk1"/>
+    </dgm:txFillClrLst>
+    <dgm:txEffectClrLst/>
+  </dgm:styleLbl>
+  <dgm:styleLbl name="alignAccFollowNode1">
+    <dgm:fillClrLst meth="repeat">
+      <a:schemeClr val="accent1">
+        <a:alpha val="90000"/>
+        <a:tint val="40000"/>
+      </a:schemeClr>
+    </dgm:fillClrLst>
+    <dgm:linClrLst meth="repeat">
+      <a:schemeClr val="accent1">
+        <a:alpha val="90000"/>
+        <a:tint val="40000"/>
+      </a:schemeClr>
+    </dgm:linClrLst>
+    <dgm:effectClrLst/>
+    <dgm:txLinClrLst/>
+    <dgm:txFillClrLst meth="repeat">
+      <a:schemeClr val="dk1"/>
+    </dgm:txFillClrLst>
+    <dgm:txEffectClrLst/>
+  </dgm:styleLbl>
+  <dgm:styleLbl name="bgAccFollowNode1">
+    <dgm:fillClrLst meth="repeat">
+      <a:schemeClr val="accent1">
+        <a:alpha val="90000"/>
+        <a:tint val="40000"/>
+      </a:schemeClr>
+    </dgm:fillClrLst>
+    <dgm:linClrLst meth="repeat">
+      <a:schemeClr val="accent1">
+        <a:alpha val="90000"/>
+        <a:tint val="40000"/>
+      </a:schemeClr>
+    </dgm:linClrLst>
+    <dgm:effectClrLst/>
+    <dgm:txLinClrLst/>
+    <dgm:txFillClrLst meth="repeat">
+      <a:schemeClr val="dk1"/>
+    </dgm:txFillClrLst>
+    <dgm:txEffectClrLst/>
+  </dgm:styleLbl>
+  <dgm:styleLbl name="fgAcc0">
+    <dgm:fillClrLst meth="repeat">
+      <a:schemeClr val="lt1">
+        <a:alpha val="90000"/>
+      </a:schemeClr>
+    </dgm:fillClrLst>
+    <dgm:linClrLst meth="repeat">
+      <a:schemeClr val="accent1"/>
+    </dgm:linClrLst>
+    <dgm:effectClrLst/>
+    <dgm:txLinClrLst/>
+    <dgm:txFillClrLst meth="repeat">
+      <a:schemeClr val="dk1"/>
+    </dgm:txFillClrLst>
+    <dgm:txEffectClrLst/>
+  </dgm:styleLbl>
+  <dgm:styleLbl name="fgAcc2">
+    <dgm:fillClrLst meth="repeat">
+      <a:schemeClr val="lt1">
+        <a:alpha val="90000"/>
+      </a:schemeClr>
+    </dgm:fillClrLst>
+    <dgm:linClrLst meth="repeat">
+      <a:schemeClr val="accent1"/>
+    </dgm:linClrLst>
+    <dgm:effectClrLst/>
+    <dgm:txLinClrLst/>
+    <dgm:txFillClrLst meth="repeat">
+      <a:schemeClr val="dk1"/>
+    </dgm:txFillClrLst>
+    <dgm:txEffectClrLst/>
+  </dgm:styleLbl>
+  <dgm:styleLbl name="fgAcc3">
+    <dgm:fillClrLst meth="repeat">
+      <a:schemeClr val="lt1">
+        <a:alpha val="90000"/>
+      </a:schemeClr>
+    </dgm:fillClrLst>
+    <dgm:linClrLst meth="repeat">
+      <a:schemeClr val="accent1"/>
+    </dgm:linClrLst>
+    <dgm:effectClrLst/>
+    <dgm:txLinClrLst/>
+    <dgm:txFillClrLst meth="repeat">
+      <a:schemeClr val="dk1"/>
+    </dgm:txFillClrLst>
+    <dgm:txEffectClrLst/>
+  </dgm:styleLbl>
+  <dgm:styleLbl name="fgAcc4">
+    <dgm:fillClrLst meth="repeat">
+      <a:schemeClr val="lt1">
+        <a:alpha val="90000"/>
+      </a:schemeClr>
+    </dgm:fillClrLst>
+    <dgm:linClrLst meth="repeat">
+      <a:schemeClr val="accent1"/>
+    </dgm:linClrLst>
+    <dgm:effectClrLst/>
+    <dgm:txLinClrLst/>
+    <dgm:txFillClrLst meth="repeat">
+      <a:schemeClr val="dk1"/>
+    </dgm:txFillClrLst>
+    <dgm:txEffectClrLst/>
+  </dgm:styleLbl>
+  <dgm:styleLbl name="bgShp">
+    <dgm:fillClrLst meth="repeat">
+      <a:schemeClr val="accent1">
+        <a:tint val="40000"/>
+      </a:schemeClr>
+    </dgm:fillClrLst>
+    <dgm:linClrLst meth="repeat">
+      <a:schemeClr val="accent1"/>
+    </dgm:linClrLst>
+    <dgm:effectClrLst/>
+    <dgm:txLinClrLst/>
+    <dgm:txFillClrLst meth="repeat">
+      <a:schemeClr val="dk1"/>
+    </dgm:txFillClrLst>
+    <dgm:txEffectClrLst/>
+  </dgm:styleLbl>
+  <dgm:styleLbl name="dkBgShp">
+    <dgm:fillClrLst meth="repeat">
+      <a:schemeClr val="accent1">
+        <a:shade val="80000"/>
+      </a:schemeClr>
+    </dgm:fillClrLst>
+    <dgm:linClrLst meth="repeat">
+      <a:schemeClr val="accent1"/>
+    </dgm:linClrLst>
+    <dgm:effectClrLst/>
+    <dgm:txLinClrLst/>
+    <dgm:txFillClrLst meth="repeat">
+      <a:schemeClr val="lt1"/>
+    </dgm:txFillClrLst>
+    <dgm:txEffectClrLst/>
+  </dgm:styleLbl>
+  <dgm:styleLbl name="trBgShp">
+    <dgm:fillClrLst meth="repeat">
+      <a:schemeClr val="accent1">
+        <a:tint val="50000"/>
+        <a:alpha val="40000"/>
+      </a:schemeClr>
+    </dgm:fillClrLst>
+    <dgm:linClrLst meth="repeat">
+      <a:schemeClr val="accent1"/>
+    </dgm:linClrLst>
+    <dgm:effectClrLst/>
+    <dgm:txLinClrLst/>
+    <dgm:txFillClrLst meth="repeat">
+      <a:schemeClr val="lt1"/>
+    </dgm:txFillClrLst>
+    <dgm:txEffectClrLst/>
+  </dgm:styleLbl>
+  <dgm:styleLbl name="fgShp">
+    <dgm:fillClrLst meth="repeat">
+      <a:schemeClr val="accent1">
+        <a:tint val="60000"/>
+      </a:schemeClr>
+    </dgm:fillClrLst>
+    <dgm:linClrLst meth="repeat">
+      <a:schemeClr val="lt1"/>
+    </dgm:linClrLst>
+    <dgm:effectClrLst/>
+    <dgm:txLinClrLst/>
+    <dgm:txFillClrLst meth="repeat">
+      <a:schemeClr val="dk1"/>
+    </dgm:txFillClrLst>
+    <dgm:txEffectClrLst/>
+  </dgm:styleLbl>
+  <dgm:styleLbl name="revTx">
+    <dgm:fillClrLst meth="repeat">
+      <a:schemeClr val="lt1">
+        <a:alpha val="0"/>
+      </a:schemeClr>
+    </dgm:fillClrLst>
+    <dgm:linClrLst meth="repeat">
+      <a:schemeClr val="dk1">
+        <a:alpha val="0"/>
+      </a:schemeClr>
+    </dgm:linClrLst>
+    <dgm:effectClrLst/>
+    <dgm:txLinClrLst/>
+    <dgm:txFillClrLst meth="repeat">
+      <a:schemeClr val="tx1"/>
+    </dgm:txFillClrLst>
+    <dgm:txEffectClrLst/>
+  </dgm:styleLbl>
+</dgm:colorsDef>
+</file>
+
+<file path=ppt/diagrams/data1.xml><?xml version="1.0" encoding="utf-8"?>
+<dgm:dataModel xmlns:dgm="http://schemas.openxmlformats.org/drawingml/2006/diagram" xmlns:a="http://schemas.openxmlformats.org/drawingml/2006/main">
+  <dgm:ptLst>
+    <dgm:pt modelId="{6DE9F129-B1C0-419A-93DE-22F23E0E61A2}" type="doc">
+      <dgm:prSet loTypeId="urn:microsoft.com/office/officeart/2005/8/layout/chevron2" loCatId="process" qsTypeId="urn:microsoft.com/office/officeart/2005/8/quickstyle/simple1" qsCatId="simple" csTypeId="urn:microsoft.com/office/officeart/2005/8/colors/accent1_2" csCatId="accent1" phldr="1"/>
+      <dgm:spPr/>
+      <dgm:t>
+        <a:bodyPr/>
+        <a:lstStyle/>
+        <a:p>
+          <a:endParaRPr lang="en-US"/>
+        </a:p>
+      </dgm:t>
+    </dgm:pt>
+    <dgm:pt modelId="{F7851DDA-CA7D-4F4D-852C-37B13643F3F8}">
+      <dgm:prSet phldrT="[Text]"/>
+      <dgm:spPr/>
+      <dgm:t>
+        <a:bodyPr/>
+        <a:lstStyle/>
+        <a:p>
+          <a:r>
+            <a:rPr lang="en-US" dirty="0">
+              <a:latin typeface="Aptos" panose="020B0004020202020204" pitchFamily="34" charset="0"/>
+            </a:rPr>
+            <a:t>T0</a:t>
+          </a:r>
+        </a:p>
+      </dgm:t>
+    </dgm:pt>
+    <dgm:pt modelId="{74F5953E-707A-4804-BE77-B2C6EB7299FE}" type="parTrans" cxnId="{B2FEDDB3-6832-4FE9-93F3-C8EE86E11A96}">
+      <dgm:prSet/>
+      <dgm:spPr/>
+      <dgm:t>
+        <a:bodyPr/>
+        <a:lstStyle/>
+        <a:p>
+          <a:endParaRPr lang="en-US"/>
+        </a:p>
+      </dgm:t>
+    </dgm:pt>
+    <dgm:pt modelId="{740A147A-A963-42C4-BF4F-B32682B57BF7}" type="sibTrans" cxnId="{B2FEDDB3-6832-4FE9-93F3-C8EE86E11A96}">
+      <dgm:prSet/>
+      <dgm:spPr/>
+      <dgm:t>
+        <a:bodyPr/>
+        <a:lstStyle/>
+        <a:p>
+          <a:endParaRPr lang="en-US"/>
+        </a:p>
+      </dgm:t>
+    </dgm:pt>
+    <dgm:pt modelId="{A7C2CA75-9A7B-4E56-99A7-7DC960F482CF}">
+      <dgm:prSet phldrT="[Text]"/>
+      <dgm:spPr/>
+      <dgm:t>
+        <a:bodyPr/>
+        <a:lstStyle/>
+        <a:p>
+          <a:pPr>
+            <a:buNone/>
+          </a:pPr>
+          <a:r>
+            <a:rPr lang="en-US" b="1" dirty="0" err="1">
+              <a:latin typeface="Aptos" panose="020B0004020202020204" pitchFamily="34" charset="0"/>
+            </a:rPr>
+            <a:t>Funktionelles</a:t>
+          </a:r>
+          <a:r>
+            <a:rPr lang="en-US" b="1" dirty="0">
+              <a:latin typeface="Aptos" panose="020B0004020202020204" pitchFamily="34" charset="0"/>
+            </a:rPr>
+            <a:t> Assessment</a:t>
+          </a:r>
+        </a:p>
+      </dgm:t>
+    </dgm:pt>
+    <dgm:pt modelId="{8AFCB7D2-6F63-4515-A208-76E4C9FBE573}" type="parTrans" cxnId="{5867D082-9662-462A-B814-6066612683C9}">
+      <dgm:prSet/>
+      <dgm:spPr/>
+      <dgm:t>
+        <a:bodyPr/>
+        <a:lstStyle/>
+        <a:p>
+          <a:endParaRPr lang="en-US"/>
+        </a:p>
+      </dgm:t>
+    </dgm:pt>
+    <dgm:pt modelId="{9BCEA29C-3BEC-436E-8F8B-F168BFCD955F}" type="sibTrans" cxnId="{5867D082-9662-462A-B814-6066612683C9}">
+      <dgm:prSet/>
+      <dgm:spPr/>
+      <dgm:t>
+        <a:bodyPr/>
+        <a:lstStyle/>
+        <a:p>
+          <a:endParaRPr lang="en-US"/>
+        </a:p>
+      </dgm:t>
+    </dgm:pt>
+    <dgm:pt modelId="{4D717562-4E18-4735-8848-DD791CA44A4A}">
+      <dgm:prSet phldrT="[Text]"/>
+      <dgm:spPr/>
+      <dgm:t>
+        <a:bodyPr/>
+        <a:lstStyle/>
+        <a:p>
+          <a:pPr>
+            <a:buNone/>
+          </a:pPr>
+          <a:r>
+            <a:rPr lang="en-US" b="1" dirty="0" err="1">
+              <a:latin typeface="Aptos" panose="020B0004020202020204" pitchFamily="34" charset="0"/>
+            </a:rPr>
+            <a:t>Häusliches</a:t>
+          </a:r>
+          <a:r>
+            <a:rPr lang="en-US" b="1" dirty="0">
+              <a:latin typeface="Aptos" panose="020B0004020202020204" pitchFamily="34" charset="0"/>
+            </a:rPr>
+            <a:t> Assessment</a:t>
+          </a:r>
+        </a:p>
+      </dgm:t>
+    </dgm:pt>
+    <dgm:pt modelId="{90B868A7-DABB-4CB0-B9B3-F27745DEDFF0}" type="parTrans" cxnId="{7EAFFBA4-4BE2-4C5E-BF90-840AA0D9EAA2}">
+      <dgm:prSet/>
+      <dgm:spPr/>
+      <dgm:t>
+        <a:bodyPr/>
+        <a:lstStyle/>
+        <a:p>
+          <a:endParaRPr lang="en-US"/>
+        </a:p>
+      </dgm:t>
+    </dgm:pt>
+    <dgm:pt modelId="{9954CD5C-405B-438C-B01D-ABE71250EC64}" type="sibTrans" cxnId="{7EAFFBA4-4BE2-4C5E-BF90-840AA0D9EAA2}">
+      <dgm:prSet/>
+      <dgm:spPr/>
+      <dgm:t>
+        <a:bodyPr/>
+        <a:lstStyle/>
+        <a:p>
+          <a:endParaRPr lang="en-US"/>
+        </a:p>
+      </dgm:t>
+    </dgm:pt>
+    <dgm:pt modelId="{8AEB9306-6210-4DCD-BEBB-72888D55D078}">
+      <dgm:prSet phldrT="[Text]"/>
+      <dgm:spPr/>
+      <dgm:t>
+        <a:bodyPr/>
+        <a:lstStyle/>
+        <a:p>
+          <a:r>
+            <a:rPr lang="en-US" dirty="0">
+              <a:latin typeface="Aptos" panose="020B0004020202020204" pitchFamily="34" charset="0"/>
+            </a:rPr>
+            <a:t>Training</a:t>
+          </a:r>
+        </a:p>
+      </dgm:t>
+    </dgm:pt>
+    <dgm:pt modelId="{90DA9306-5F1E-4B67-8CA1-1255509C8D91}" type="parTrans" cxnId="{9A4C43C3-E29F-4568-B089-52AD463DCC3E}">
+      <dgm:prSet/>
+      <dgm:spPr/>
+      <dgm:t>
+        <a:bodyPr/>
+        <a:lstStyle/>
+        <a:p>
+          <a:endParaRPr lang="en-US"/>
+        </a:p>
+      </dgm:t>
+    </dgm:pt>
+    <dgm:pt modelId="{AFB14A72-B401-4724-914E-7D6056D116B3}" type="sibTrans" cxnId="{9A4C43C3-E29F-4568-B089-52AD463DCC3E}">
+      <dgm:prSet/>
+      <dgm:spPr/>
+      <dgm:t>
+        <a:bodyPr/>
+        <a:lstStyle/>
+        <a:p>
+          <a:endParaRPr lang="en-US"/>
+        </a:p>
+      </dgm:t>
+    </dgm:pt>
+    <dgm:pt modelId="{D806CA21-16F3-457D-80B4-E9EC0B0E5DC7}">
+      <dgm:prSet phldrT="[Text]"/>
+      <dgm:spPr/>
+      <dgm:t>
+        <a:bodyPr/>
+        <a:lstStyle/>
+        <a:p>
+          <a:pPr>
+            <a:buNone/>
+          </a:pPr>
+          <a:r>
+            <a:rPr lang="en-US" dirty="0" err="1">
+              <a:latin typeface="Aptos" panose="020B0004020202020204" pitchFamily="34" charset="0"/>
+            </a:rPr>
+            <a:t>Insgesamt</a:t>
+          </a:r>
+          <a:r>
+            <a:rPr lang="en-US" dirty="0">
+              <a:latin typeface="Aptos" panose="020B0004020202020204" pitchFamily="34" charset="0"/>
+            </a:rPr>
+            <a:t> 12 </a:t>
+          </a:r>
+          <a:r>
+            <a:rPr lang="en-US" dirty="0" err="1">
+              <a:latin typeface="Aptos" panose="020B0004020202020204" pitchFamily="34" charset="0"/>
+            </a:rPr>
+            <a:t>Einheiten</a:t>
+          </a:r>
+          <a:r>
+            <a:rPr lang="en-US" dirty="0">
+              <a:latin typeface="Aptos" panose="020B0004020202020204" pitchFamily="34" charset="0"/>
+            </a:rPr>
+            <a:t> auf dem </a:t>
+          </a:r>
+          <a:r>
+            <a:rPr lang="en-US" dirty="0" err="1">
+              <a:latin typeface="Aptos" panose="020B0004020202020204" pitchFamily="34" charset="0"/>
+            </a:rPr>
+            <a:t>Laufband</a:t>
+          </a:r>
+          <a:endParaRPr lang="en-US" dirty="0">
+            <a:latin typeface="Aptos" panose="020B0004020202020204" pitchFamily="34" charset="0"/>
+          </a:endParaRPr>
+        </a:p>
+      </dgm:t>
+    </dgm:pt>
+    <dgm:pt modelId="{FC9804EC-FFF5-45A2-B44D-2970A9A65E18}" type="parTrans" cxnId="{6C1A0062-BE8F-4D4B-B051-05C257F28B72}">
+      <dgm:prSet/>
+      <dgm:spPr/>
+      <dgm:t>
+        <a:bodyPr/>
+        <a:lstStyle/>
+        <a:p>
+          <a:endParaRPr lang="en-US"/>
+        </a:p>
+      </dgm:t>
+    </dgm:pt>
+    <dgm:pt modelId="{0EAB4EF7-3CD3-41DF-85C1-22731E0ED877}" type="sibTrans" cxnId="{6C1A0062-BE8F-4D4B-B051-05C257F28B72}">
+      <dgm:prSet/>
+      <dgm:spPr/>
+      <dgm:t>
+        <a:bodyPr/>
+        <a:lstStyle/>
+        <a:p>
+          <a:endParaRPr lang="en-US"/>
+        </a:p>
+      </dgm:t>
+    </dgm:pt>
+    <dgm:pt modelId="{F6CEA276-517F-4569-A968-45551367126F}">
+      <dgm:prSet phldrT="[Text]"/>
+      <dgm:spPr/>
+      <dgm:t>
+        <a:bodyPr/>
+        <a:lstStyle/>
+        <a:p>
+          <a:pPr>
+            <a:buNone/>
+          </a:pPr>
+          <a:r>
+            <a:rPr lang="en-US" dirty="0" err="1">
+              <a:latin typeface="Aptos" panose="020B0004020202020204" pitchFamily="34" charset="0"/>
+            </a:rPr>
+            <a:t>Individuelle</a:t>
+          </a:r>
+          <a:r>
+            <a:rPr lang="en-US" dirty="0">
+              <a:latin typeface="Aptos" panose="020B0004020202020204" pitchFamily="34" charset="0"/>
+            </a:rPr>
+            <a:t> </a:t>
+          </a:r>
+          <a:r>
+            <a:rPr lang="en-US" dirty="0" err="1">
+              <a:latin typeface="Aptos" panose="020B0004020202020204" pitchFamily="34" charset="0"/>
+            </a:rPr>
+            <a:t>Anpassung</a:t>
+          </a:r>
+          <a:r>
+            <a:rPr lang="en-US" dirty="0">
+              <a:latin typeface="Aptos" panose="020B0004020202020204" pitchFamily="34" charset="0"/>
+            </a:rPr>
+            <a:t> der </a:t>
+          </a:r>
+          <a:r>
+            <a:rPr lang="en-US" dirty="0" err="1">
+              <a:latin typeface="Aptos" panose="020B0004020202020204" pitchFamily="34" charset="0"/>
+            </a:rPr>
+            <a:t>Schwierigkeit</a:t>
+          </a:r>
+          <a:r>
+            <a:rPr lang="en-US" dirty="0">
+              <a:latin typeface="Aptos" panose="020B0004020202020204" pitchFamily="34" charset="0"/>
+            </a:rPr>
+            <a:t> </a:t>
+          </a:r>
+          <a:r>
+            <a:rPr lang="en-US" dirty="0" err="1">
+              <a:latin typeface="Aptos" panose="020B0004020202020204" pitchFamily="34" charset="0"/>
+            </a:rPr>
+            <a:t>bei</a:t>
+          </a:r>
+          <a:r>
+            <a:rPr lang="en-US" dirty="0">
+              <a:latin typeface="Aptos" panose="020B0004020202020204" pitchFamily="34" charset="0"/>
+            </a:rPr>
+            <a:t> </a:t>
+          </a:r>
+          <a:r>
+            <a:rPr lang="en-US" dirty="0" err="1">
+              <a:latin typeface="Aptos" panose="020B0004020202020204" pitchFamily="34" charset="0"/>
+            </a:rPr>
+            <a:t>jedem</a:t>
+          </a:r>
+          <a:r>
+            <a:rPr lang="en-US" dirty="0">
+              <a:latin typeface="Aptos" panose="020B0004020202020204" pitchFamily="34" charset="0"/>
+            </a:rPr>
+            <a:t> Training</a:t>
+          </a:r>
+        </a:p>
+      </dgm:t>
+    </dgm:pt>
+    <dgm:pt modelId="{4F514D12-44F9-447E-B197-27391544C7EB}" type="parTrans" cxnId="{1C46C5D4-6C8D-4312-B4D9-0EC598713FFE}">
+      <dgm:prSet/>
+      <dgm:spPr/>
+      <dgm:t>
+        <a:bodyPr/>
+        <a:lstStyle/>
+        <a:p>
+          <a:endParaRPr lang="en-US"/>
+        </a:p>
+      </dgm:t>
+    </dgm:pt>
+    <dgm:pt modelId="{6CA2098E-A5D3-4AFD-BBB5-5C02E2A4B1FD}" type="sibTrans" cxnId="{1C46C5D4-6C8D-4312-B4D9-0EC598713FFE}">
+      <dgm:prSet/>
+      <dgm:spPr/>
+      <dgm:t>
+        <a:bodyPr/>
+        <a:lstStyle/>
+        <a:p>
+          <a:endParaRPr lang="en-US"/>
+        </a:p>
+      </dgm:t>
+    </dgm:pt>
+    <dgm:pt modelId="{F266A626-B42D-445B-994C-9A2F9BDD8FB0}">
+      <dgm:prSet phldrT="[Text]"/>
+      <dgm:spPr/>
+      <dgm:t>
+        <a:bodyPr/>
+        <a:lstStyle/>
+        <a:p>
+          <a:r>
+            <a:rPr lang="en-US" dirty="0">
+              <a:latin typeface="Aptos" panose="020B0004020202020204" pitchFamily="34" charset="0"/>
+            </a:rPr>
+            <a:t>T1</a:t>
+          </a:r>
+        </a:p>
+      </dgm:t>
+    </dgm:pt>
+    <dgm:pt modelId="{708F10D8-5735-49B2-B6CA-9EA7512D821F}" type="parTrans" cxnId="{4E9C0F3B-2B7E-447F-9DC9-216F11ABF7E7}">
+      <dgm:prSet/>
+      <dgm:spPr/>
+      <dgm:t>
+        <a:bodyPr/>
+        <a:lstStyle/>
+        <a:p>
+          <a:endParaRPr lang="en-US"/>
+        </a:p>
+      </dgm:t>
+    </dgm:pt>
+    <dgm:pt modelId="{7E27EA74-A85F-40FF-9BDD-C1DC9872CEEA}" type="sibTrans" cxnId="{4E9C0F3B-2B7E-447F-9DC9-216F11ABF7E7}">
+      <dgm:prSet/>
+      <dgm:spPr/>
+      <dgm:t>
+        <a:bodyPr/>
+        <a:lstStyle/>
+        <a:p>
+          <a:endParaRPr lang="en-US"/>
+        </a:p>
+      </dgm:t>
+    </dgm:pt>
+    <dgm:pt modelId="{AD5D13A4-9732-4D92-8F62-264CEB1ABF04}">
+      <dgm:prSet phldrT="[Text]"/>
+      <dgm:spPr/>
+      <dgm:t>
+        <a:bodyPr/>
+        <a:lstStyle/>
+        <a:p>
+          <a:pPr>
+            <a:buFont typeface="Arial" panose="020B0604020202020204" pitchFamily="34" charset="0"/>
+            <a:buNone/>
+          </a:pPr>
+          <a:r>
+            <a:rPr lang="en-US" b="1" dirty="0" err="1">
+              <a:latin typeface="Aptos" panose="020B0004020202020204" pitchFamily="34" charset="0"/>
+            </a:rPr>
+            <a:t>Funktionelles</a:t>
+          </a:r>
+          <a:r>
+            <a:rPr lang="en-US" b="1" dirty="0">
+              <a:latin typeface="Aptos" panose="020B0004020202020204" pitchFamily="34" charset="0"/>
+            </a:rPr>
+            <a:t> Assessment</a:t>
+          </a:r>
+          <a:endParaRPr lang="en-US" dirty="0">
+            <a:latin typeface="Aptos" panose="020B0004020202020204" pitchFamily="34" charset="0"/>
+          </a:endParaRPr>
+        </a:p>
+      </dgm:t>
+    </dgm:pt>
+    <dgm:pt modelId="{AD4C3D24-36F0-482B-9162-E61C1688F20D}" type="parTrans" cxnId="{4394145C-DE9E-4581-978C-921F14E04421}">
+      <dgm:prSet/>
+      <dgm:spPr/>
+      <dgm:t>
+        <a:bodyPr/>
+        <a:lstStyle/>
+        <a:p>
+          <a:endParaRPr lang="en-US"/>
+        </a:p>
+      </dgm:t>
+    </dgm:pt>
+    <dgm:pt modelId="{7A0D30D8-A3C1-42D2-AC38-A50AD24B789A}" type="sibTrans" cxnId="{4394145C-DE9E-4581-978C-921F14E04421}">
+      <dgm:prSet/>
+      <dgm:spPr/>
+      <dgm:t>
+        <a:bodyPr/>
+        <a:lstStyle/>
+        <a:p>
+          <a:endParaRPr lang="en-US"/>
+        </a:p>
+      </dgm:t>
+    </dgm:pt>
+    <dgm:pt modelId="{B94ED90A-F98A-41FD-9CB5-6CCAEF309F16}">
+      <dgm:prSet phldrT="[Text]"/>
+      <dgm:spPr/>
+      <dgm:t>
+        <a:bodyPr/>
+        <a:lstStyle/>
+        <a:p>
+          <a:r>
+            <a:rPr lang="en-US" dirty="0">
+              <a:latin typeface="Aptos" panose="020B0004020202020204" pitchFamily="34" charset="0"/>
+            </a:rPr>
+            <a:t>T2</a:t>
+          </a:r>
+        </a:p>
+      </dgm:t>
+    </dgm:pt>
+    <dgm:pt modelId="{92820AE8-1095-4676-BD36-BD33E3DB694A}" type="parTrans" cxnId="{A9F062F5-AEDF-4F7D-8EA1-A289C592E215}">
+      <dgm:prSet/>
+      <dgm:spPr/>
+      <dgm:t>
+        <a:bodyPr/>
+        <a:lstStyle/>
+        <a:p>
+          <a:endParaRPr lang="en-US"/>
+        </a:p>
+      </dgm:t>
+    </dgm:pt>
+    <dgm:pt modelId="{322842E7-C18C-4431-BF38-13566A8B96C3}" type="sibTrans" cxnId="{A9F062F5-AEDF-4F7D-8EA1-A289C592E215}">
+      <dgm:prSet/>
+      <dgm:spPr/>
+      <dgm:t>
+        <a:bodyPr/>
+        <a:lstStyle/>
+        <a:p>
+          <a:endParaRPr lang="en-US"/>
+        </a:p>
+      </dgm:t>
+    </dgm:pt>
+    <dgm:pt modelId="{0754FEE0-24CB-4E5B-89E4-881896A35E45}">
+      <dgm:prSet phldrT="[Text]"/>
+      <dgm:spPr/>
+      <dgm:t>
+        <a:bodyPr/>
+        <a:lstStyle/>
+        <a:p>
+          <a:pPr>
+            <a:buNone/>
+          </a:pPr>
+          <a:r>
+            <a:rPr lang="en-US" dirty="0" err="1">
+              <a:latin typeface="Aptos" panose="020B0004020202020204" pitchFamily="34" charset="0"/>
+            </a:rPr>
+            <a:t>Klinische</a:t>
+          </a:r>
+          <a:r>
+            <a:rPr lang="en-US" dirty="0">
+              <a:latin typeface="Aptos" panose="020B0004020202020204" pitchFamily="34" charset="0"/>
+            </a:rPr>
+            <a:t> </a:t>
+          </a:r>
+          <a:r>
+            <a:rPr lang="en-US" dirty="0" err="1">
+              <a:latin typeface="Aptos" panose="020B0004020202020204" pitchFamily="34" charset="0"/>
+            </a:rPr>
+            <a:t>Untersuchtung</a:t>
+          </a:r>
+          <a:r>
+            <a:rPr lang="en-US" dirty="0">
+              <a:latin typeface="Aptos" panose="020B0004020202020204" pitchFamily="34" charset="0"/>
+            </a:rPr>
+            <a:t>, EEG, EMG, </a:t>
+          </a:r>
+          <a:r>
+            <a:rPr lang="en-US" dirty="0" err="1">
+              <a:latin typeface="Aptos" panose="020B0004020202020204" pitchFamily="34" charset="0"/>
+            </a:rPr>
+            <a:t>Laufband</a:t>
+          </a:r>
+          <a:endParaRPr lang="en-US" dirty="0">
+            <a:latin typeface="Aptos" panose="020B0004020202020204" pitchFamily="34" charset="0"/>
+          </a:endParaRPr>
+        </a:p>
+      </dgm:t>
+    </dgm:pt>
+    <dgm:pt modelId="{4CA7EC0C-A71D-40DB-92C4-0904A1FB1C9A}" type="parTrans" cxnId="{BE229594-AEF4-4DDA-AA34-959BFBF91CA7}">
+      <dgm:prSet/>
+      <dgm:spPr/>
+      <dgm:t>
+        <a:bodyPr/>
+        <a:lstStyle/>
+        <a:p>
+          <a:endParaRPr lang="en-US"/>
+        </a:p>
+      </dgm:t>
+    </dgm:pt>
+    <dgm:pt modelId="{A723ECA6-2D88-4D18-811E-B1BDBCFB2B94}" type="sibTrans" cxnId="{BE229594-AEF4-4DDA-AA34-959BFBF91CA7}">
+      <dgm:prSet/>
+      <dgm:spPr/>
+      <dgm:t>
+        <a:bodyPr/>
+        <a:lstStyle/>
+        <a:p>
+          <a:endParaRPr lang="en-US"/>
+        </a:p>
+      </dgm:t>
+    </dgm:pt>
+    <dgm:pt modelId="{625B9253-7D67-43F8-B6A6-CBBA979A9B3E}">
+      <dgm:prSet phldrT="[Text]"/>
+      <dgm:spPr/>
+      <dgm:t>
+        <a:bodyPr/>
+        <a:lstStyle/>
+        <a:p>
+          <a:pPr>
+            <a:buNone/>
+          </a:pPr>
+          <a:r>
+            <a:rPr lang="en-US" dirty="0" err="1">
+              <a:latin typeface="Aptos" panose="020B0004020202020204" pitchFamily="34" charset="0"/>
+            </a:rPr>
+            <a:t>Bewegungssensor</a:t>
+          </a:r>
+          <a:r>
+            <a:rPr lang="en-US" dirty="0">
+              <a:latin typeface="Aptos" panose="020B0004020202020204" pitchFamily="34" charset="0"/>
+            </a:rPr>
+            <a:t> </a:t>
+          </a:r>
+          <a:r>
+            <a:rPr lang="en-US" dirty="0" err="1">
+              <a:latin typeface="Aptos" panose="020B0004020202020204" pitchFamily="34" charset="0"/>
+            </a:rPr>
+            <a:t>wird</a:t>
+          </a:r>
+          <a:r>
+            <a:rPr lang="en-US" dirty="0">
+              <a:latin typeface="Aptos" panose="020B0004020202020204" pitchFamily="34" charset="0"/>
+            </a:rPr>
+            <a:t> am </a:t>
+          </a:r>
+          <a:r>
+            <a:rPr lang="en-US" dirty="0" err="1">
+              <a:latin typeface="Aptos" panose="020B0004020202020204" pitchFamily="34" charset="0"/>
+            </a:rPr>
+            <a:t>unteren</a:t>
+          </a:r>
+          <a:r>
+            <a:rPr lang="en-US" dirty="0">
+              <a:latin typeface="Aptos" panose="020B0004020202020204" pitchFamily="34" charset="0"/>
+            </a:rPr>
+            <a:t> </a:t>
+          </a:r>
+          <a:r>
+            <a:rPr lang="en-US" dirty="0" err="1">
+              <a:latin typeface="Aptos" panose="020B0004020202020204" pitchFamily="34" charset="0"/>
+            </a:rPr>
+            <a:t>Rücken</a:t>
+          </a:r>
+          <a:r>
+            <a:rPr lang="en-US" dirty="0">
+              <a:latin typeface="Aptos" panose="020B0004020202020204" pitchFamily="34" charset="0"/>
+            </a:rPr>
+            <a:t> für 7 </a:t>
+          </a:r>
+          <a:r>
+            <a:rPr lang="en-US" dirty="0" err="1">
+              <a:latin typeface="Aptos" panose="020B0004020202020204" pitchFamily="34" charset="0"/>
+            </a:rPr>
+            <a:t>Tage</a:t>
+          </a:r>
+          <a:r>
+            <a:rPr lang="en-US" dirty="0">
+              <a:latin typeface="Aptos" panose="020B0004020202020204" pitchFamily="34" charset="0"/>
+            </a:rPr>
+            <a:t> </a:t>
+          </a:r>
+          <a:r>
+            <a:rPr lang="en-US" dirty="0" err="1">
+              <a:latin typeface="Aptos" panose="020B0004020202020204" pitchFamily="34" charset="0"/>
+            </a:rPr>
+            <a:t>getragen</a:t>
+          </a:r>
+          <a:endParaRPr lang="en-US" dirty="0">
+            <a:latin typeface="Aptos" panose="020B0004020202020204" pitchFamily="34" charset="0"/>
+          </a:endParaRPr>
+        </a:p>
+      </dgm:t>
+    </dgm:pt>
+    <dgm:pt modelId="{BB205F10-DF91-43D3-8FAF-D18B5ECB9231}" type="parTrans" cxnId="{BE5B2635-C5DE-4B91-845E-D348A992DCB1}">
+      <dgm:prSet/>
+      <dgm:spPr/>
+      <dgm:t>
+        <a:bodyPr/>
+        <a:lstStyle/>
+        <a:p>
+          <a:endParaRPr lang="en-US"/>
+        </a:p>
+      </dgm:t>
+    </dgm:pt>
+    <dgm:pt modelId="{815C0B23-3A64-40E3-99E2-E4605E812D3A}" type="sibTrans" cxnId="{BE5B2635-C5DE-4B91-845E-D348A992DCB1}">
+      <dgm:prSet/>
+      <dgm:spPr/>
+      <dgm:t>
+        <a:bodyPr/>
+        <a:lstStyle/>
+        <a:p>
+          <a:endParaRPr lang="en-US"/>
+        </a:p>
+      </dgm:t>
+    </dgm:pt>
+    <dgm:pt modelId="{0FED48E3-C4F7-4994-BD22-71AE2D54419D}">
+      <dgm:prSet/>
+      <dgm:spPr/>
+      <dgm:t>
+        <a:bodyPr/>
+        <a:lstStyle/>
+        <a:p>
+          <a:pPr>
+            <a:buNone/>
+          </a:pPr>
+          <a:r>
+            <a:rPr lang="en-US">
+              <a:latin typeface="Aptos" panose="020B0004020202020204" pitchFamily="34" charset="0"/>
+            </a:rPr>
+            <a:t>Klinische Untersuchtung, EEG, EMG, Laufband</a:t>
+          </a:r>
+          <a:endParaRPr lang="en-US" dirty="0">
+            <a:latin typeface="Aptos" panose="020B0004020202020204" pitchFamily="34" charset="0"/>
+          </a:endParaRPr>
+        </a:p>
+      </dgm:t>
+    </dgm:pt>
+    <dgm:pt modelId="{AD9B6783-92CA-46AB-9434-9698B32B56F8}" type="parTrans" cxnId="{B9950DB5-CC74-4815-9695-3EF6C62218D4}">
+      <dgm:prSet/>
+      <dgm:spPr/>
+      <dgm:t>
+        <a:bodyPr/>
+        <a:lstStyle/>
+        <a:p>
+          <a:endParaRPr lang="en-US"/>
+        </a:p>
+      </dgm:t>
+    </dgm:pt>
+    <dgm:pt modelId="{FD95F658-7C7B-40AB-ACAA-09AF784803E2}" type="sibTrans" cxnId="{B9950DB5-CC74-4815-9695-3EF6C62218D4}">
+      <dgm:prSet/>
+      <dgm:spPr/>
+      <dgm:t>
+        <a:bodyPr/>
+        <a:lstStyle/>
+        <a:p>
+          <a:endParaRPr lang="en-US"/>
+        </a:p>
+      </dgm:t>
+    </dgm:pt>
+    <dgm:pt modelId="{7622F851-45A3-41A9-B43D-FEE92C42295A}">
+      <dgm:prSet/>
+      <dgm:spPr/>
+      <dgm:t>
+        <a:bodyPr/>
+        <a:lstStyle/>
+        <a:p>
+          <a:pPr>
+            <a:buNone/>
+          </a:pPr>
+          <a:r>
+            <a:rPr lang="en-US" b="1">
+              <a:latin typeface="Aptos" panose="020B0004020202020204" pitchFamily="34" charset="0"/>
+            </a:rPr>
+            <a:t>Häusliches Assessment</a:t>
+          </a:r>
+          <a:endParaRPr lang="en-US" b="1" dirty="0">
+            <a:latin typeface="Aptos" panose="020B0004020202020204" pitchFamily="34" charset="0"/>
+          </a:endParaRPr>
+        </a:p>
+      </dgm:t>
+    </dgm:pt>
+    <dgm:pt modelId="{EEDCF924-E6EF-482D-967F-B1AA540D9080}" type="parTrans" cxnId="{B2B843F2-B2E0-416D-BAA7-493E3A09C16A}">
+      <dgm:prSet/>
+      <dgm:spPr/>
+      <dgm:t>
+        <a:bodyPr/>
+        <a:lstStyle/>
+        <a:p>
+          <a:endParaRPr lang="en-US"/>
+        </a:p>
+      </dgm:t>
+    </dgm:pt>
+    <dgm:pt modelId="{63BAF9F5-9BAB-4DF5-9C1C-7713C2EFBCFF}" type="sibTrans" cxnId="{B2B843F2-B2E0-416D-BAA7-493E3A09C16A}">
+      <dgm:prSet/>
+      <dgm:spPr/>
+      <dgm:t>
+        <a:bodyPr/>
+        <a:lstStyle/>
+        <a:p>
+          <a:endParaRPr lang="en-US"/>
+        </a:p>
+      </dgm:t>
+    </dgm:pt>
+    <dgm:pt modelId="{56FE0D65-7CFE-4146-A4B8-222C9467569F}">
+      <dgm:prSet/>
+      <dgm:spPr/>
+      <dgm:t>
+        <a:bodyPr/>
+        <a:lstStyle/>
+        <a:p>
+          <a:pPr>
+            <a:buNone/>
+          </a:pPr>
+          <a:r>
+            <a:rPr lang="en-US" dirty="0" err="1">
+              <a:latin typeface="Aptos" panose="020B0004020202020204" pitchFamily="34" charset="0"/>
+            </a:rPr>
+            <a:t>Bewegungssensor</a:t>
+          </a:r>
+          <a:r>
+            <a:rPr lang="en-US" dirty="0">
+              <a:latin typeface="Aptos" panose="020B0004020202020204" pitchFamily="34" charset="0"/>
+            </a:rPr>
+            <a:t> </a:t>
+          </a:r>
+          <a:r>
+            <a:rPr lang="en-US" dirty="0" err="1">
+              <a:latin typeface="Aptos" panose="020B0004020202020204" pitchFamily="34" charset="0"/>
+            </a:rPr>
+            <a:t>wird</a:t>
+          </a:r>
+          <a:r>
+            <a:rPr lang="en-US" dirty="0">
+              <a:latin typeface="Aptos" panose="020B0004020202020204" pitchFamily="34" charset="0"/>
+            </a:rPr>
+            <a:t> am </a:t>
+          </a:r>
+          <a:r>
+            <a:rPr lang="en-US" dirty="0" err="1">
+              <a:latin typeface="Aptos" panose="020B0004020202020204" pitchFamily="34" charset="0"/>
+            </a:rPr>
+            <a:t>unteren</a:t>
+          </a:r>
+          <a:r>
+            <a:rPr lang="en-US" dirty="0">
+              <a:latin typeface="Aptos" panose="020B0004020202020204" pitchFamily="34" charset="0"/>
+            </a:rPr>
+            <a:t> </a:t>
+          </a:r>
+          <a:r>
+            <a:rPr lang="en-US" dirty="0" err="1">
+              <a:latin typeface="Aptos" panose="020B0004020202020204" pitchFamily="34" charset="0"/>
+            </a:rPr>
+            <a:t>Rücken</a:t>
+          </a:r>
+          <a:r>
+            <a:rPr lang="en-US" dirty="0">
+              <a:latin typeface="Aptos" panose="020B0004020202020204" pitchFamily="34" charset="0"/>
+            </a:rPr>
+            <a:t> für 7 </a:t>
+          </a:r>
+          <a:r>
+            <a:rPr lang="en-US" dirty="0" err="1">
+              <a:latin typeface="Aptos" panose="020B0004020202020204" pitchFamily="34" charset="0"/>
+            </a:rPr>
+            <a:t>Tage</a:t>
+          </a:r>
+          <a:r>
+            <a:rPr lang="en-US" dirty="0">
+              <a:latin typeface="Aptos" panose="020B0004020202020204" pitchFamily="34" charset="0"/>
+            </a:rPr>
+            <a:t> </a:t>
+          </a:r>
+          <a:r>
+            <a:rPr lang="en-US" dirty="0" err="1">
+              <a:latin typeface="Aptos" panose="020B0004020202020204" pitchFamily="34" charset="0"/>
+            </a:rPr>
+            <a:t>getragen</a:t>
+          </a:r>
+          <a:endParaRPr lang="en-US" dirty="0">
+            <a:latin typeface="Aptos" panose="020B0004020202020204" pitchFamily="34" charset="0"/>
+          </a:endParaRPr>
+        </a:p>
+      </dgm:t>
+    </dgm:pt>
+    <dgm:pt modelId="{23317FA7-2C26-4C11-A42A-9A69922826DC}" type="parTrans" cxnId="{C2C6F664-BC3D-47B7-8930-3D34B0C5128C}">
+      <dgm:prSet/>
+      <dgm:spPr/>
+      <dgm:t>
+        <a:bodyPr/>
+        <a:lstStyle/>
+        <a:p>
+          <a:endParaRPr lang="en-US"/>
+        </a:p>
+      </dgm:t>
+    </dgm:pt>
+    <dgm:pt modelId="{B76B904E-5B99-41F1-8B1C-07C28BDA3BC8}" type="sibTrans" cxnId="{C2C6F664-BC3D-47B7-8930-3D34B0C5128C}">
+      <dgm:prSet/>
+      <dgm:spPr/>
+      <dgm:t>
+        <a:bodyPr/>
+        <a:lstStyle/>
+        <a:p>
+          <a:endParaRPr lang="en-US"/>
+        </a:p>
+      </dgm:t>
+    </dgm:pt>
+    <dgm:pt modelId="{CDFE8B26-511E-4D6E-99F9-B836130F20D2}">
+      <dgm:prSet phldrT="[Text]"/>
+      <dgm:spPr/>
+      <dgm:t>
+        <a:bodyPr/>
+        <a:lstStyle/>
+        <a:p>
+          <a:pPr>
+            <a:buNone/>
+          </a:pPr>
+          <a:r>
+            <a:rPr lang="en-US" u="sng" dirty="0" err="1">
+              <a:latin typeface="Aptos" panose="020B0004020202020204" pitchFamily="34" charset="0"/>
+            </a:rPr>
+            <a:t>Nach</a:t>
+          </a:r>
+          <a:r>
+            <a:rPr lang="en-US" u="sng" dirty="0">
+              <a:latin typeface="Aptos" panose="020B0004020202020204" pitchFamily="34" charset="0"/>
+            </a:rPr>
+            <a:t> ca. 14 </a:t>
+          </a:r>
+          <a:r>
+            <a:rPr lang="en-US" u="sng" dirty="0" err="1">
+              <a:latin typeface="Aptos" panose="020B0004020202020204" pitchFamily="34" charset="0"/>
+            </a:rPr>
+            <a:t>Wochen</a:t>
+          </a:r>
+          <a:r>
+            <a:rPr lang="en-US" u="sng" dirty="0">
+              <a:latin typeface="Aptos" panose="020B0004020202020204" pitchFamily="34" charset="0"/>
+            </a:rPr>
+            <a:t> Pause: Follow-up </a:t>
+          </a:r>
+          <a:r>
+            <a:rPr lang="en-US" u="sng" dirty="0" err="1">
+              <a:latin typeface="Aptos" panose="020B0004020202020204" pitchFamily="34" charset="0"/>
+            </a:rPr>
+            <a:t>Untersuchung</a:t>
+          </a:r>
+          <a:endParaRPr lang="en-US" u="sng" dirty="0">
+            <a:latin typeface="Aptos" panose="020B0004020202020204" pitchFamily="34" charset="0"/>
+          </a:endParaRPr>
+        </a:p>
+      </dgm:t>
+    </dgm:pt>
+    <dgm:pt modelId="{BAB511B8-1D56-4AB9-BFCE-FD79F8E4BCEE}" type="parTrans" cxnId="{6958AD1C-6E84-4C81-9C55-A8F50DFF937E}">
+      <dgm:prSet/>
+      <dgm:spPr/>
+      <dgm:t>
+        <a:bodyPr/>
+        <a:lstStyle/>
+        <a:p>
+          <a:endParaRPr lang="en-US"/>
+        </a:p>
+      </dgm:t>
+    </dgm:pt>
+    <dgm:pt modelId="{930AAD13-00F3-43F9-9573-EBCB9D3081E5}" type="sibTrans" cxnId="{6958AD1C-6E84-4C81-9C55-A8F50DFF937E}">
+      <dgm:prSet/>
+      <dgm:spPr/>
+      <dgm:t>
+        <a:bodyPr/>
+        <a:lstStyle/>
+        <a:p>
+          <a:endParaRPr lang="en-US"/>
+        </a:p>
+      </dgm:t>
+    </dgm:pt>
+    <dgm:pt modelId="{43FB1F4E-1845-4D2D-8C2C-B51BC82DF9D1}">
+      <dgm:prSet phldrT="[Text]"/>
+      <dgm:spPr/>
+      <dgm:t>
+        <a:bodyPr/>
+        <a:lstStyle/>
+        <a:p>
+          <a:pPr>
+            <a:buFont typeface="Arial" panose="020B0604020202020204" pitchFamily="34" charset="0"/>
+            <a:buNone/>
+          </a:pPr>
+          <a:r>
+            <a:rPr lang="en-US" b="1" dirty="0" err="1">
+              <a:latin typeface="Aptos" panose="020B0004020202020204" pitchFamily="34" charset="0"/>
+            </a:rPr>
+            <a:t>Funktionelles</a:t>
+          </a:r>
+          <a:r>
+            <a:rPr lang="en-US" b="1" dirty="0">
+              <a:latin typeface="Aptos" panose="020B0004020202020204" pitchFamily="34" charset="0"/>
+            </a:rPr>
+            <a:t> Assessment</a:t>
+          </a:r>
+          <a:endParaRPr lang="en-US" dirty="0">
+            <a:latin typeface="Aptos" panose="020B0004020202020204" pitchFamily="34" charset="0"/>
+          </a:endParaRPr>
+        </a:p>
+      </dgm:t>
+    </dgm:pt>
+    <dgm:pt modelId="{F3399AE5-F581-4BA5-81D3-EC6599F20C53}" type="parTrans" cxnId="{44017A6E-466D-48BA-81B8-FAA66CFE0636}">
+      <dgm:prSet/>
+      <dgm:spPr/>
+      <dgm:t>
+        <a:bodyPr/>
+        <a:lstStyle/>
+        <a:p>
+          <a:endParaRPr lang="en-US"/>
+        </a:p>
+      </dgm:t>
+    </dgm:pt>
+    <dgm:pt modelId="{BBC854A6-CD3B-4B1D-998F-EF82B69CE4A8}" type="sibTrans" cxnId="{44017A6E-466D-48BA-81B8-FAA66CFE0636}">
+      <dgm:prSet/>
+      <dgm:spPr/>
+      <dgm:t>
+        <a:bodyPr/>
+        <a:lstStyle/>
+        <a:p>
+          <a:endParaRPr lang="en-US"/>
+        </a:p>
+      </dgm:t>
+    </dgm:pt>
+    <dgm:pt modelId="{429F6938-64BD-46EE-A196-BFC138FD09CB}">
+      <dgm:prSet/>
+      <dgm:spPr/>
+      <dgm:t>
+        <a:bodyPr/>
+        <a:lstStyle/>
+        <a:p>
+          <a:pPr>
+            <a:buNone/>
+          </a:pPr>
+          <a:r>
+            <a:rPr lang="en-US">
+              <a:latin typeface="Aptos" panose="020B0004020202020204" pitchFamily="34" charset="0"/>
+            </a:rPr>
+            <a:t>Klinische Untersuchtung, EEG, EMG, Laufband</a:t>
+          </a:r>
+          <a:endParaRPr lang="en-US" dirty="0">
+            <a:latin typeface="Aptos" panose="020B0004020202020204" pitchFamily="34" charset="0"/>
+          </a:endParaRPr>
+        </a:p>
+      </dgm:t>
+    </dgm:pt>
+    <dgm:pt modelId="{97124232-45EF-4178-9B91-99C4C297452D}" type="parTrans" cxnId="{FBAC3C58-6CD6-4209-B512-6234A047F2FC}">
+      <dgm:prSet/>
+      <dgm:spPr/>
+      <dgm:t>
+        <a:bodyPr/>
+        <a:lstStyle/>
+        <a:p>
+          <a:endParaRPr lang="en-US"/>
+        </a:p>
+      </dgm:t>
+    </dgm:pt>
+    <dgm:pt modelId="{3FC9957C-C58A-4962-B7CA-929CC83B40DF}" type="sibTrans" cxnId="{FBAC3C58-6CD6-4209-B512-6234A047F2FC}">
+      <dgm:prSet/>
+      <dgm:spPr/>
+      <dgm:t>
+        <a:bodyPr/>
+        <a:lstStyle/>
+        <a:p>
+          <a:endParaRPr lang="en-US"/>
+        </a:p>
+      </dgm:t>
+    </dgm:pt>
+    <dgm:pt modelId="{4861E71A-3EA8-4F28-B924-05230DA6A3DA}">
+      <dgm:prSet/>
+      <dgm:spPr/>
+      <dgm:t>
+        <a:bodyPr/>
+        <a:lstStyle/>
+        <a:p>
+          <a:pPr>
+            <a:buNone/>
+          </a:pPr>
+          <a:r>
+            <a:rPr lang="en-US" b="1">
+              <a:latin typeface="Aptos" panose="020B0004020202020204" pitchFamily="34" charset="0"/>
+            </a:rPr>
+            <a:t>Häusliches Assessment</a:t>
+          </a:r>
+          <a:endParaRPr lang="en-US" b="1" dirty="0">
+            <a:latin typeface="Aptos" panose="020B0004020202020204" pitchFamily="34" charset="0"/>
+          </a:endParaRPr>
+        </a:p>
+      </dgm:t>
+    </dgm:pt>
+    <dgm:pt modelId="{8C44ABFD-03A8-4D48-B73B-D111A7C88F93}" type="parTrans" cxnId="{20718F94-BE05-4CEB-8659-7EACB3A9A08B}">
+      <dgm:prSet/>
+      <dgm:spPr/>
+      <dgm:t>
+        <a:bodyPr/>
+        <a:lstStyle/>
+        <a:p>
+          <a:endParaRPr lang="en-US"/>
+        </a:p>
+      </dgm:t>
+    </dgm:pt>
+    <dgm:pt modelId="{46A234D8-DD5C-4071-8C06-C8841B8E9256}" type="sibTrans" cxnId="{20718F94-BE05-4CEB-8659-7EACB3A9A08B}">
+      <dgm:prSet/>
+      <dgm:spPr/>
+      <dgm:t>
+        <a:bodyPr/>
+        <a:lstStyle/>
+        <a:p>
+          <a:endParaRPr lang="en-US"/>
+        </a:p>
+      </dgm:t>
+    </dgm:pt>
+    <dgm:pt modelId="{01BFD7A2-771D-442B-B111-53B1A2753B16}">
+      <dgm:prSet/>
+      <dgm:spPr/>
+      <dgm:t>
+        <a:bodyPr/>
+        <a:lstStyle/>
+        <a:p>
+          <a:pPr>
+            <a:buNone/>
+          </a:pPr>
+          <a:r>
+            <a:rPr lang="en-US" dirty="0" err="1">
+              <a:latin typeface="Aptos" panose="020B0004020202020204" pitchFamily="34" charset="0"/>
+            </a:rPr>
+            <a:t>Bewegungssensor</a:t>
+          </a:r>
+          <a:r>
+            <a:rPr lang="en-US" dirty="0">
+              <a:latin typeface="Aptos" panose="020B0004020202020204" pitchFamily="34" charset="0"/>
+            </a:rPr>
+            <a:t> </a:t>
+          </a:r>
+          <a:r>
+            <a:rPr lang="en-US" dirty="0" err="1">
+              <a:latin typeface="Aptos" panose="020B0004020202020204" pitchFamily="34" charset="0"/>
+            </a:rPr>
+            <a:t>wird</a:t>
+          </a:r>
+          <a:r>
+            <a:rPr lang="en-US" dirty="0">
+              <a:latin typeface="Aptos" panose="020B0004020202020204" pitchFamily="34" charset="0"/>
+            </a:rPr>
+            <a:t> am </a:t>
+          </a:r>
+          <a:r>
+            <a:rPr lang="en-US" dirty="0" err="1">
+              <a:latin typeface="Aptos" panose="020B0004020202020204" pitchFamily="34" charset="0"/>
+            </a:rPr>
+            <a:t>unteren</a:t>
+          </a:r>
+          <a:r>
+            <a:rPr lang="en-US" dirty="0">
+              <a:latin typeface="Aptos" panose="020B0004020202020204" pitchFamily="34" charset="0"/>
+            </a:rPr>
+            <a:t> </a:t>
+          </a:r>
+          <a:r>
+            <a:rPr lang="en-US" dirty="0" err="1">
+              <a:latin typeface="Aptos" panose="020B0004020202020204" pitchFamily="34" charset="0"/>
+            </a:rPr>
+            <a:t>Rücken</a:t>
+          </a:r>
+          <a:r>
+            <a:rPr lang="en-US" dirty="0">
+              <a:latin typeface="Aptos" panose="020B0004020202020204" pitchFamily="34" charset="0"/>
+            </a:rPr>
+            <a:t> für 7 </a:t>
+          </a:r>
+          <a:r>
+            <a:rPr lang="en-US" dirty="0" err="1">
+              <a:latin typeface="Aptos" panose="020B0004020202020204" pitchFamily="34" charset="0"/>
+            </a:rPr>
+            <a:t>Tage</a:t>
+          </a:r>
+          <a:r>
+            <a:rPr lang="en-US" dirty="0">
+              <a:latin typeface="Aptos" panose="020B0004020202020204" pitchFamily="34" charset="0"/>
+            </a:rPr>
+            <a:t> </a:t>
+          </a:r>
+          <a:r>
+            <a:rPr lang="en-US" dirty="0" err="1">
+              <a:latin typeface="Aptos" panose="020B0004020202020204" pitchFamily="34" charset="0"/>
+            </a:rPr>
+            <a:t>getragen</a:t>
+          </a:r>
+          <a:endParaRPr lang="en-US" dirty="0">
+            <a:latin typeface="Aptos" panose="020B0004020202020204" pitchFamily="34" charset="0"/>
+          </a:endParaRPr>
+        </a:p>
+      </dgm:t>
+    </dgm:pt>
+    <dgm:pt modelId="{F5EF1D7E-00C2-4C07-AF7D-EB9B206337A0}" type="parTrans" cxnId="{E03ADCF1-4E65-4A6F-AD79-DF5C4743D27D}">
+      <dgm:prSet/>
+      <dgm:spPr/>
+      <dgm:t>
+        <a:bodyPr/>
+        <a:lstStyle/>
+        <a:p>
+          <a:endParaRPr lang="en-US"/>
+        </a:p>
+      </dgm:t>
+    </dgm:pt>
+    <dgm:pt modelId="{D3DCBF18-DE1D-4FE9-A53A-469B49FEA12C}" type="sibTrans" cxnId="{E03ADCF1-4E65-4A6F-AD79-DF5C4743D27D}">
+      <dgm:prSet/>
+      <dgm:spPr/>
+      <dgm:t>
+        <a:bodyPr/>
+        <a:lstStyle/>
+        <a:p>
+          <a:endParaRPr lang="en-US"/>
+        </a:p>
+      </dgm:t>
+    </dgm:pt>
+    <dgm:pt modelId="{23D96D92-F9BB-422F-BBBC-B4A6D9F13F5C}" type="pres">
+      <dgm:prSet presAssocID="{6DE9F129-B1C0-419A-93DE-22F23E0E61A2}" presName="linearFlow" presStyleCnt="0">
+        <dgm:presLayoutVars>
+          <dgm:dir/>
+          <dgm:animLvl val="lvl"/>
+          <dgm:resizeHandles val="exact"/>
+        </dgm:presLayoutVars>
+      </dgm:prSet>
+      <dgm:spPr/>
+    </dgm:pt>
+    <dgm:pt modelId="{7A83C871-884E-40DE-B4DE-95859227B87F}" type="pres">
+      <dgm:prSet presAssocID="{F7851DDA-CA7D-4F4D-852C-37B13643F3F8}" presName="composite" presStyleCnt="0"/>
+      <dgm:spPr/>
+    </dgm:pt>
+    <dgm:pt modelId="{868EFFCA-E8AB-4BDE-B38A-F0E20AAAFABD}" type="pres">
+      <dgm:prSet presAssocID="{F7851DDA-CA7D-4F4D-852C-37B13643F3F8}" presName="parentText" presStyleLbl="alignNode1" presStyleIdx="0" presStyleCnt="4">
+        <dgm:presLayoutVars>
+          <dgm:chMax val="1"/>
+          <dgm:bulletEnabled val="1"/>
+        </dgm:presLayoutVars>
+      </dgm:prSet>
+      <dgm:spPr/>
+    </dgm:pt>
+    <dgm:pt modelId="{48EAD23B-6D05-432D-813F-EA2F527C1D61}" type="pres">
+      <dgm:prSet presAssocID="{F7851DDA-CA7D-4F4D-852C-37B13643F3F8}" presName="descendantText" presStyleLbl="alignAcc1" presStyleIdx="0" presStyleCnt="4">
+        <dgm:presLayoutVars>
+          <dgm:bulletEnabled val="1"/>
+        </dgm:presLayoutVars>
+      </dgm:prSet>
+      <dgm:spPr>
+        <a:prstGeom prst="rect">
+          <a:avLst/>
+        </a:prstGeom>
+      </dgm:spPr>
+    </dgm:pt>
+    <dgm:pt modelId="{AA69D01D-E223-4968-9162-B67DCFE30158}" type="pres">
+      <dgm:prSet presAssocID="{740A147A-A963-42C4-BF4F-B32682B57BF7}" presName="sp" presStyleCnt="0"/>
+      <dgm:spPr/>
+    </dgm:pt>
+    <dgm:pt modelId="{3C4472A2-96DE-4C47-A8F6-D6293E47BF9D}" type="pres">
+      <dgm:prSet presAssocID="{8AEB9306-6210-4DCD-BEBB-72888D55D078}" presName="composite" presStyleCnt="0"/>
+      <dgm:spPr/>
+    </dgm:pt>
+    <dgm:pt modelId="{3CF5F083-9A12-488A-95C3-152E6F136E17}" type="pres">
+      <dgm:prSet presAssocID="{8AEB9306-6210-4DCD-BEBB-72888D55D078}" presName="parentText" presStyleLbl="alignNode1" presStyleIdx="1" presStyleCnt="4">
+        <dgm:presLayoutVars>
+          <dgm:chMax val="1"/>
+          <dgm:bulletEnabled val="1"/>
+        </dgm:presLayoutVars>
+      </dgm:prSet>
+      <dgm:spPr/>
+    </dgm:pt>
+    <dgm:pt modelId="{E5673444-C8EE-457D-9B53-FD467534426F}" type="pres">
+      <dgm:prSet presAssocID="{8AEB9306-6210-4DCD-BEBB-72888D55D078}" presName="descendantText" presStyleLbl="alignAcc1" presStyleIdx="1" presStyleCnt="4">
+        <dgm:presLayoutVars>
+          <dgm:bulletEnabled val="1"/>
+        </dgm:presLayoutVars>
+      </dgm:prSet>
+      <dgm:spPr>
+        <a:prstGeom prst="rect">
+          <a:avLst/>
+        </a:prstGeom>
+      </dgm:spPr>
+    </dgm:pt>
+    <dgm:pt modelId="{453967C1-8E33-48FD-B0F2-1C5DC28D1C48}" type="pres">
+      <dgm:prSet presAssocID="{AFB14A72-B401-4724-914E-7D6056D116B3}" presName="sp" presStyleCnt="0"/>
+      <dgm:spPr/>
+    </dgm:pt>
+    <dgm:pt modelId="{DA28E934-2F49-42F3-83A6-C7E7F761DE4E}" type="pres">
+      <dgm:prSet presAssocID="{F266A626-B42D-445B-994C-9A2F9BDD8FB0}" presName="composite" presStyleCnt="0"/>
+      <dgm:spPr/>
+    </dgm:pt>
+    <dgm:pt modelId="{C28203CD-D615-45B9-9F2E-FA4A8360ADB4}" type="pres">
+      <dgm:prSet presAssocID="{F266A626-B42D-445B-994C-9A2F9BDD8FB0}" presName="parentText" presStyleLbl="alignNode1" presStyleIdx="2" presStyleCnt="4">
+        <dgm:presLayoutVars>
+          <dgm:chMax val="1"/>
+          <dgm:bulletEnabled val="1"/>
+        </dgm:presLayoutVars>
+      </dgm:prSet>
+      <dgm:spPr/>
+    </dgm:pt>
+    <dgm:pt modelId="{2DED2CC4-F95F-459F-8BBF-C3E31F07E732}" type="pres">
+      <dgm:prSet presAssocID="{F266A626-B42D-445B-994C-9A2F9BDD8FB0}" presName="descendantText" presStyleLbl="alignAcc1" presStyleIdx="2" presStyleCnt="4">
+        <dgm:presLayoutVars>
+          <dgm:bulletEnabled val="1"/>
+        </dgm:presLayoutVars>
+      </dgm:prSet>
+      <dgm:spPr>
+        <a:prstGeom prst="rect">
+          <a:avLst/>
+        </a:prstGeom>
+      </dgm:spPr>
+    </dgm:pt>
+    <dgm:pt modelId="{E57C71CC-B570-452A-A931-34D8106FA5BC}" type="pres">
+      <dgm:prSet presAssocID="{7E27EA74-A85F-40FF-9BDD-C1DC9872CEEA}" presName="sp" presStyleCnt="0"/>
+      <dgm:spPr/>
+    </dgm:pt>
+    <dgm:pt modelId="{EEDEB2E2-49AF-4C04-9A0E-99DAE11C3FBB}" type="pres">
+      <dgm:prSet presAssocID="{B94ED90A-F98A-41FD-9CB5-6CCAEF309F16}" presName="composite" presStyleCnt="0"/>
+      <dgm:spPr/>
+    </dgm:pt>
+    <dgm:pt modelId="{721F5515-F498-437B-A584-198BB37F68B8}" type="pres">
+      <dgm:prSet presAssocID="{B94ED90A-F98A-41FD-9CB5-6CCAEF309F16}" presName="parentText" presStyleLbl="alignNode1" presStyleIdx="3" presStyleCnt="4">
+        <dgm:presLayoutVars>
+          <dgm:chMax val="1"/>
+          <dgm:bulletEnabled val="1"/>
+        </dgm:presLayoutVars>
+      </dgm:prSet>
+      <dgm:spPr/>
+    </dgm:pt>
+    <dgm:pt modelId="{E5A7108A-6F22-4D9F-810D-B3F64F969416}" type="pres">
+      <dgm:prSet presAssocID="{B94ED90A-F98A-41FD-9CB5-6CCAEF309F16}" presName="descendantText" presStyleLbl="alignAcc1" presStyleIdx="3" presStyleCnt="4" custScaleY="111899">
+        <dgm:presLayoutVars>
+          <dgm:bulletEnabled val="1"/>
+        </dgm:presLayoutVars>
+      </dgm:prSet>
+      <dgm:spPr>
+        <a:prstGeom prst="rect">
+          <a:avLst/>
+        </a:prstGeom>
+      </dgm:spPr>
+    </dgm:pt>
+  </dgm:ptLst>
+  <dgm:cxnLst>
+    <dgm:cxn modelId="{7122F513-6AC9-4E29-A993-0A279CA948E1}" type="presOf" srcId="{AD5D13A4-9732-4D92-8F62-264CEB1ABF04}" destId="{2DED2CC4-F95F-459F-8BBF-C3E31F07E732}" srcOrd="0" destOrd="0" presId="urn:microsoft.com/office/officeart/2005/8/layout/chevron2"/>
+    <dgm:cxn modelId="{6958AD1C-6E84-4C81-9C55-A8F50DFF937E}" srcId="{B94ED90A-F98A-41FD-9CB5-6CCAEF309F16}" destId="{CDFE8B26-511E-4D6E-99F9-B836130F20D2}" srcOrd="0" destOrd="0" parTransId="{BAB511B8-1D56-4AB9-BFCE-FD79F8E4BCEE}" sibTransId="{930AAD13-00F3-43F9-9573-EBCB9D3081E5}"/>
+    <dgm:cxn modelId="{51D67C1E-AEE2-4ED1-A426-9665F62A271B}" type="presOf" srcId="{43FB1F4E-1845-4D2D-8C2C-B51BC82DF9D1}" destId="{E5A7108A-6F22-4D9F-810D-B3F64F969416}" srcOrd="0" destOrd="1" presId="urn:microsoft.com/office/officeart/2005/8/layout/chevron2"/>
+    <dgm:cxn modelId="{EB7CD21F-29AB-45BF-93F2-EA9B87895091}" type="presOf" srcId="{F7851DDA-CA7D-4F4D-852C-37B13643F3F8}" destId="{868EFFCA-E8AB-4BDE-B38A-F0E20AAAFABD}" srcOrd="0" destOrd="0" presId="urn:microsoft.com/office/officeart/2005/8/layout/chevron2"/>
+    <dgm:cxn modelId="{BE5B2635-C5DE-4B91-845E-D348A992DCB1}" srcId="{F7851DDA-CA7D-4F4D-852C-37B13643F3F8}" destId="{625B9253-7D67-43F8-B6A6-CBBA979A9B3E}" srcOrd="3" destOrd="0" parTransId="{BB205F10-DF91-43D3-8FAF-D18B5ECB9231}" sibTransId="{815C0B23-3A64-40E3-99E2-E4605E812D3A}"/>
+    <dgm:cxn modelId="{7622753A-D933-45C7-8C57-D165473ADDA7}" type="presOf" srcId="{0FED48E3-C4F7-4994-BD22-71AE2D54419D}" destId="{2DED2CC4-F95F-459F-8BBF-C3E31F07E732}" srcOrd="0" destOrd="1" presId="urn:microsoft.com/office/officeart/2005/8/layout/chevron2"/>
+    <dgm:cxn modelId="{4E9C0F3B-2B7E-447F-9DC9-216F11ABF7E7}" srcId="{6DE9F129-B1C0-419A-93DE-22F23E0E61A2}" destId="{F266A626-B42D-445B-994C-9A2F9BDD8FB0}" srcOrd="2" destOrd="0" parTransId="{708F10D8-5735-49B2-B6CA-9EA7512D821F}" sibTransId="{7E27EA74-A85F-40FF-9BDD-C1DC9872CEEA}"/>
+    <dgm:cxn modelId="{4394145C-DE9E-4581-978C-921F14E04421}" srcId="{F266A626-B42D-445B-994C-9A2F9BDD8FB0}" destId="{AD5D13A4-9732-4D92-8F62-264CEB1ABF04}" srcOrd="0" destOrd="0" parTransId="{AD4C3D24-36F0-482B-9162-E61C1688F20D}" sibTransId="{7A0D30D8-A3C1-42D2-AC38-A50AD24B789A}"/>
+    <dgm:cxn modelId="{6C1A0062-BE8F-4D4B-B051-05C257F28B72}" srcId="{8AEB9306-6210-4DCD-BEBB-72888D55D078}" destId="{D806CA21-16F3-457D-80B4-E9EC0B0E5DC7}" srcOrd="0" destOrd="0" parTransId="{FC9804EC-FFF5-45A2-B44D-2970A9A65E18}" sibTransId="{0EAB4EF7-3CD3-41DF-85C1-22731E0ED877}"/>
+    <dgm:cxn modelId="{C2C6F664-BC3D-47B7-8930-3D34B0C5128C}" srcId="{F266A626-B42D-445B-994C-9A2F9BDD8FB0}" destId="{56FE0D65-7CFE-4146-A4B8-222C9467569F}" srcOrd="3" destOrd="0" parTransId="{23317FA7-2C26-4C11-A42A-9A69922826DC}" sibTransId="{B76B904E-5B99-41F1-8B1C-07C28BDA3BC8}"/>
+    <dgm:cxn modelId="{D345926B-292F-4594-A06A-6C9999411ED1}" type="presOf" srcId="{D806CA21-16F3-457D-80B4-E9EC0B0E5DC7}" destId="{E5673444-C8EE-457D-9B53-FD467534426F}" srcOrd="0" destOrd="0" presId="urn:microsoft.com/office/officeart/2005/8/layout/chevron2"/>
+    <dgm:cxn modelId="{44017A6E-466D-48BA-81B8-FAA66CFE0636}" srcId="{B94ED90A-F98A-41FD-9CB5-6CCAEF309F16}" destId="{43FB1F4E-1845-4D2D-8C2C-B51BC82DF9D1}" srcOrd="1" destOrd="0" parTransId="{F3399AE5-F581-4BA5-81D3-EC6599F20C53}" sibTransId="{BBC854A6-CD3B-4B1D-998F-EF82B69CE4A8}"/>
+    <dgm:cxn modelId="{F11C014F-5C95-4371-BC8B-BAD243E8D651}" type="presOf" srcId="{6DE9F129-B1C0-419A-93DE-22F23E0E61A2}" destId="{23D96D92-F9BB-422F-BBBC-B4A6D9F13F5C}" srcOrd="0" destOrd="0" presId="urn:microsoft.com/office/officeart/2005/8/layout/chevron2"/>
+    <dgm:cxn modelId="{58EC7750-6788-4991-B2D2-62D517D9BD67}" type="presOf" srcId="{B94ED90A-F98A-41FD-9CB5-6CCAEF309F16}" destId="{721F5515-F498-437B-A584-198BB37F68B8}" srcOrd="0" destOrd="0" presId="urn:microsoft.com/office/officeart/2005/8/layout/chevron2"/>
+    <dgm:cxn modelId="{3FFE7377-1DBE-4AB7-9AB9-3BF86FFCCF6B}" type="presOf" srcId="{F6CEA276-517F-4569-A968-45551367126F}" destId="{E5673444-C8EE-457D-9B53-FD467534426F}" srcOrd="0" destOrd="1" presId="urn:microsoft.com/office/officeart/2005/8/layout/chevron2"/>
+    <dgm:cxn modelId="{FBAC3C58-6CD6-4209-B512-6234A047F2FC}" srcId="{B94ED90A-F98A-41FD-9CB5-6CCAEF309F16}" destId="{429F6938-64BD-46EE-A196-BFC138FD09CB}" srcOrd="2" destOrd="0" parTransId="{97124232-45EF-4178-9B91-99C4C297452D}" sibTransId="{3FC9957C-C58A-4962-B7CA-929CC83B40DF}"/>
+    <dgm:cxn modelId="{5867D082-9662-462A-B814-6066612683C9}" srcId="{F7851DDA-CA7D-4F4D-852C-37B13643F3F8}" destId="{A7C2CA75-9A7B-4E56-99A7-7DC960F482CF}" srcOrd="0" destOrd="0" parTransId="{8AFCB7D2-6F63-4515-A208-76E4C9FBE573}" sibTransId="{9BCEA29C-3BEC-436E-8F8B-F168BFCD955F}"/>
+    <dgm:cxn modelId="{20718F94-BE05-4CEB-8659-7EACB3A9A08B}" srcId="{B94ED90A-F98A-41FD-9CB5-6CCAEF309F16}" destId="{4861E71A-3EA8-4F28-B924-05230DA6A3DA}" srcOrd="3" destOrd="0" parTransId="{8C44ABFD-03A8-4D48-B73B-D111A7C88F93}" sibTransId="{46A234D8-DD5C-4071-8C06-C8841B8E9256}"/>
+    <dgm:cxn modelId="{BE229594-AEF4-4DDA-AA34-959BFBF91CA7}" srcId="{F7851DDA-CA7D-4F4D-852C-37B13643F3F8}" destId="{0754FEE0-24CB-4E5B-89E4-881896A35E45}" srcOrd="1" destOrd="0" parTransId="{4CA7EC0C-A71D-40DB-92C4-0904A1FB1C9A}" sibTransId="{A723ECA6-2D88-4D18-811E-B1BDBCFB2B94}"/>
+    <dgm:cxn modelId="{5DFBC396-6295-4418-9A1F-F5C51366219C}" type="presOf" srcId="{01BFD7A2-771D-442B-B111-53B1A2753B16}" destId="{E5A7108A-6F22-4D9F-810D-B3F64F969416}" srcOrd="0" destOrd="4" presId="urn:microsoft.com/office/officeart/2005/8/layout/chevron2"/>
+    <dgm:cxn modelId="{680CB79C-CE4B-4A5F-BF53-1F9952C8F2C5}" type="presOf" srcId="{429F6938-64BD-46EE-A196-BFC138FD09CB}" destId="{E5A7108A-6F22-4D9F-810D-B3F64F969416}" srcOrd="0" destOrd="2" presId="urn:microsoft.com/office/officeart/2005/8/layout/chevron2"/>
+    <dgm:cxn modelId="{E4255EA0-5735-48F2-A2A9-3CED31D49C41}" type="presOf" srcId="{4D717562-4E18-4735-8848-DD791CA44A4A}" destId="{48EAD23B-6D05-432D-813F-EA2F527C1D61}" srcOrd="0" destOrd="2" presId="urn:microsoft.com/office/officeart/2005/8/layout/chevron2"/>
+    <dgm:cxn modelId="{7EAFFBA4-4BE2-4C5E-BF90-840AA0D9EAA2}" srcId="{F7851DDA-CA7D-4F4D-852C-37B13643F3F8}" destId="{4D717562-4E18-4735-8848-DD791CA44A4A}" srcOrd="2" destOrd="0" parTransId="{90B868A7-DABB-4CB0-B9B3-F27745DEDFF0}" sibTransId="{9954CD5C-405B-438C-B01D-ABE71250EC64}"/>
+    <dgm:cxn modelId="{4D7FDAB3-9A4E-400E-BBE3-3A173C912550}" type="presOf" srcId="{56FE0D65-7CFE-4146-A4B8-222C9467569F}" destId="{2DED2CC4-F95F-459F-8BBF-C3E31F07E732}" srcOrd="0" destOrd="3" presId="urn:microsoft.com/office/officeart/2005/8/layout/chevron2"/>
+    <dgm:cxn modelId="{B2FEDDB3-6832-4FE9-93F3-C8EE86E11A96}" srcId="{6DE9F129-B1C0-419A-93DE-22F23E0E61A2}" destId="{F7851DDA-CA7D-4F4D-852C-37B13643F3F8}" srcOrd="0" destOrd="0" parTransId="{74F5953E-707A-4804-BE77-B2C6EB7299FE}" sibTransId="{740A147A-A963-42C4-BF4F-B32682B57BF7}"/>
+    <dgm:cxn modelId="{B9950DB5-CC74-4815-9695-3EF6C62218D4}" srcId="{F266A626-B42D-445B-994C-9A2F9BDD8FB0}" destId="{0FED48E3-C4F7-4994-BD22-71AE2D54419D}" srcOrd="1" destOrd="0" parTransId="{AD9B6783-92CA-46AB-9434-9698B32B56F8}" sibTransId="{FD95F658-7C7B-40AB-ACAA-09AF784803E2}"/>
+    <dgm:cxn modelId="{9A4C43C3-E29F-4568-B089-52AD463DCC3E}" srcId="{6DE9F129-B1C0-419A-93DE-22F23E0E61A2}" destId="{8AEB9306-6210-4DCD-BEBB-72888D55D078}" srcOrd="1" destOrd="0" parTransId="{90DA9306-5F1E-4B67-8CA1-1255509C8D91}" sibTransId="{AFB14A72-B401-4724-914E-7D6056D116B3}"/>
+    <dgm:cxn modelId="{CFA26EC3-3C3B-4339-8C64-FA1AA052E1F8}" type="presOf" srcId="{8AEB9306-6210-4DCD-BEBB-72888D55D078}" destId="{3CF5F083-9A12-488A-95C3-152E6F136E17}" srcOrd="0" destOrd="0" presId="urn:microsoft.com/office/officeart/2005/8/layout/chevron2"/>
+    <dgm:cxn modelId="{2EFAF2D0-C66B-4A16-B31E-FB18C7295AE5}" type="presOf" srcId="{4861E71A-3EA8-4F28-B924-05230DA6A3DA}" destId="{E5A7108A-6F22-4D9F-810D-B3F64F969416}" srcOrd="0" destOrd="3" presId="urn:microsoft.com/office/officeart/2005/8/layout/chevron2"/>
+    <dgm:cxn modelId="{1C46C5D4-6C8D-4312-B4D9-0EC598713FFE}" srcId="{8AEB9306-6210-4DCD-BEBB-72888D55D078}" destId="{F6CEA276-517F-4569-A968-45551367126F}" srcOrd="1" destOrd="0" parTransId="{4F514D12-44F9-447E-B197-27391544C7EB}" sibTransId="{6CA2098E-A5D3-4AFD-BBB5-5C02E2A4B1FD}"/>
+    <dgm:cxn modelId="{3C2469DA-1073-4E0C-8C8D-3B9F54A1B681}" type="presOf" srcId="{A7C2CA75-9A7B-4E56-99A7-7DC960F482CF}" destId="{48EAD23B-6D05-432D-813F-EA2F527C1D61}" srcOrd="0" destOrd="0" presId="urn:microsoft.com/office/officeart/2005/8/layout/chevron2"/>
+    <dgm:cxn modelId="{4B90E1DD-6EAE-4F33-B18D-A075FC69F64E}" type="presOf" srcId="{CDFE8B26-511E-4D6E-99F9-B836130F20D2}" destId="{E5A7108A-6F22-4D9F-810D-B3F64F969416}" srcOrd="0" destOrd="0" presId="urn:microsoft.com/office/officeart/2005/8/layout/chevron2"/>
+    <dgm:cxn modelId="{3A55EEDD-1AB5-455D-A52C-6C31AF0527E5}" type="presOf" srcId="{625B9253-7D67-43F8-B6A6-CBBA979A9B3E}" destId="{48EAD23B-6D05-432D-813F-EA2F527C1D61}" srcOrd="0" destOrd="3" presId="urn:microsoft.com/office/officeart/2005/8/layout/chevron2"/>
+    <dgm:cxn modelId="{E03ADCF1-4E65-4A6F-AD79-DF5C4743D27D}" srcId="{B94ED90A-F98A-41FD-9CB5-6CCAEF309F16}" destId="{01BFD7A2-771D-442B-B111-53B1A2753B16}" srcOrd="4" destOrd="0" parTransId="{F5EF1D7E-00C2-4C07-AF7D-EB9B206337A0}" sibTransId="{D3DCBF18-DE1D-4FE9-A53A-469B49FEA12C}"/>
+    <dgm:cxn modelId="{B2B843F2-B2E0-416D-BAA7-493E3A09C16A}" srcId="{F266A626-B42D-445B-994C-9A2F9BDD8FB0}" destId="{7622F851-45A3-41A9-B43D-FEE92C42295A}" srcOrd="2" destOrd="0" parTransId="{EEDCF924-E6EF-482D-967F-B1AA540D9080}" sibTransId="{63BAF9F5-9BAB-4DF5-9C1C-7713C2EFBCFF}"/>
+    <dgm:cxn modelId="{A9F062F5-AEDF-4F7D-8EA1-A289C592E215}" srcId="{6DE9F129-B1C0-419A-93DE-22F23E0E61A2}" destId="{B94ED90A-F98A-41FD-9CB5-6CCAEF309F16}" srcOrd="3" destOrd="0" parTransId="{92820AE8-1095-4676-BD36-BD33E3DB694A}" sibTransId="{322842E7-C18C-4431-BF38-13566A8B96C3}"/>
+    <dgm:cxn modelId="{9FFEB0F6-6D67-4C2D-83A1-8F2B1E5CA0A6}" type="presOf" srcId="{0754FEE0-24CB-4E5B-89E4-881896A35E45}" destId="{48EAD23B-6D05-432D-813F-EA2F527C1D61}" srcOrd="0" destOrd="1" presId="urn:microsoft.com/office/officeart/2005/8/layout/chevron2"/>
+    <dgm:cxn modelId="{5AA896FD-75B8-4F08-8773-130B6C200A8E}" type="presOf" srcId="{F266A626-B42D-445B-994C-9A2F9BDD8FB0}" destId="{C28203CD-D615-45B9-9F2E-FA4A8360ADB4}" srcOrd="0" destOrd="0" presId="urn:microsoft.com/office/officeart/2005/8/layout/chevron2"/>
+    <dgm:cxn modelId="{87D664FF-09DC-4D09-BCDB-E9E8F6236A01}" type="presOf" srcId="{7622F851-45A3-41A9-B43D-FEE92C42295A}" destId="{2DED2CC4-F95F-459F-8BBF-C3E31F07E732}" srcOrd="0" destOrd="2" presId="urn:microsoft.com/office/officeart/2005/8/layout/chevron2"/>
+    <dgm:cxn modelId="{4B974BDD-380B-4A22-82C0-48B17FA6186B}" type="presParOf" srcId="{23D96D92-F9BB-422F-BBBC-B4A6D9F13F5C}" destId="{7A83C871-884E-40DE-B4DE-95859227B87F}" srcOrd="0" destOrd="0" presId="urn:microsoft.com/office/officeart/2005/8/layout/chevron2"/>
+    <dgm:cxn modelId="{2B29B2C7-9DAC-4660-BE0D-B30E1A696771}" type="presParOf" srcId="{7A83C871-884E-40DE-B4DE-95859227B87F}" destId="{868EFFCA-E8AB-4BDE-B38A-F0E20AAAFABD}" srcOrd="0" destOrd="0" presId="urn:microsoft.com/office/officeart/2005/8/layout/chevron2"/>
+    <dgm:cxn modelId="{986C576F-0574-4809-B85F-C783BB3C121B}" type="presParOf" srcId="{7A83C871-884E-40DE-B4DE-95859227B87F}" destId="{48EAD23B-6D05-432D-813F-EA2F527C1D61}" srcOrd="1" destOrd="0" presId="urn:microsoft.com/office/officeart/2005/8/layout/chevron2"/>
+    <dgm:cxn modelId="{694A99F6-5ABD-449E-954E-EA401BB564FD}" type="presParOf" srcId="{23D96D92-F9BB-422F-BBBC-B4A6D9F13F5C}" destId="{AA69D01D-E223-4968-9162-B67DCFE30158}" srcOrd="1" destOrd="0" presId="urn:microsoft.com/office/officeart/2005/8/layout/chevron2"/>
+    <dgm:cxn modelId="{E46F5C8D-93CA-408E-824B-923DB7DA98C3}" type="presParOf" srcId="{23D96D92-F9BB-422F-BBBC-B4A6D9F13F5C}" destId="{3C4472A2-96DE-4C47-A8F6-D6293E47BF9D}" srcOrd="2" destOrd="0" presId="urn:microsoft.com/office/officeart/2005/8/layout/chevron2"/>
+    <dgm:cxn modelId="{B1B7E96D-A9C0-471F-A0D2-A2899E8880D8}" type="presParOf" srcId="{3C4472A2-96DE-4C47-A8F6-D6293E47BF9D}" destId="{3CF5F083-9A12-488A-95C3-152E6F136E17}" srcOrd="0" destOrd="0" presId="urn:microsoft.com/office/officeart/2005/8/layout/chevron2"/>
+    <dgm:cxn modelId="{66382824-5C14-4A89-B4A3-94D30C826357}" type="presParOf" srcId="{3C4472A2-96DE-4C47-A8F6-D6293E47BF9D}" destId="{E5673444-C8EE-457D-9B53-FD467534426F}" srcOrd="1" destOrd="0" presId="urn:microsoft.com/office/officeart/2005/8/layout/chevron2"/>
+    <dgm:cxn modelId="{3552DD8D-0782-488F-AA6E-8FDD97C9CDE7}" type="presParOf" srcId="{23D96D92-F9BB-422F-BBBC-B4A6D9F13F5C}" destId="{453967C1-8E33-48FD-B0F2-1C5DC28D1C48}" srcOrd="3" destOrd="0" presId="urn:microsoft.com/office/officeart/2005/8/layout/chevron2"/>
+    <dgm:cxn modelId="{6A122403-6B16-44AB-A2FD-95D35D1B281E}" type="presParOf" srcId="{23D96D92-F9BB-422F-BBBC-B4A6D9F13F5C}" destId="{DA28E934-2F49-42F3-83A6-C7E7F761DE4E}" srcOrd="4" destOrd="0" presId="urn:microsoft.com/office/officeart/2005/8/layout/chevron2"/>
+    <dgm:cxn modelId="{ADD0095E-91ED-4E80-8F1D-A95A4588C518}" type="presParOf" srcId="{DA28E934-2F49-42F3-83A6-C7E7F761DE4E}" destId="{C28203CD-D615-45B9-9F2E-FA4A8360ADB4}" srcOrd="0" destOrd="0" presId="urn:microsoft.com/office/officeart/2005/8/layout/chevron2"/>
+    <dgm:cxn modelId="{500C7165-1404-4AEF-AF7A-0C434DD18703}" type="presParOf" srcId="{DA28E934-2F49-42F3-83A6-C7E7F761DE4E}" destId="{2DED2CC4-F95F-459F-8BBF-C3E31F07E732}" srcOrd="1" destOrd="0" presId="urn:microsoft.com/office/officeart/2005/8/layout/chevron2"/>
+    <dgm:cxn modelId="{2275C13B-0B97-458C-9AA8-26B3A994EBCE}" type="presParOf" srcId="{23D96D92-F9BB-422F-BBBC-B4A6D9F13F5C}" destId="{E57C71CC-B570-452A-A931-34D8106FA5BC}" srcOrd="5" destOrd="0" presId="urn:microsoft.com/office/officeart/2005/8/layout/chevron2"/>
+    <dgm:cxn modelId="{FA89CEFD-A5BF-449A-963F-B4089BA4B057}" type="presParOf" srcId="{23D96D92-F9BB-422F-BBBC-B4A6D9F13F5C}" destId="{EEDEB2E2-49AF-4C04-9A0E-99DAE11C3FBB}" srcOrd="6" destOrd="0" presId="urn:microsoft.com/office/officeart/2005/8/layout/chevron2"/>
+    <dgm:cxn modelId="{0C9D967F-E2EE-4E39-ADE9-2C333F7957DF}" type="presParOf" srcId="{EEDEB2E2-49AF-4C04-9A0E-99DAE11C3FBB}" destId="{721F5515-F498-437B-A584-198BB37F68B8}" srcOrd="0" destOrd="0" presId="urn:microsoft.com/office/officeart/2005/8/layout/chevron2"/>
+    <dgm:cxn modelId="{DB31F736-4B01-419C-B9C1-C4EE0FED5CCB}" type="presParOf" srcId="{EEDEB2E2-49AF-4C04-9A0E-99DAE11C3FBB}" destId="{E5A7108A-6F22-4D9F-810D-B3F64F969416}" srcOrd="1" destOrd="0" presId="urn:microsoft.com/office/officeart/2005/8/layout/chevron2"/>
+  </dgm:cxnLst>
+  <dgm:bg/>
+  <dgm:whole/>
+  <dgm:extLst>
+    <a:ext uri="http://schemas.microsoft.com/office/drawing/2008/diagram">
+      <dsp:dataModelExt xmlns:dsp="http://schemas.microsoft.com/office/drawing/2008/diagram" relId="rId6" minVer="http://schemas.openxmlformats.org/drawingml/2006/diagram"/>
+    </a:ext>
+  </dgm:extLst>
+</dgm:dataModel>
+</file>
+
+<file path=ppt/diagrams/drawing1.xml><?xml version="1.0" encoding="utf-8"?>
+<dsp:drawing xmlns:dgm="http://schemas.openxmlformats.org/drawingml/2006/diagram" xmlns:dsp="http://schemas.microsoft.com/office/drawing/2008/diagram" xmlns:a="http://schemas.openxmlformats.org/drawingml/2006/main">
+  <dsp:spTree>
+    <dsp:nvGrpSpPr>
+      <dsp:cNvPr id="0" name=""/>
+      <dsp:cNvGrpSpPr/>
+    </dsp:nvGrpSpPr>
+    <dsp:grpSpPr/>
+    <dsp:sp modelId="{868EFFCA-E8AB-4BDE-B38A-F0E20AAAFABD}">
+      <dsp:nvSpPr>
+        <dsp:cNvPr id="0" name=""/>
+        <dsp:cNvSpPr/>
+      </dsp:nvSpPr>
+      <dsp:spPr>
+        <a:xfrm rot="5400000">
+          <a:off x="-235238" y="243957"/>
+          <a:ext cx="1568256" cy="1097779"/>
+        </a:xfrm>
+        <a:prstGeom prst="chevron">
+          <a:avLst/>
+        </a:prstGeom>
+        <a:solidFill>
+          <a:schemeClr val="accent1">
+            <a:hueOff val="0"/>
+            <a:satOff val="0"/>
+            <a:lumOff val="0"/>
+            <a:alphaOff val="0"/>
+          </a:schemeClr>
+        </a:solidFill>
+        <a:ln w="12700" cap="flat" cmpd="sng" algn="ctr">
+          <a:solidFill>
+            <a:schemeClr val="accent1">
+              <a:hueOff val="0"/>
+              <a:satOff val="0"/>
+              <a:lumOff val="0"/>
+              <a:alphaOff val="0"/>
+            </a:schemeClr>
+          </a:solidFill>
+          <a:prstDash val="solid"/>
+          <a:miter lim="800000"/>
+        </a:ln>
+        <a:effectLst/>
+      </dsp:spPr>
+      <dsp:style>
+        <a:lnRef idx="2">
+          <a:scrgbClr r="0" g="0" b="0"/>
+        </a:lnRef>
+        <a:fillRef idx="1">
+          <a:scrgbClr r="0" g="0" b="0"/>
+        </a:fillRef>
+        <a:effectRef idx="0">
+          <a:scrgbClr r="0" g="0" b="0"/>
+        </a:effectRef>
+        <a:fontRef idx="minor">
+          <a:schemeClr val="lt1"/>
+        </a:fontRef>
+      </dsp:style>
+      <dsp:txBody>
+        <a:bodyPr spcFirstLastPara="0" vert="horz" wrap="square" lIns="15875" tIns="15875" rIns="15875" bIns="15875" numCol="1" spcCol="1270" anchor="ctr" anchorCtr="0">
+          <a:noAutofit/>
+        </a:bodyPr>
+        <a:lstStyle/>
+        <a:p>
+          <a:pPr marL="0" lvl="0" indent="0" algn="ctr" defTabSz="1111250">
+            <a:lnSpc>
+              <a:spcPct val="90000"/>
+            </a:lnSpc>
+            <a:spcBef>
+              <a:spcPct val="0"/>
+            </a:spcBef>
+            <a:spcAft>
+              <a:spcPct val="35000"/>
+            </a:spcAft>
+            <a:buNone/>
+          </a:pPr>
+          <a:r>
+            <a:rPr lang="en-US" sz="2500" kern="1200" dirty="0">
+              <a:latin typeface="Aptos" panose="020B0004020202020204" pitchFamily="34" charset="0"/>
+            </a:rPr>
+            <a:t>T0</a:t>
+          </a:r>
+        </a:p>
+      </dsp:txBody>
+      <dsp:txXfrm rot="-5400000">
+        <a:off x="1" y="557609"/>
+        <a:ext cx="1097779" cy="470477"/>
+      </dsp:txXfrm>
+    </dsp:sp>
+    <dsp:sp modelId="{48EAD23B-6D05-432D-813F-EA2F527C1D61}">
+      <dsp:nvSpPr>
+        <dsp:cNvPr id="0" name=""/>
+        <dsp:cNvSpPr/>
+      </dsp:nvSpPr>
+      <dsp:spPr>
+        <a:xfrm rot="5400000">
+          <a:off x="3009885" y="-1903387"/>
+          <a:ext cx="1019366" cy="4843579"/>
+        </a:xfrm>
+        <a:prstGeom prst="rect">
+          <a:avLst/>
+        </a:prstGeom>
+        <a:solidFill>
+          <a:schemeClr val="lt1">
+            <a:alpha val="90000"/>
+            <a:hueOff val="0"/>
+            <a:satOff val="0"/>
+            <a:lumOff val="0"/>
+            <a:alphaOff val="0"/>
+          </a:schemeClr>
+        </a:solidFill>
+        <a:ln w="12700" cap="flat" cmpd="sng" algn="ctr">
+          <a:solidFill>
+            <a:schemeClr val="accent1">
+              <a:hueOff val="0"/>
+              <a:satOff val="0"/>
+              <a:lumOff val="0"/>
+              <a:alphaOff val="0"/>
+            </a:schemeClr>
+          </a:solidFill>
+          <a:prstDash val="solid"/>
+          <a:miter lim="800000"/>
+        </a:ln>
+        <a:effectLst/>
+      </dsp:spPr>
+      <dsp:style>
+        <a:lnRef idx="2">
+          <a:scrgbClr r="0" g="0" b="0"/>
+        </a:lnRef>
+        <a:fillRef idx="1">
+          <a:scrgbClr r="0" g="0" b="0"/>
+        </a:fillRef>
+        <a:effectRef idx="0">
+          <a:scrgbClr r="0" g="0" b="0"/>
+        </a:effectRef>
+        <a:fontRef idx="minor"/>
+      </dsp:style>
+      <dsp:txBody>
+        <a:bodyPr spcFirstLastPara="0" vert="horz" wrap="square" lIns="85344" tIns="7620" rIns="7620" bIns="7620" numCol="1" spcCol="1270" anchor="ctr" anchorCtr="0">
+          <a:noAutofit/>
+        </a:bodyPr>
+        <a:lstStyle/>
+        <a:p>
+          <a:pPr marL="114300" lvl="1" indent="-114300" algn="l" defTabSz="533400">
+            <a:lnSpc>
+              <a:spcPct val="90000"/>
+            </a:lnSpc>
+            <a:spcBef>
+              <a:spcPct val="0"/>
+            </a:spcBef>
+            <a:spcAft>
+              <a:spcPct val="15000"/>
+            </a:spcAft>
+            <a:buNone/>
+          </a:pPr>
+          <a:r>
+            <a:rPr lang="en-US" sz="1200" b="1" kern="1200" dirty="0" err="1">
+              <a:latin typeface="Aptos" panose="020B0004020202020204" pitchFamily="34" charset="0"/>
+            </a:rPr>
+            <a:t>Funktionelles</a:t>
+          </a:r>
+          <a:r>
+            <a:rPr lang="en-US" sz="1200" b="1" kern="1200" dirty="0">
+              <a:latin typeface="Aptos" panose="020B0004020202020204" pitchFamily="34" charset="0"/>
+            </a:rPr>
+            <a:t> Assessment</a:t>
+          </a:r>
+        </a:p>
+        <a:p>
+          <a:pPr marL="114300" lvl="1" indent="-114300" algn="l" defTabSz="533400">
+            <a:lnSpc>
+              <a:spcPct val="90000"/>
+            </a:lnSpc>
+            <a:spcBef>
+              <a:spcPct val="0"/>
+            </a:spcBef>
+            <a:spcAft>
+              <a:spcPct val="15000"/>
+            </a:spcAft>
+            <a:buNone/>
+          </a:pPr>
+          <a:r>
+            <a:rPr lang="en-US" sz="1200" kern="1200" dirty="0" err="1">
+              <a:latin typeface="Aptos" panose="020B0004020202020204" pitchFamily="34" charset="0"/>
+            </a:rPr>
+            <a:t>Klinische</a:t>
+          </a:r>
+          <a:r>
+            <a:rPr lang="en-US" sz="1200" kern="1200" dirty="0">
+              <a:latin typeface="Aptos" panose="020B0004020202020204" pitchFamily="34" charset="0"/>
+            </a:rPr>
+            <a:t> </a:t>
+          </a:r>
+          <a:r>
+            <a:rPr lang="en-US" sz="1200" kern="1200" dirty="0" err="1">
+              <a:latin typeface="Aptos" panose="020B0004020202020204" pitchFamily="34" charset="0"/>
+            </a:rPr>
+            <a:t>Untersuchtung</a:t>
+          </a:r>
+          <a:r>
+            <a:rPr lang="en-US" sz="1200" kern="1200" dirty="0">
+              <a:latin typeface="Aptos" panose="020B0004020202020204" pitchFamily="34" charset="0"/>
+            </a:rPr>
+            <a:t>, EEG, EMG, </a:t>
+          </a:r>
+          <a:r>
+            <a:rPr lang="en-US" sz="1200" kern="1200" dirty="0" err="1">
+              <a:latin typeface="Aptos" panose="020B0004020202020204" pitchFamily="34" charset="0"/>
+            </a:rPr>
+            <a:t>Laufband</a:t>
+          </a:r>
+          <a:endParaRPr lang="en-US" sz="1200" kern="1200" dirty="0">
+            <a:latin typeface="Aptos" panose="020B0004020202020204" pitchFamily="34" charset="0"/>
+          </a:endParaRPr>
+        </a:p>
+        <a:p>
+          <a:pPr marL="114300" lvl="1" indent="-114300" algn="l" defTabSz="533400">
+            <a:lnSpc>
+              <a:spcPct val="90000"/>
+            </a:lnSpc>
+            <a:spcBef>
+              <a:spcPct val="0"/>
+            </a:spcBef>
+            <a:spcAft>
+              <a:spcPct val="15000"/>
+            </a:spcAft>
+            <a:buNone/>
+          </a:pPr>
+          <a:r>
+            <a:rPr lang="en-US" sz="1200" b="1" kern="1200" dirty="0" err="1">
+              <a:latin typeface="Aptos" panose="020B0004020202020204" pitchFamily="34" charset="0"/>
+            </a:rPr>
+            <a:t>Häusliches</a:t>
+          </a:r>
+          <a:r>
+            <a:rPr lang="en-US" sz="1200" b="1" kern="1200" dirty="0">
+              <a:latin typeface="Aptos" panose="020B0004020202020204" pitchFamily="34" charset="0"/>
+            </a:rPr>
+            <a:t> Assessment</a:t>
+          </a:r>
+        </a:p>
+        <a:p>
+          <a:pPr marL="114300" lvl="1" indent="-114300" algn="l" defTabSz="533400">
+            <a:lnSpc>
+              <a:spcPct val="90000"/>
+            </a:lnSpc>
+            <a:spcBef>
+              <a:spcPct val="0"/>
+            </a:spcBef>
+            <a:spcAft>
+              <a:spcPct val="15000"/>
+            </a:spcAft>
+            <a:buNone/>
+          </a:pPr>
+          <a:r>
+            <a:rPr lang="en-US" sz="1200" kern="1200" dirty="0" err="1">
+              <a:latin typeface="Aptos" panose="020B0004020202020204" pitchFamily="34" charset="0"/>
+            </a:rPr>
+            <a:t>Bewegungssensor</a:t>
+          </a:r>
+          <a:r>
+            <a:rPr lang="en-US" sz="1200" kern="1200" dirty="0">
+              <a:latin typeface="Aptos" panose="020B0004020202020204" pitchFamily="34" charset="0"/>
+            </a:rPr>
+            <a:t> </a:t>
+          </a:r>
+          <a:r>
+            <a:rPr lang="en-US" sz="1200" kern="1200" dirty="0" err="1">
+              <a:latin typeface="Aptos" panose="020B0004020202020204" pitchFamily="34" charset="0"/>
+            </a:rPr>
+            <a:t>wird</a:t>
+          </a:r>
+          <a:r>
+            <a:rPr lang="en-US" sz="1200" kern="1200" dirty="0">
+              <a:latin typeface="Aptos" panose="020B0004020202020204" pitchFamily="34" charset="0"/>
+            </a:rPr>
+            <a:t> am </a:t>
+          </a:r>
+          <a:r>
+            <a:rPr lang="en-US" sz="1200" kern="1200" dirty="0" err="1">
+              <a:latin typeface="Aptos" panose="020B0004020202020204" pitchFamily="34" charset="0"/>
+            </a:rPr>
+            <a:t>unteren</a:t>
+          </a:r>
+          <a:r>
+            <a:rPr lang="en-US" sz="1200" kern="1200" dirty="0">
+              <a:latin typeface="Aptos" panose="020B0004020202020204" pitchFamily="34" charset="0"/>
+            </a:rPr>
+            <a:t> </a:t>
+          </a:r>
+          <a:r>
+            <a:rPr lang="en-US" sz="1200" kern="1200" dirty="0" err="1">
+              <a:latin typeface="Aptos" panose="020B0004020202020204" pitchFamily="34" charset="0"/>
+            </a:rPr>
+            <a:t>Rücken</a:t>
+          </a:r>
+          <a:r>
+            <a:rPr lang="en-US" sz="1200" kern="1200" dirty="0">
+              <a:latin typeface="Aptos" panose="020B0004020202020204" pitchFamily="34" charset="0"/>
+            </a:rPr>
+            <a:t> für 7 </a:t>
+          </a:r>
+          <a:r>
+            <a:rPr lang="en-US" sz="1200" kern="1200" dirty="0" err="1">
+              <a:latin typeface="Aptos" panose="020B0004020202020204" pitchFamily="34" charset="0"/>
+            </a:rPr>
+            <a:t>Tage</a:t>
+          </a:r>
+          <a:r>
+            <a:rPr lang="en-US" sz="1200" kern="1200" dirty="0">
+              <a:latin typeface="Aptos" panose="020B0004020202020204" pitchFamily="34" charset="0"/>
+            </a:rPr>
+            <a:t> </a:t>
+          </a:r>
+          <a:r>
+            <a:rPr lang="en-US" sz="1200" kern="1200" dirty="0" err="1">
+              <a:latin typeface="Aptos" panose="020B0004020202020204" pitchFamily="34" charset="0"/>
+            </a:rPr>
+            <a:t>getragen</a:t>
+          </a:r>
+          <a:endParaRPr lang="en-US" sz="1200" kern="1200" dirty="0">
+            <a:latin typeface="Aptos" panose="020B0004020202020204" pitchFamily="34" charset="0"/>
+          </a:endParaRPr>
+        </a:p>
+      </dsp:txBody>
+      <dsp:txXfrm rot="-5400000">
+        <a:off x="1097779" y="8719"/>
+        <a:ext cx="4843579" cy="1019366"/>
+      </dsp:txXfrm>
+    </dsp:sp>
+    <dsp:sp modelId="{3CF5F083-9A12-488A-95C3-152E6F136E17}">
+      <dsp:nvSpPr>
+        <dsp:cNvPr id="0" name=""/>
+        <dsp:cNvSpPr/>
+      </dsp:nvSpPr>
+      <dsp:spPr>
+        <a:xfrm rot="5400000">
+          <a:off x="-235238" y="1670447"/>
+          <a:ext cx="1568256" cy="1097779"/>
+        </a:xfrm>
+        <a:prstGeom prst="chevron">
+          <a:avLst/>
+        </a:prstGeom>
+        <a:solidFill>
+          <a:schemeClr val="accent1">
+            <a:hueOff val="0"/>
+            <a:satOff val="0"/>
+            <a:lumOff val="0"/>
+            <a:alphaOff val="0"/>
+          </a:schemeClr>
+        </a:solidFill>
+        <a:ln w="12700" cap="flat" cmpd="sng" algn="ctr">
+          <a:solidFill>
+            <a:schemeClr val="accent1">
+              <a:hueOff val="0"/>
+              <a:satOff val="0"/>
+              <a:lumOff val="0"/>
+              <a:alphaOff val="0"/>
+            </a:schemeClr>
+          </a:solidFill>
+          <a:prstDash val="solid"/>
+          <a:miter lim="800000"/>
+        </a:ln>
+        <a:effectLst/>
+      </dsp:spPr>
+      <dsp:style>
+        <a:lnRef idx="2">
+          <a:scrgbClr r="0" g="0" b="0"/>
+        </a:lnRef>
+        <a:fillRef idx="1">
+          <a:scrgbClr r="0" g="0" b="0"/>
+        </a:fillRef>
+        <a:effectRef idx="0">
+          <a:scrgbClr r="0" g="0" b="0"/>
+        </a:effectRef>
+        <a:fontRef idx="minor">
+          <a:schemeClr val="lt1"/>
+        </a:fontRef>
+      </dsp:style>
+      <dsp:txBody>
+        <a:bodyPr spcFirstLastPara="0" vert="horz" wrap="square" lIns="15875" tIns="15875" rIns="15875" bIns="15875" numCol="1" spcCol="1270" anchor="ctr" anchorCtr="0">
+          <a:noAutofit/>
+        </a:bodyPr>
+        <a:lstStyle/>
+        <a:p>
+          <a:pPr marL="0" lvl="0" indent="0" algn="ctr" defTabSz="1111250">
+            <a:lnSpc>
+              <a:spcPct val="90000"/>
+            </a:lnSpc>
+            <a:spcBef>
+              <a:spcPct val="0"/>
+            </a:spcBef>
+            <a:spcAft>
+              <a:spcPct val="35000"/>
+            </a:spcAft>
+            <a:buNone/>
+          </a:pPr>
+          <a:r>
+            <a:rPr lang="en-US" sz="2500" kern="1200" dirty="0">
+              <a:latin typeface="Aptos" panose="020B0004020202020204" pitchFamily="34" charset="0"/>
+            </a:rPr>
+            <a:t>Training</a:t>
+          </a:r>
+        </a:p>
+      </dsp:txBody>
+      <dsp:txXfrm rot="-5400000">
+        <a:off x="1" y="1984099"/>
+        <a:ext cx="1097779" cy="470477"/>
+      </dsp:txXfrm>
+    </dsp:sp>
+    <dsp:sp modelId="{E5673444-C8EE-457D-9B53-FD467534426F}">
+      <dsp:nvSpPr>
+        <dsp:cNvPr id="0" name=""/>
+        <dsp:cNvSpPr/>
+      </dsp:nvSpPr>
+      <dsp:spPr>
+        <a:xfrm rot="5400000">
+          <a:off x="3009885" y="-476897"/>
+          <a:ext cx="1019366" cy="4843579"/>
+        </a:xfrm>
+        <a:prstGeom prst="rect">
+          <a:avLst/>
+        </a:prstGeom>
+        <a:solidFill>
+          <a:schemeClr val="lt1">
+            <a:alpha val="90000"/>
+            <a:hueOff val="0"/>
+            <a:satOff val="0"/>
+            <a:lumOff val="0"/>
+            <a:alphaOff val="0"/>
+          </a:schemeClr>
+        </a:solidFill>
+        <a:ln w="12700" cap="flat" cmpd="sng" algn="ctr">
+          <a:solidFill>
+            <a:schemeClr val="accent1">
+              <a:hueOff val="0"/>
+              <a:satOff val="0"/>
+              <a:lumOff val="0"/>
+              <a:alphaOff val="0"/>
+            </a:schemeClr>
+          </a:solidFill>
+          <a:prstDash val="solid"/>
+          <a:miter lim="800000"/>
+        </a:ln>
+        <a:effectLst/>
+      </dsp:spPr>
+      <dsp:style>
+        <a:lnRef idx="2">
+          <a:scrgbClr r="0" g="0" b="0"/>
+        </a:lnRef>
+        <a:fillRef idx="1">
+          <a:scrgbClr r="0" g="0" b="0"/>
+        </a:fillRef>
+        <a:effectRef idx="0">
+          <a:scrgbClr r="0" g="0" b="0"/>
+        </a:effectRef>
+        <a:fontRef idx="minor"/>
+      </dsp:style>
+      <dsp:txBody>
+        <a:bodyPr spcFirstLastPara="0" vert="horz" wrap="square" lIns="85344" tIns="7620" rIns="7620" bIns="7620" numCol="1" spcCol="1270" anchor="ctr" anchorCtr="0">
+          <a:noAutofit/>
+        </a:bodyPr>
+        <a:lstStyle/>
+        <a:p>
+          <a:pPr marL="114300" lvl="1" indent="-114300" algn="l" defTabSz="533400">
+            <a:lnSpc>
+              <a:spcPct val="90000"/>
+            </a:lnSpc>
+            <a:spcBef>
+              <a:spcPct val="0"/>
+            </a:spcBef>
+            <a:spcAft>
+              <a:spcPct val="15000"/>
+            </a:spcAft>
+            <a:buNone/>
+          </a:pPr>
+          <a:r>
+            <a:rPr lang="en-US" sz="1200" kern="1200" dirty="0" err="1">
+              <a:latin typeface="Aptos" panose="020B0004020202020204" pitchFamily="34" charset="0"/>
+            </a:rPr>
+            <a:t>Insgesamt</a:t>
+          </a:r>
+          <a:r>
+            <a:rPr lang="en-US" sz="1200" kern="1200" dirty="0">
+              <a:latin typeface="Aptos" panose="020B0004020202020204" pitchFamily="34" charset="0"/>
+            </a:rPr>
+            <a:t> 12 </a:t>
+          </a:r>
+          <a:r>
+            <a:rPr lang="en-US" sz="1200" kern="1200" dirty="0" err="1">
+              <a:latin typeface="Aptos" panose="020B0004020202020204" pitchFamily="34" charset="0"/>
+            </a:rPr>
+            <a:t>Einheiten</a:t>
+          </a:r>
+          <a:r>
+            <a:rPr lang="en-US" sz="1200" kern="1200" dirty="0">
+              <a:latin typeface="Aptos" panose="020B0004020202020204" pitchFamily="34" charset="0"/>
+            </a:rPr>
+            <a:t> auf dem </a:t>
+          </a:r>
+          <a:r>
+            <a:rPr lang="en-US" sz="1200" kern="1200" dirty="0" err="1">
+              <a:latin typeface="Aptos" panose="020B0004020202020204" pitchFamily="34" charset="0"/>
+            </a:rPr>
+            <a:t>Laufband</a:t>
+          </a:r>
+          <a:endParaRPr lang="en-US" sz="1200" kern="1200" dirty="0">
+            <a:latin typeface="Aptos" panose="020B0004020202020204" pitchFamily="34" charset="0"/>
+          </a:endParaRPr>
+        </a:p>
+        <a:p>
+          <a:pPr marL="114300" lvl="1" indent="-114300" algn="l" defTabSz="533400">
+            <a:lnSpc>
+              <a:spcPct val="90000"/>
+            </a:lnSpc>
+            <a:spcBef>
+              <a:spcPct val="0"/>
+            </a:spcBef>
+            <a:spcAft>
+              <a:spcPct val="15000"/>
+            </a:spcAft>
+            <a:buNone/>
+          </a:pPr>
+          <a:r>
+            <a:rPr lang="en-US" sz="1200" kern="1200" dirty="0" err="1">
+              <a:latin typeface="Aptos" panose="020B0004020202020204" pitchFamily="34" charset="0"/>
+            </a:rPr>
+            <a:t>Individuelle</a:t>
+          </a:r>
+          <a:r>
+            <a:rPr lang="en-US" sz="1200" kern="1200" dirty="0">
+              <a:latin typeface="Aptos" panose="020B0004020202020204" pitchFamily="34" charset="0"/>
+            </a:rPr>
+            <a:t> </a:t>
+          </a:r>
+          <a:r>
+            <a:rPr lang="en-US" sz="1200" kern="1200" dirty="0" err="1">
+              <a:latin typeface="Aptos" panose="020B0004020202020204" pitchFamily="34" charset="0"/>
+            </a:rPr>
+            <a:t>Anpassung</a:t>
+          </a:r>
+          <a:r>
+            <a:rPr lang="en-US" sz="1200" kern="1200" dirty="0">
+              <a:latin typeface="Aptos" panose="020B0004020202020204" pitchFamily="34" charset="0"/>
+            </a:rPr>
+            <a:t> der </a:t>
+          </a:r>
+          <a:r>
+            <a:rPr lang="en-US" sz="1200" kern="1200" dirty="0" err="1">
+              <a:latin typeface="Aptos" panose="020B0004020202020204" pitchFamily="34" charset="0"/>
+            </a:rPr>
+            <a:t>Schwierigkeit</a:t>
+          </a:r>
+          <a:r>
+            <a:rPr lang="en-US" sz="1200" kern="1200" dirty="0">
+              <a:latin typeface="Aptos" panose="020B0004020202020204" pitchFamily="34" charset="0"/>
+            </a:rPr>
+            <a:t> </a:t>
+          </a:r>
+          <a:r>
+            <a:rPr lang="en-US" sz="1200" kern="1200" dirty="0" err="1">
+              <a:latin typeface="Aptos" panose="020B0004020202020204" pitchFamily="34" charset="0"/>
+            </a:rPr>
+            <a:t>bei</a:t>
+          </a:r>
+          <a:r>
+            <a:rPr lang="en-US" sz="1200" kern="1200" dirty="0">
+              <a:latin typeface="Aptos" panose="020B0004020202020204" pitchFamily="34" charset="0"/>
+            </a:rPr>
+            <a:t> </a:t>
+          </a:r>
+          <a:r>
+            <a:rPr lang="en-US" sz="1200" kern="1200" dirty="0" err="1">
+              <a:latin typeface="Aptos" panose="020B0004020202020204" pitchFamily="34" charset="0"/>
+            </a:rPr>
+            <a:t>jedem</a:t>
+          </a:r>
+          <a:r>
+            <a:rPr lang="en-US" sz="1200" kern="1200" dirty="0">
+              <a:latin typeface="Aptos" panose="020B0004020202020204" pitchFamily="34" charset="0"/>
+            </a:rPr>
+            <a:t> Training</a:t>
+          </a:r>
+        </a:p>
+      </dsp:txBody>
+      <dsp:txXfrm rot="-5400000">
+        <a:off x="1097779" y="1435209"/>
+        <a:ext cx="4843579" cy="1019366"/>
+      </dsp:txXfrm>
+    </dsp:sp>
+    <dsp:sp modelId="{C28203CD-D615-45B9-9F2E-FA4A8360ADB4}">
+      <dsp:nvSpPr>
+        <dsp:cNvPr id="0" name=""/>
+        <dsp:cNvSpPr/>
+      </dsp:nvSpPr>
+      <dsp:spPr>
+        <a:xfrm rot="5400000">
+          <a:off x="-235238" y="3096936"/>
+          <a:ext cx="1568256" cy="1097779"/>
+        </a:xfrm>
+        <a:prstGeom prst="chevron">
+          <a:avLst/>
+        </a:prstGeom>
+        <a:solidFill>
+          <a:schemeClr val="accent1">
+            <a:hueOff val="0"/>
+            <a:satOff val="0"/>
+            <a:lumOff val="0"/>
+            <a:alphaOff val="0"/>
+          </a:schemeClr>
+        </a:solidFill>
+        <a:ln w="12700" cap="flat" cmpd="sng" algn="ctr">
+          <a:solidFill>
+            <a:schemeClr val="accent1">
+              <a:hueOff val="0"/>
+              <a:satOff val="0"/>
+              <a:lumOff val="0"/>
+              <a:alphaOff val="0"/>
+            </a:schemeClr>
+          </a:solidFill>
+          <a:prstDash val="solid"/>
+          <a:miter lim="800000"/>
+        </a:ln>
+        <a:effectLst/>
+      </dsp:spPr>
+      <dsp:style>
+        <a:lnRef idx="2">
+          <a:scrgbClr r="0" g="0" b="0"/>
+        </a:lnRef>
+        <a:fillRef idx="1">
+          <a:scrgbClr r="0" g="0" b="0"/>
+        </a:fillRef>
+        <a:effectRef idx="0">
+          <a:scrgbClr r="0" g="0" b="0"/>
+        </a:effectRef>
+        <a:fontRef idx="minor">
+          <a:schemeClr val="lt1"/>
+        </a:fontRef>
+      </dsp:style>
+      <dsp:txBody>
+        <a:bodyPr spcFirstLastPara="0" vert="horz" wrap="square" lIns="15875" tIns="15875" rIns="15875" bIns="15875" numCol="1" spcCol="1270" anchor="ctr" anchorCtr="0">
+          <a:noAutofit/>
+        </a:bodyPr>
+        <a:lstStyle/>
+        <a:p>
+          <a:pPr marL="0" lvl="0" indent="0" algn="ctr" defTabSz="1111250">
+            <a:lnSpc>
+              <a:spcPct val="90000"/>
+            </a:lnSpc>
+            <a:spcBef>
+              <a:spcPct val="0"/>
+            </a:spcBef>
+            <a:spcAft>
+              <a:spcPct val="35000"/>
+            </a:spcAft>
+            <a:buNone/>
+          </a:pPr>
+          <a:r>
+            <a:rPr lang="en-US" sz="2500" kern="1200" dirty="0">
+              <a:latin typeface="Aptos" panose="020B0004020202020204" pitchFamily="34" charset="0"/>
+            </a:rPr>
+            <a:t>T1</a:t>
+          </a:r>
+        </a:p>
+      </dsp:txBody>
+      <dsp:txXfrm rot="-5400000">
+        <a:off x="1" y="3410588"/>
+        <a:ext cx="1097779" cy="470477"/>
+      </dsp:txXfrm>
+    </dsp:sp>
+    <dsp:sp modelId="{2DED2CC4-F95F-459F-8BBF-C3E31F07E732}">
+      <dsp:nvSpPr>
+        <dsp:cNvPr id="0" name=""/>
+        <dsp:cNvSpPr/>
+      </dsp:nvSpPr>
+      <dsp:spPr>
+        <a:xfrm rot="5400000">
+          <a:off x="3009885" y="949592"/>
+          <a:ext cx="1019366" cy="4843579"/>
+        </a:xfrm>
+        <a:prstGeom prst="rect">
+          <a:avLst/>
+        </a:prstGeom>
+        <a:solidFill>
+          <a:schemeClr val="lt1">
+            <a:alpha val="90000"/>
+            <a:hueOff val="0"/>
+            <a:satOff val="0"/>
+            <a:lumOff val="0"/>
+            <a:alphaOff val="0"/>
+          </a:schemeClr>
+        </a:solidFill>
+        <a:ln w="12700" cap="flat" cmpd="sng" algn="ctr">
+          <a:solidFill>
+            <a:schemeClr val="accent1">
+              <a:hueOff val="0"/>
+              <a:satOff val="0"/>
+              <a:lumOff val="0"/>
+              <a:alphaOff val="0"/>
+            </a:schemeClr>
+          </a:solidFill>
+          <a:prstDash val="solid"/>
+          <a:miter lim="800000"/>
+        </a:ln>
+        <a:effectLst/>
+      </dsp:spPr>
+      <dsp:style>
+        <a:lnRef idx="2">
+          <a:scrgbClr r="0" g="0" b="0"/>
+        </a:lnRef>
+        <a:fillRef idx="1">
+          <a:scrgbClr r="0" g="0" b="0"/>
+        </a:fillRef>
+        <a:effectRef idx="0">
+          <a:scrgbClr r="0" g="0" b="0"/>
+        </a:effectRef>
+        <a:fontRef idx="minor"/>
+      </dsp:style>
+      <dsp:txBody>
+        <a:bodyPr spcFirstLastPara="0" vert="horz" wrap="square" lIns="85344" tIns="7620" rIns="7620" bIns="7620" numCol="1" spcCol="1270" anchor="ctr" anchorCtr="0">
+          <a:noAutofit/>
+        </a:bodyPr>
+        <a:lstStyle/>
+        <a:p>
+          <a:pPr marL="114300" lvl="1" indent="-114300" algn="l" defTabSz="533400">
+            <a:lnSpc>
+              <a:spcPct val="90000"/>
+            </a:lnSpc>
+            <a:spcBef>
+              <a:spcPct val="0"/>
+            </a:spcBef>
+            <a:spcAft>
+              <a:spcPct val="15000"/>
+            </a:spcAft>
+            <a:buFont typeface="Arial" panose="020B0604020202020204" pitchFamily="34" charset="0"/>
+            <a:buNone/>
+          </a:pPr>
+          <a:r>
+            <a:rPr lang="en-US" sz="1200" b="1" kern="1200" dirty="0" err="1">
+              <a:latin typeface="Aptos" panose="020B0004020202020204" pitchFamily="34" charset="0"/>
+            </a:rPr>
+            <a:t>Funktionelles</a:t>
+          </a:r>
+          <a:r>
+            <a:rPr lang="en-US" sz="1200" b="1" kern="1200" dirty="0">
+              <a:latin typeface="Aptos" panose="020B0004020202020204" pitchFamily="34" charset="0"/>
+            </a:rPr>
+            <a:t> Assessment</a:t>
+          </a:r>
+          <a:endParaRPr lang="en-US" sz="1200" kern="1200" dirty="0">
+            <a:latin typeface="Aptos" panose="020B0004020202020204" pitchFamily="34" charset="0"/>
+          </a:endParaRPr>
+        </a:p>
+        <a:p>
+          <a:pPr marL="114300" lvl="1" indent="-114300" algn="l" defTabSz="533400">
+            <a:lnSpc>
+              <a:spcPct val="90000"/>
+            </a:lnSpc>
+            <a:spcBef>
+              <a:spcPct val="0"/>
+            </a:spcBef>
+            <a:spcAft>
+              <a:spcPct val="15000"/>
+            </a:spcAft>
+            <a:buNone/>
+          </a:pPr>
+          <a:r>
+            <a:rPr lang="en-US" sz="1200" kern="1200">
+              <a:latin typeface="Aptos" panose="020B0004020202020204" pitchFamily="34" charset="0"/>
+            </a:rPr>
+            <a:t>Klinische Untersuchtung, EEG, EMG, Laufband</a:t>
+          </a:r>
+          <a:endParaRPr lang="en-US" sz="1200" kern="1200" dirty="0">
+            <a:latin typeface="Aptos" panose="020B0004020202020204" pitchFamily="34" charset="0"/>
+          </a:endParaRPr>
+        </a:p>
+        <a:p>
+          <a:pPr marL="114300" lvl="1" indent="-114300" algn="l" defTabSz="533400">
+            <a:lnSpc>
+              <a:spcPct val="90000"/>
+            </a:lnSpc>
+            <a:spcBef>
+              <a:spcPct val="0"/>
+            </a:spcBef>
+            <a:spcAft>
+              <a:spcPct val="15000"/>
+            </a:spcAft>
+            <a:buNone/>
+          </a:pPr>
+          <a:r>
+            <a:rPr lang="en-US" sz="1200" b="1" kern="1200">
+              <a:latin typeface="Aptos" panose="020B0004020202020204" pitchFamily="34" charset="0"/>
+            </a:rPr>
+            <a:t>Häusliches Assessment</a:t>
+          </a:r>
+          <a:endParaRPr lang="en-US" sz="1200" b="1" kern="1200" dirty="0">
+            <a:latin typeface="Aptos" panose="020B0004020202020204" pitchFamily="34" charset="0"/>
+          </a:endParaRPr>
+        </a:p>
+        <a:p>
+          <a:pPr marL="114300" lvl="1" indent="-114300" algn="l" defTabSz="533400">
+            <a:lnSpc>
+              <a:spcPct val="90000"/>
+            </a:lnSpc>
+            <a:spcBef>
+              <a:spcPct val="0"/>
+            </a:spcBef>
+            <a:spcAft>
+              <a:spcPct val="15000"/>
+            </a:spcAft>
+            <a:buNone/>
+          </a:pPr>
+          <a:r>
+            <a:rPr lang="en-US" sz="1200" kern="1200" dirty="0" err="1">
+              <a:latin typeface="Aptos" panose="020B0004020202020204" pitchFamily="34" charset="0"/>
+            </a:rPr>
+            <a:t>Bewegungssensor</a:t>
+          </a:r>
+          <a:r>
+            <a:rPr lang="en-US" sz="1200" kern="1200" dirty="0">
+              <a:latin typeface="Aptos" panose="020B0004020202020204" pitchFamily="34" charset="0"/>
+            </a:rPr>
+            <a:t> </a:t>
+          </a:r>
+          <a:r>
+            <a:rPr lang="en-US" sz="1200" kern="1200" dirty="0" err="1">
+              <a:latin typeface="Aptos" panose="020B0004020202020204" pitchFamily="34" charset="0"/>
+            </a:rPr>
+            <a:t>wird</a:t>
+          </a:r>
+          <a:r>
+            <a:rPr lang="en-US" sz="1200" kern="1200" dirty="0">
+              <a:latin typeface="Aptos" panose="020B0004020202020204" pitchFamily="34" charset="0"/>
+            </a:rPr>
+            <a:t> am </a:t>
+          </a:r>
+          <a:r>
+            <a:rPr lang="en-US" sz="1200" kern="1200" dirty="0" err="1">
+              <a:latin typeface="Aptos" panose="020B0004020202020204" pitchFamily="34" charset="0"/>
+            </a:rPr>
+            <a:t>unteren</a:t>
+          </a:r>
+          <a:r>
+            <a:rPr lang="en-US" sz="1200" kern="1200" dirty="0">
+              <a:latin typeface="Aptos" panose="020B0004020202020204" pitchFamily="34" charset="0"/>
+            </a:rPr>
+            <a:t> </a:t>
+          </a:r>
+          <a:r>
+            <a:rPr lang="en-US" sz="1200" kern="1200" dirty="0" err="1">
+              <a:latin typeface="Aptos" panose="020B0004020202020204" pitchFamily="34" charset="0"/>
+            </a:rPr>
+            <a:t>Rücken</a:t>
+          </a:r>
+          <a:r>
+            <a:rPr lang="en-US" sz="1200" kern="1200" dirty="0">
+              <a:latin typeface="Aptos" panose="020B0004020202020204" pitchFamily="34" charset="0"/>
+            </a:rPr>
+            <a:t> für 7 </a:t>
+          </a:r>
+          <a:r>
+            <a:rPr lang="en-US" sz="1200" kern="1200" dirty="0" err="1">
+              <a:latin typeface="Aptos" panose="020B0004020202020204" pitchFamily="34" charset="0"/>
+            </a:rPr>
+            <a:t>Tage</a:t>
+          </a:r>
+          <a:r>
+            <a:rPr lang="en-US" sz="1200" kern="1200" dirty="0">
+              <a:latin typeface="Aptos" panose="020B0004020202020204" pitchFamily="34" charset="0"/>
+            </a:rPr>
+            <a:t> </a:t>
+          </a:r>
+          <a:r>
+            <a:rPr lang="en-US" sz="1200" kern="1200" dirty="0" err="1">
+              <a:latin typeface="Aptos" panose="020B0004020202020204" pitchFamily="34" charset="0"/>
+            </a:rPr>
+            <a:t>getragen</a:t>
+          </a:r>
+          <a:endParaRPr lang="en-US" sz="1200" kern="1200" dirty="0">
+            <a:latin typeface="Aptos" panose="020B0004020202020204" pitchFamily="34" charset="0"/>
+          </a:endParaRPr>
+        </a:p>
+      </dsp:txBody>
+      <dsp:txXfrm rot="-5400000">
+        <a:off x="1097779" y="2861698"/>
+        <a:ext cx="4843579" cy="1019366"/>
+      </dsp:txXfrm>
+    </dsp:sp>
+    <dsp:sp modelId="{721F5515-F498-437B-A584-198BB37F68B8}">
+      <dsp:nvSpPr>
+        <dsp:cNvPr id="0" name=""/>
+        <dsp:cNvSpPr/>
+      </dsp:nvSpPr>
+      <dsp:spPr>
+        <a:xfrm rot="5400000">
+          <a:off x="-235238" y="4584073"/>
+          <a:ext cx="1568256" cy="1097779"/>
+        </a:xfrm>
+        <a:prstGeom prst="chevron">
+          <a:avLst/>
+        </a:prstGeom>
+        <a:solidFill>
+          <a:schemeClr val="accent1">
+            <a:hueOff val="0"/>
+            <a:satOff val="0"/>
+            <a:lumOff val="0"/>
+            <a:alphaOff val="0"/>
+          </a:schemeClr>
+        </a:solidFill>
+        <a:ln w="12700" cap="flat" cmpd="sng" algn="ctr">
+          <a:solidFill>
+            <a:schemeClr val="accent1">
+              <a:hueOff val="0"/>
+              <a:satOff val="0"/>
+              <a:lumOff val="0"/>
+              <a:alphaOff val="0"/>
+            </a:schemeClr>
+          </a:solidFill>
+          <a:prstDash val="solid"/>
+          <a:miter lim="800000"/>
+        </a:ln>
+        <a:effectLst/>
+      </dsp:spPr>
+      <dsp:style>
+        <a:lnRef idx="2">
+          <a:scrgbClr r="0" g="0" b="0"/>
+        </a:lnRef>
+        <a:fillRef idx="1">
+          <a:scrgbClr r="0" g="0" b="0"/>
+        </a:fillRef>
+        <a:effectRef idx="0">
+          <a:scrgbClr r="0" g="0" b="0"/>
+        </a:effectRef>
+        <a:fontRef idx="minor">
+          <a:schemeClr val="lt1"/>
+        </a:fontRef>
+      </dsp:style>
+      <dsp:txBody>
+        <a:bodyPr spcFirstLastPara="0" vert="horz" wrap="square" lIns="15875" tIns="15875" rIns="15875" bIns="15875" numCol="1" spcCol="1270" anchor="ctr" anchorCtr="0">
+          <a:noAutofit/>
+        </a:bodyPr>
+        <a:lstStyle/>
+        <a:p>
+          <a:pPr marL="0" lvl="0" indent="0" algn="ctr" defTabSz="1111250">
+            <a:lnSpc>
+              <a:spcPct val="90000"/>
+            </a:lnSpc>
+            <a:spcBef>
+              <a:spcPct val="0"/>
+            </a:spcBef>
+            <a:spcAft>
+              <a:spcPct val="35000"/>
+            </a:spcAft>
+            <a:buNone/>
+          </a:pPr>
+          <a:r>
+            <a:rPr lang="en-US" sz="2500" kern="1200" dirty="0">
+              <a:latin typeface="Aptos" panose="020B0004020202020204" pitchFamily="34" charset="0"/>
+            </a:rPr>
+            <a:t>T2</a:t>
+          </a:r>
+        </a:p>
+      </dsp:txBody>
+      <dsp:txXfrm rot="-5400000">
+        <a:off x="1" y="4897725"/>
+        <a:ext cx="1097779" cy="470477"/>
+      </dsp:txXfrm>
+    </dsp:sp>
+    <dsp:sp modelId="{E5A7108A-6F22-4D9F-810D-B3F64F969416}">
+      <dsp:nvSpPr>
+        <dsp:cNvPr id="0" name=""/>
+        <dsp:cNvSpPr/>
+      </dsp:nvSpPr>
+      <dsp:spPr>
+        <a:xfrm rot="5400000">
+          <a:off x="2949238" y="2436729"/>
+          <a:ext cx="1140661" cy="4843579"/>
+        </a:xfrm>
+        <a:prstGeom prst="rect">
+          <a:avLst/>
+        </a:prstGeom>
+        <a:solidFill>
+          <a:schemeClr val="lt1">
+            <a:alpha val="90000"/>
+            <a:hueOff val="0"/>
+            <a:satOff val="0"/>
+            <a:lumOff val="0"/>
+            <a:alphaOff val="0"/>
+          </a:schemeClr>
+        </a:solidFill>
+        <a:ln w="12700" cap="flat" cmpd="sng" algn="ctr">
+          <a:solidFill>
+            <a:schemeClr val="accent1">
+              <a:hueOff val="0"/>
+              <a:satOff val="0"/>
+              <a:lumOff val="0"/>
+              <a:alphaOff val="0"/>
+            </a:schemeClr>
+          </a:solidFill>
+          <a:prstDash val="solid"/>
+          <a:miter lim="800000"/>
+        </a:ln>
+        <a:effectLst/>
+      </dsp:spPr>
+      <dsp:style>
+        <a:lnRef idx="2">
+          <a:scrgbClr r="0" g="0" b="0"/>
+        </a:lnRef>
+        <a:fillRef idx="1">
+          <a:scrgbClr r="0" g="0" b="0"/>
+        </a:fillRef>
+        <a:effectRef idx="0">
+          <a:scrgbClr r="0" g="0" b="0"/>
+        </a:effectRef>
+        <a:fontRef idx="minor"/>
+      </dsp:style>
+      <dsp:txBody>
+        <a:bodyPr spcFirstLastPara="0" vert="horz" wrap="square" lIns="85344" tIns="7620" rIns="7620" bIns="7620" numCol="1" spcCol="1270" anchor="ctr" anchorCtr="0">
+          <a:noAutofit/>
+        </a:bodyPr>
+        <a:lstStyle/>
+        <a:p>
+          <a:pPr marL="114300" lvl="1" indent="-114300" algn="l" defTabSz="533400">
+            <a:lnSpc>
+              <a:spcPct val="90000"/>
+            </a:lnSpc>
+            <a:spcBef>
+              <a:spcPct val="0"/>
+            </a:spcBef>
+            <a:spcAft>
+              <a:spcPct val="15000"/>
+            </a:spcAft>
+            <a:buNone/>
+          </a:pPr>
+          <a:r>
+            <a:rPr lang="en-US" sz="1200" u="sng" kern="1200" dirty="0" err="1">
+              <a:latin typeface="Aptos" panose="020B0004020202020204" pitchFamily="34" charset="0"/>
+            </a:rPr>
+            <a:t>Nach</a:t>
+          </a:r>
+          <a:r>
+            <a:rPr lang="en-US" sz="1200" u="sng" kern="1200" dirty="0">
+              <a:latin typeface="Aptos" panose="020B0004020202020204" pitchFamily="34" charset="0"/>
+            </a:rPr>
+            <a:t> ca. 14 </a:t>
+          </a:r>
+          <a:r>
+            <a:rPr lang="en-US" sz="1200" u="sng" kern="1200" dirty="0" err="1">
+              <a:latin typeface="Aptos" panose="020B0004020202020204" pitchFamily="34" charset="0"/>
+            </a:rPr>
+            <a:t>Wochen</a:t>
+          </a:r>
+          <a:r>
+            <a:rPr lang="en-US" sz="1200" u="sng" kern="1200" dirty="0">
+              <a:latin typeface="Aptos" panose="020B0004020202020204" pitchFamily="34" charset="0"/>
+            </a:rPr>
+            <a:t> Pause: Follow-up </a:t>
+          </a:r>
+          <a:r>
+            <a:rPr lang="en-US" sz="1200" u="sng" kern="1200" dirty="0" err="1">
+              <a:latin typeface="Aptos" panose="020B0004020202020204" pitchFamily="34" charset="0"/>
+            </a:rPr>
+            <a:t>Untersuchung</a:t>
+          </a:r>
+          <a:endParaRPr lang="en-US" sz="1200" u="sng" kern="1200" dirty="0">
+            <a:latin typeface="Aptos" panose="020B0004020202020204" pitchFamily="34" charset="0"/>
+          </a:endParaRPr>
+        </a:p>
+        <a:p>
+          <a:pPr marL="114300" lvl="1" indent="-114300" algn="l" defTabSz="533400">
+            <a:lnSpc>
+              <a:spcPct val="90000"/>
+            </a:lnSpc>
+            <a:spcBef>
+              <a:spcPct val="0"/>
+            </a:spcBef>
+            <a:spcAft>
+              <a:spcPct val="15000"/>
+            </a:spcAft>
+            <a:buFont typeface="Arial" panose="020B0604020202020204" pitchFamily="34" charset="0"/>
+            <a:buNone/>
+          </a:pPr>
+          <a:r>
+            <a:rPr lang="en-US" sz="1200" b="1" kern="1200" dirty="0" err="1">
+              <a:latin typeface="Aptos" panose="020B0004020202020204" pitchFamily="34" charset="0"/>
+            </a:rPr>
+            <a:t>Funktionelles</a:t>
+          </a:r>
+          <a:r>
+            <a:rPr lang="en-US" sz="1200" b="1" kern="1200" dirty="0">
+              <a:latin typeface="Aptos" panose="020B0004020202020204" pitchFamily="34" charset="0"/>
+            </a:rPr>
+            <a:t> Assessment</a:t>
+          </a:r>
+          <a:endParaRPr lang="en-US" sz="1200" kern="1200" dirty="0">
+            <a:latin typeface="Aptos" panose="020B0004020202020204" pitchFamily="34" charset="0"/>
+          </a:endParaRPr>
+        </a:p>
+        <a:p>
+          <a:pPr marL="114300" lvl="1" indent="-114300" algn="l" defTabSz="533400">
+            <a:lnSpc>
+              <a:spcPct val="90000"/>
+            </a:lnSpc>
+            <a:spcBef>
+              <a:spcPct val="0"/>
+            </a:spcBef>
+            <a:spcAft>
+              <a:spcPct val="15000"/>
+            </a:spcAft>
+            <a:buNone/>
+          </a:pPr>
+          <a:r>
+            <a:rPr lang="en-US" sz="1200" kern="1200">
+              <a:latin typeface="Aptos" panose="020B0004020202020204" pitchFamily="34" charset="0"/>
+            </a:rPr>
+            <a:t>Klinische Untersuchtung, EEG, EMG, Laufband</a:t>
+          </a:r>
+          <a:endParaRPr lang="en-US" sz="1200" kern="1200" dirty="0">
+            <a:latin typeface="Aptos" panose="020B0004020202020204" pitchFamily="34" charset="0"/>
+          </a:endParaRPr>
+        </a:p>
+        <a:p>
+          <a:pPr marL="114300" lvl="1" indent="-114300" algn="l" defTabSz="533400">
+            <a:lnSpc>
+              <a:spcPct val="90000"/>
+            </a:lnSpc>
+            <a:spcBef>
+              <a:spcPct val="0"/>
+            </a:spcBef>
+            <a:spcAft>
+              <a:spcPct val="15000"/>
+            </a:spcAft>
+            <a:buNone/>
+          </a:pPr>
+          <a:r>
+            <a:rPr lang="en-US" sz="1200" b="1" kern="1200">
+              <a:latin typeface="Aptos" panose="020B0004020202020204" pitchFamily="34" charset="0"/>
+            </a:rPr>
+            <a:t>Häusliches Assessment</a:t>
+          </a:r>
+          <a:endParaRPr lang="en-US" sz="1200" b="1" kern="1200" dirty="0">
+            <a:latin typeface="Aptos" panose="020B0004020202020204" pitchFamily="34" charset="0"/>
+          </a:endParaRPr>
+        </a:p>
+        <a:p>
+          <a:pPr marL="114300" lvl="1" indent="-114300" algn="l" defTabSz="533400">
+            <a:lnSpc>
+              <a:spcPct val="90000"/>
+            </a:lnSpc>
+            <a:spcBef>
+              <a:spcPct val="0"/>
+            </a:spcBef>
+            <a:spcAft>
+              <a:spcPct val="15000"/>
+            </a:spcAft>
+            <a:buNone/>
+          </a:pPr>
+          <a:r>
+            <a:rPr lang="en-US" sz="1200" kern="1200" dirty="0" err="1">
+              <a:latin typeface="Aptos" panose="020B0004020202020204" pitchFamily="34" charset="0"/>
+            </a:rPr>
+            <a:t>Bewegungssensor</a:t>
+          </a:r>
+          <a:r>
+            <a:rPr lang="en-US" sz="1200" kern="1200" dirty="0">
+              <a:latin typeface="Aptos" panose="020B0004020202020204" pitchFamily="34" charset="0"/>
+            </a:rPr>
+            <a:t> </a:t>
+          </a:r>
+          <a:r>
+            <a:rPr lang="en-US" sz="1200" kern="1200" dirty="0" err="1">
+              <a:latin typeface="Aptos" panose="020B0004020202020204" pitchFamily="34" charset="0"/>
+            </a:rPr>
+            <a:t>wird</a:t>
+          </a:r>
+          <a:r>
+            <a:rPr lang="en-US" sz="1200" kern="1200" dirty="0">
+              <a:latin typeface="Aptos" panose="020B0004020202020204" pitchFamily="34" charset="0"/>
+            </a:rPr>
+            <a:t> am </a:t>
+          </a:r>
+          <a:r>
+            <a:rPr lang="en-US" sz="1200" kern="1200" dirty="0" err="1">
+              <a:latin typeface="Aptos" panose="020B0004020202020204" pitchFamily="34" charset="0"/>
+            </a:rPr>
+            <a:t>unteren</a:t>
+          </a:r>
+          <a:r>
+            <a:rPr lang="en-US" sz="1200" kern="1200" dirty="0">
+              <a:latin typeface="Aptos" panose="020B0004020202020204" pitchFamily="34" charset="0"/>
+            </a:rPr>
+            <a:t> </a:t>
+          </a:r>
+          <a:r>
+            <a:rPr lang="en-US" sz="1200" kern="1200" dirty="0" err="1">
+              <a:latin typeface="Aptos" panose="020B0004020202020204" pitchFamily="34" charset="0"/>
+            </a:rPr>
+            <a:t>Rücken</a:t>
+          </a:r>
+          <a:r>
+            <a:rPr lang="en-US" sz="1200" kern="1200" dirty="0">
+              <a:latin typeface="Aptos" panose="020B0004020202020204" pitchFamily="34" charset="0"/>
+            </a:rPr>
+            <a:t> für 7 </a:t>
+          </a:r>
+          <a:r>
+            <a:rPr lang="en-US" sz="1200" kern="1200" dirty="0" err="1">
+              <a:latin typeface="Aptos" panose="020B0004020202020204" pitchFamily="34" charset="0"/>
+            </a:rPr>
+            <a:t>Tage</a:t>
+          </a:r>
+          <a:r>
+            <a:rPr lang="en-US" sz="1200" kern="1200" dirty="0">
+              <a:latin typeface="Aptos" panose="020B0004020202020204" pitchFamily="34" charset="0"/>
+            </a:rPr>
+            <a:t> </a:t>
+          </a:r>
+          <a:r>
+            <a:rPr lang="en-US" sz="1200" kern="1200" dirty="0" err="1">
+              <a:latin typeface="Aptos" panose="020B0004020202020204" pitchFamily="34" charset="0"/>
+            </a:rPr>
+            <a:t>getragen</a:t>
+          </a:r>
+          <a:endParaRPr lang="en-US" sz="1200" kern="1200" dirty="0">
+            <a:latin typeface="Aptos" panose="020B0004020202020204" pitchFamily="34" charset="0"/>
+          </a:endParaRPr>
+        </a:p>
+      </dsp:txBody>
+      <dsp:txXfrm rot="-5400000">
+        <a:off x="1097779" y="4288188"/>
+        <a:ext cx="4843579" cy="1140661"/>
+      </dsp:txXfrm>
+    </dsp:sp>
+  </dsp:spTree>
+</dsp:drawing>
+</file>
+
+<file path=ppt/diagrams/layout1.xml><?xml version="1.0" encoding="utf-8"?>
+<dgm:layoutDef xmlns:dgm="http://schemas.openxmlformats.org/drawingml/2006/diagram" xmlns:a="http://schemas.openxmlformats.org/drawingml/2006/main" uniqueId="urn:microsoft.com/office/officeart/2005/8/layout/chevron2">
+  <dgm:title val=""/>
+  <dgm:desc val=""/>
+  <dgm:catLst>
+    <dgm:cat type="process" pri="12000"/>
+    <dgm:cat type="list" pri="16000"/>
+    <dgm:cat type="convert" pri="11000"/>
+  </dgm:catLst>
+  <dgm:sampData>
+    <dgm:dataModel>
+      <dgm:ptLst>
+        <dgm:pt modelId="0" type="doc"/>
+        <dgm:pt modelId="1">
+          <dgm:prSet phldr="1"/>
+        </dgm:pt>
+        <dgm:pt modelId="11">
+          <dgm:prSet phldr="1"/>
+        </dgm:pt>
+        <dgm:pt modelId="12">
+          <dgm:prSet phldr="1"/>
+        </dgm:pt>
+        <dgm:pt modelId="2">
+          <dgm:prSet phldr="1"/>
+        </dgm:pt>
+        <dgm:pt modelId="21">
+          <dgm:prSet phldr="1"/>
+        </dgm:pt>
+        <dgm:pt modelId="22">
+          <dgm:prSet phldr="1"/>
+        </dgm:pt>
+        <dgm:pt modelId="3">
+          <dgm:prSet phldr="1"/>
+        </dgm:pt>
+        <dgm:pt modelId="31">
+          <dgm:prSet phldr="1"/>
+        </dgm:pt>
+        <dgm:pt modelId="32">
+          <dgm:prSet phldr="1"/>
+        </dgm:pt>
+      </dgm:ptLst>
+      <dgm:cxnLst>
+        <dgm:cxn modelId="4" srcId="0" destId="1" srcOrd="0" destOrd="0"/>
+        <dgm:cxn modelId="5" srcId="0" destId="2" srcOrd="1" destOrd="0"/>
+        <dgm:cxn modelId="6" srcId="0" destId="3" srcOrd="2" destOrd="0"/>
+        <dgm:cxn modelId="13" srcId="1" destId="11" srcOrd="0" destOrd="0"/>
+        <dgm:cxn modelId="14" srcId="1" destId="12" srcOrd="1" destOrd="0"/>
+        <dgm:cxn modelId="23" srcId="2" destId="21" srcOrd="0" destOrd="0"/>
+        <dgm:cxn modelId="24" srcId="2" destId="22" srcOrd="1" destOrd="0"/>
+        <dgm:cxn modelId="33" srcId="3" destId="31" srcOrd="0" destOrd="0"/>
+        <dgm:cxn modelId="34" srcId="3" destId="32" srcOrd="1" destOrd="0"/>
+      </dgm:cxnLst>
+      <dgm:bg/>
+      <dgm:whole/>
+    </dgm:dataModel>
+  </dgm:sampData>
+  <dgm:styleData>
+    <dgm:dataModel>
+      <dgm:ptLst>
+        <dgm:pt modelId="0" type="doc"/>
+        <dgm:pt modelId="1"/>
+      </dgm:ptLst>
+      <dgm:cxnLst>
+        <dgm:cxn modelId="4" srcId="0" destId="1" srcOrd="0" destOrd="0"/>
+      </dgm:cxnLst>
+      <dgm:bg/>
+      <dgm:whole/>
+    </dgm:dataModel>
+  </dgm:styleData>
+  <dgm:clrData>
+    <dgm:dataModel>
+      <dgm:ptLst>
+        <dgm:pt modelId="0" type="doc"/>
+        <dgm:pt modelId="1"/>
+        <dgm:pt modelId="11"/>
+        <dgm:pt modelId="2"/>
+        <dgm:pt modelId="21"/>
+        <dgm:pt modelId="3"/>
+        <dgm:pt modelId="31"/>
+        <dgm:pt modelId="4"/>
+        <dgm:pt modelId="41"/>
+      </dgm:ptLst>
+      <dgm:cxnLst>
+        <dgm:cxn modelId="5" srcId="0" destId="1" srcOrd="0" destOrd="0"/>
+        <dgm:cxn modelId="6" srcId="0" destId="2" srcOrd="1" destOrd="0"/>
+        <dgm:cxn modelId="7" srcId="0" destId="3" srcOrd="2" destOrd="0"/>
+        <dgm:cxn modelId="8" srcId="0" destId="4" srcOrd="3" destOrd="0"/>
+        <dgm:cxn modelId="13" srcId="1" destId="11" srcOrd="0" destOrd="0"/>
+        <dgm:cxn modelId="23" srcId="2" destId="21" srcOrd="0" destOrd="0"/>
+        <dgm:cxn modelId="33" srcId="3" destId="31" srcOrd="0" destOrd="0"/>
+        <dgm:cxn modelId="43" srcId="4" destId="41" srcOrd="0" destOrd="0"/>
+      </dgm:cxnLst>
+      <dgm:bg/>
+      <dgm:whole/>
+    </dgm:dataModel>
+  </dgm:clrData>
+  <dgm:layoutNode name="linearFlow">
+    <dgm:varLst>
+      <dgm:dir/>
+      <dgm:animLvl val="lvl"/>
+      <dgm:resizeHandles val="exact"/>
+    </dgm:varLst>
+    <dgm:alg type="lin">
+      <dgm:param type="linDir" val="fromT"/>
+      <dgm:param type="nodeHorzAlign" val="l"/>
+    </dgm:alg>
+    <dgm:shape xmlns:r="http://schemas.openxmlformats.org/officeDocument/2006/relationships" r:blip="">
+      <dgm:adjLst/>
+    </dgm:shape>
+    <dgm:presOf/>
+    <dgm:constrLst>
+      <dgm:constr type="h" for="ch" forName="composite" refType="h"/>
+      <dgm:constr type="w" for="ch" forName="composite" refType="w"/>
+      <dgm:constr type="h" for="des" forName="parentText" op="equ"/>
+      <dgm:constr type="h" for="ch" forName="sp" val="-14.88"/>
+      <dgm:constr type="h" for="ch" forName="sp" refType="w" refFor="des" refForName="parentText" op="gte" fact="-0.3"/>
+      <dgm:constr type="primFontSz" for="des" forName="parentText" op="equ" val="65"/>
+      <dgm:constr type="primFontSz" for="des" forName="descendantText" op="equ" val="65"/>
+    </dgm:constrLst>
+    <dgm:ruleLst/>
+    <dgm:forEach name="Name0" axis="ch" ptType="node">
+      <dgm:layoutNode name="composite">
+        <dgm:alg type="composite"/>
+        <dgm:shape xmlns:r="http://schemas.openxmlformats.org/officeDocument/2006/relationships" r:blip="">
+          <dgm:adjLst/>
+        </dgm:shape>
+        <dgm:presOf/>
+        <dgm:choose name="Name1">
+          <dgm:if name="Name2" func="var" arg="dir" op="equ" val="norm">
+            <dgm:constrLst>
+              <dgm:constr type="t" for="ch" forName="parentText"/>
+              <dgm:constr type="l" for="ch" forName="parentText"/>
+              <dgm:constr type="w" for="ch" forName="parentText" refType="w" fact="0.4"/>
+              <dgm:constr type="h" for="ch" forName="parentText" refType="h"/>
+              <dgm:constr type="w" for="ch" forName="parentText" refType="w" op="lte" fact="0.5"/>
+              <dgm:constr type="w" for="ch" forName="parentText" refType="h" refFor="ch" refForName="parentText" op="lte" fact="0.7"/>
+              <dgm:constr type="h" for="ch" forName="parentText" refType="w" refFor="ch" refForName="parentText" op="lte" fact="3"/>
+              <dgm:constr type="l" for="ch" forName="descendantText" refType="w" refFor="ch" refForName="parentText"/>
+              <dgm:constr type="w" for="ch" forName="descendantText" refType="w"/>
+              <dgm:constr type="wOff" for="ch" forName="descendantText" refType="w" refFor="ch" refForName="parentText" fact="-1"/>
+              <dgm:constr type="t" for="ch" forName="descendantText"/>
+              <dgm:constr type="b" for="ch" forName="descendantText" refType="h" refFor="ch" refForName="parentText"/>
+              <dgm:constr type="bOff" for="ch" forName="descendantText" refType="w" refFor="ch" refForName="parentText" fact="-0.5"/>
+            </dgm:constrLst>
+          </dgm:if>
+          <dgm:else name="Name3">
+            <dgm:constrLst>
+              <dgm:constr type="t" for="ch" forName="parentText"/>
+              <dgm:constr type="r" for="ch" forName="parentText" refType="w"/>
+              <dgm:constr type="w" for="ch" forName="parentText" refType="w" fact="0.4"/>
+              <dgm:constr type="h" for="ch" forName="parentText" refType="h"/>
+              <dgm:constr type="w" for="ch" forName="parentText" refType="w" op="lte" fact="0.5"/>
+              <dgm:constr type="w" for="ch" forName="parentText" refType="h" refFor="ch" refForName="parentText" op="lte" fact="0.7"/>
+              <dgm:constr type="h" for="ch" forName="parentText" refType="w" refFor="ch" refForName="parentText" op="lte" fact="3"/>
+              <dgm:constr type="l" for="ch" forName="descendantText"/>
+              <dgm:constr type="w" for="ch" forName="descendantText" refType="w"/>
+              <dgm:constr type="wOff" for="ch" forName="descendantText" refType="w" refFor="ch" refForName="parentText" fact="-1"/>
+              <dgm:constr type="t" for="ch" forName="descendantText"/>
+              <dgm:constr type="b" for="ch" forName="descendantText" refType="h" refFor="ch" refForName="parentText"/>
+              <dgm:constr type="bOff" for="ch" forName="descendantText" refType="w" refFor="ch" refForName="parentText" fact="-0.5"/>
+            </dgm:constrLst>
+          </dgm:else>
+        </dgm:choose>
+        <dgm:ruleLst/>
+        <dgm:layoutNode name="parentText" styleLbl="alignNode1">
+          <dgm:varLst>
+            <dgm:chMax val="1"/>
+            <dgm:bulletEnabled val="1"/>
+          </dgm:varLst>
+          <dgm:alg type="tx"/>
+          <dgm:shape xmlns:r="http://schemas.openxmlformats.org/officeDocument/2006/relationships" rot="90" type="chevron" r:blip="">
+            <dgm:adjLst/>
+          </dgm:shape>
+          <dgm:presOf axis="self" ptType="node"/>
+          <dgm:constrLst>
+            <dgm:constr type="lMarg" refType="primFontSz" fact="0.05"/>
+            <dgm:constr type="rMarg" refType="primFontSz" fact="0.05"/>
+            <dgm:constr type="tMarg" refType="primFontSz" fact="0.05"/>
+            <dgm:constr type="bMarg" refType="primFontSz" fact="0.05"/>
+          </dgm:constrLst>
+          <dgm:ruleLst>
+            <dgm:rule type="h" val="100" fact="NaN" max="NaN"/>
+            <dgm:rule type="primFontSz" val="24" fact="NaN" max="NaN"/>
+            <dgm:rule type="h" val="110" fact="NaN" max="NaN"/>
+            <dgm:rule type="primFontSz" val="18" fact="NaN" max="NaN"/>
+            <dgm:rule type="h" val="INF" fact="NaN" max="NaN"/>
+            <dgm:rule type="primFontSz" val="5" fact="NaN" max="NaN"/>
+          </dgm:ruleLst>
+        </dgm:layoutNode>
+        <dgm:layoutNode name="descendantText" styleLbl="alignAcc1">
+          <dgm:varLst>
+            <dgm:bulletEnabled val="1"/>
+          </dgm:varLst>
+          <dgm:choose name="Name4">
+            <dgm:if name="Name5" func="var" arg="dir" op="equ" val="norm">
+              <dgm:alg type="tx">
+                <dgm:param type="stBulletLvl" val="1"/>
+                <dgm:param type="txAnchorVertCh" val="mid"/>
+              </dgm:alg>
+              <dgm:shape xmlns:r="http://schemas.openxmlformats.org/officeDocument/2006/relationships" rot="90" type="round2SameRect" r:blip="">
+                <dgm:adjLst/>
+              </dgm:shape>
+            </dgm:if>
+            <dgm:else name="Name6">
+              <dgm:alg type="tx">
+                <dgm:param type="stBulletLvl" val="1"/>
+                <dgm:param type="txAnchorVertCh" val="mid"/>
+              </dgm:alg>
+              <dgm:shape xmlns:r="http://schemas.openxmlformats.org/officeDocument/2006/relationships" rot="-90" type="round2SameRect" r:blip="">
+                <dgm:adjLst/>
+              </dgm:shape>
+            </dgm:else>
+          </dgm:choose>
+          <dgm:presOf axis="des" ptType="node"/>
+          <dgm:choose name="Name7">
+            <dgm:if name="Name8" func="var" arg="dir" op="equ" val="norm">
+              <dgm:constrLst>
+                <dgm:constr type="secFontSz" refType="primFontSz"/>
+                <dgm:constr type="tMarg" refType="primFontSz" fact="0.05"/>
+                <dgm:constr type="bMarg" refType="primFontSz" fact="0.05"/>
+                <dgm:constr type="rMarg" refType="primFontSz" fact="0.05"/>
+              </dgm:constrLst>
+            </dgm:if>
+            <dgm:else name="Name9">
+              <dgm:constrLst>
+                <dgm:constr type="secFontSz" refType="primFontSz"/>
+                <dgm:constr type="tMarg" refType="primFontSz" fact="0.05"/>
+                <dgm:constr type="bMarg" refType="primFontSz" fact="0.05"/>
+                <dgm:constr type="lMarg" refType="primFontSz" fact="0.05"/>
+              </dgm:constrLst>
+            </dgm:else>
+          </dgm:choose>
+          <dgm:ruleLst>
+            <dgm:rule type="primFontSz" val="5" fact="NaN" max="NaN"/>
+          </dgm:ruleLst>
+        </dgm:layoutNode>
+      </dgm:layoutNode>
+      <dgm:forEach name="Name10" axis="followSib" ptType="sibTrans" cnt="1">
+        <dgm:layoutNode name="sp">
+          <dgm:alg type="sp"/>
+          <dgm:shape xmlns:r="http://schemas.openxmlformats.org/officeDocument/2006/relationships" r:blip="">
+            <dgm:adjLst/>
+          </dgm:shape>
+          <dgm:presOf axis="self"/>
+          <dgm:constrLst>
+            <dgm:constr type="w" val="1"/>
+            <dgm:constr type="h" val="37.5"/>
+          </dgm:constrLst>
+          <dgm:ruleLst/>
+        </dgm:layoutNode>
+      </dgm:forEach>
+    </dgm:forEach>
+  </dgm:layoutNode>
+</dgm:layoutDef>
+</file>
+
+<file path=ppt/diagrams/quickStyle1.xml><?xml version="1.0" encoding="utf-8"?>
+<dgm:styleDef xmlns:dgm="http://schemas.openxmlformats.org/drawingml/2006/diagram" xmlns:a="http://schemas.openxmlformats.org/drawingml/2006/main" uniqueId="urn:microsoft.com/office/officeart/2005/8/quickstyle/simple1">
+  <dgm:title val=""/>
+  <dgm:desc val=""/>
+  <dgm:catLst>
+    <dgm:cat type="simple" pri="10100"/>
+  </dgm:catLst>
+  <dgm:scene3d>
+    <a:camera prst="orthographicFront"/>
+    <a:lightRig rig="threePt" dir="t"/>
+  </dgm:scene3d>
+  <dgm:styleLbl name="node0">
+    <dgm:scene3d>
+      <a:camera prst="orthographicFront"/>
+      <a:lightRig rig="threePt" dir="t"/>
+    </dgm:scene3d>
+    <dgm:sp3d/>
+    <dgm:txPr/>
+    <dgm:style>
+      <a:lnRef idx="2">
+        <a:scrgbClr r="0" g="0" b="0"/>
+      </a:lnRef>
+      <a:fillRef idx="1">
+        <a:scrgbClr r="0" g="0" b="0"/>
+      </a:fillRef>
+      <a:effectRef idx="0">
+        <a:scrgbClr r="0" g="0" b="0"/>
+      </a:effectRef>
+      <a:fontRef idx="minor">
+        <a:schemeClr val="lt1"/>
+      </a:fontRef>
+    </dgm:style>
+  </dgm:styleLbl>
+  <dgm:styleLbl name="lnNode1">
+    <dgm:scene3d>
+      <a:camera prst="orthographicFront"/>
+      <a:lightRig rig="threePt" dir="t"/>
+    </dgm:scene3d>
+    <dgm:sp3d/>
+    <dgm:txPr/>
+    <dgm:style>
+      <a:lnRef idx="2">
+        <a:scrgbClr r="0" g="0" b="0"/>
+      </a:lnRef>
+      <a:fillRef idx="1">
+        <a:scrgbClr r="0" g="0" b="0"/>
+      </a:fillRef>
+      <a:effectRef idx="0">
+        <a:scrgbClr r="0" g="0" b="0"/>
+      </a:effectRef>
+      <a:fontRef idx="minor">
+        <a:schemeClr val="lt1"/>
+      </a:fontRef>
+    </dgm:style>
+  </dgm:styleLbl>
+  <dgm:styleLbl name="vennNode1">
+    <dgm:scene3d>
+      <a:camera prst="orthographicFront"/>
+      <a:lightRig rig="threePt" dir="t"/>
+    </dgm:scene3d>
+    <dgm:sp3d/>
+    <dgm:txPr/>
+    <dgm:style>
+      <a:lnRef idx="2">
+        <a:scrgbClr r="0" g="0" b="0"/>
+      </a:lnRef>
+      <a:fillRef idx="1">
+        <a:scrgbClr r="0" g="0" b="0"/>
+      </a:fillRef>
+      <a:effectRef idx="0">
+        <a:scrgbClr r="0" g="0" b="0"/>
+      </a:effectRef>
+      <a:fontRef idx="minor">
+        <a:schemeClr val="tx1"/>
+      </a:fontRef>
+    </dgm:style>
+  </dgm:styleLbl>
+  <dgm:styleLbl name="alignNode1">
+    <dgm:scene3d>
+      <a:camera prst="orthographicFront"/>
+      <a:lightRig rig="threePt" dir="t"/>
+    </dgm:scene3d>
+    <dgm:sp3d/>
+    <dgm:txPr/>
+    <dgm:style>
+      <a:lnRef idx="2">
+        <a:scrgbClr r="0" g="0" b="0"/>
+      </a:lnRef>
+      <a:fillRef idx="1">
+        <a:scrgbClr r="0" g="0" b="0"/>
+      </a:fillRef>
+      <a:effectRef idx="0">
+        <a:scrgbClr r="0" g="0" b="0"/>
+      </a:effectRef>
+      <a:fontRef idx="minor">
+        <a:schemeClr val="lt1"/>
+      </a:fontRef>
+    </dgm:style>
+  </dgm:styleLbl>
+  <dgm:styleLbl name="node1">
+    <dgm:scene3d>
+      <a:camera prst="orthographicFront"/>
+      <a:lightRig rig="threePt" dir="t"/>
+    </dgm:scene3d>
+    <dgm:sp3d/>
+    <dgm:txPr/>
+    <dgm:style>
+      <a:lnRef idx="2">
+        <a:scrgbClr r="0" g="0" b="0"/>
+      </a:lnRef>
+      <a:fillRef idx="1">
+        <a:scrgbClr r="0" g="0" b="0"/>
+      </a:fillRef>
+      <a:effectRef idx="0">
+        <a:scrgbClr r="0" g="0" b="0"/>
+      </a:effectRef>
+      <a:fontRef idx="minor">
+        <a:schemeClr val="lt1"/>
+      </a:fontRef>
+    </dgm:style>
+  </dgm:styleLbl>
+  <dgm:styleLbl name="node2">
+    <dgm:scene3d>
+      <a:camera prst="orthographicFront"/>
+      <a:lightRig rig="threePt" dir="t"/>
+    </dgm:scene3d>
+    <dgm:sp3d/>
+    <dgm:txPr/>
+    <dgm:style>
+      <a:lnRef idx="2">
+        <a:scrgbClr r="0" g="0" b="0"/>
+      </a:lnRef>
+      <a:fillRef idx="1">
+        <a:scrgbClr r="0" g="0" b="0"/>
+      </a:fillRef>
+      <a:effectRef idx="0">
+        <a:scrgbClr r="0" g="0" b="0"/>
+      </a:effectRef>
+      <a:fontRef idx="minor">
+        <a:schemeClr val="lt1"/>
+      </a:fontRef>
+    </dgm:style>
+  </dgm:styleLbl>
+  <dgm:styleLbl name="node3">
+    <dgm:scene3d>
+      <a:camera prst="orthographicFront"/>
+      <a:lightRig rig="threePt" dir="t"/>
+    </dgm:scene3d>
+    <dgm:sp3d/>
+    <dgm:txPr/>
+    <dgm:style>
+      <a:lnRef idx="2">
+        <a:scrgbClr r="0" g="0" b="0"/>
+      </a:lnRef>
+      <a:fillRef idx="1">
+        <a:scrgbClr r="0" g="0" b="0"/>
+      </a:fillRef>
+      <a:effectRef idx="0">
+        <a:scrgbClr r="0" g="0" b="0"/>
+      </a:effectRef>
+      <a:fontRef idx="minor">
+        <a:schemeClr val="lt1"/>
+      </a:fontRef>
+    </dgm:style>
+  </dgm:styleLbl>
+  <dgm:styleLbl name="node4">
+    <dgm:scene3d>
+      <a:camera prst="orthographicFront"/>
+      <a:lightRig rig="threePt" dir="t"/>
+    </dgm:scene3d>
+    <dgm:sp3d/>
+    <dgm:txPr/>
+    <dgm:style>
+      <a:lnRef idx="2">
+        <a:scrgbClr r="0" g="0" b="0"/>
+      </a:lnRef>
+      <a:fillRef idx="1">
+        <a:scrgbClr r="0" g="0" b="0"/>
+      </a:fillRef>
+      <a:effectRef idx="0">
+        <a:scrgbClr r="0" g="0" b="0"/>
+      </a:effectRef>
+      <a:fontRef idx="minor">
+        <a:schemeClr val="lt1"/>
+      </a:fontRef>
+    </dgm:style>
+  </dgm:styleLbl>
+  <dgm:styleLbl name="fgImgPlace1">
+    <dgm:scene3d>
+      <a:camera prst="orthographicFront"/>
+      <a:lightRig rig="threePt" dir="t"/>
+    </dgm:scene3d>
+    <dgm:sp3d/>
+    <dgm:txPr/>
+    <dgm:style>
+      <a:lnRef idx="2">
+        <a:scrgbClr r="0" g="0" b="0"/>
+      </a:lnRef>
+      <a:fillRef idx="1">
+        <a:scrgbClr r="0" g="0" b="0"/>
+      </a:fillRef>
+      <a:effectRef idx="0">
+        <a:scrgbClr r="0" g="0" b="0"/>
+      </a:effectRef>
+      <a:fontRef idx="minor"/>
+    </dgm:style>
+  </dgm:styleLbl>
+  <dgm:styleLbl name="alignImgPlace1">
+    <dgm:scene3d>
+      <a:camera prst="orthographicFront"/>
+      <a:lightRig rig="threePt" dir="t"/>
+    </dgm:scene3d>
+    <dgm:sp3d/>
+    <dgm:txPr/>
+    <dgm:style>
+      <a:lnRef idx="2">
+        <a:scrgbClr r="0" g="0" b="0"/>
+      </a:lnRef>
+      <a:fillRef idx="1">
+        <a:scrgbClr r="0" g="0" b="0"/>
+      </a:fillRef>
+      <a:effectRef idx="0">
+        <a:scrgbClr r="0" g="0" b="0"/>
+      </a:effectRef>
+      <a:fontRef idx="minor"/>
+    </dgm:style>
+  </dgm:styleLbl>
+  <dgm:styleLbl name="bgImgPlace1">
+    <dgm:scene3d>
+      <a:camera prst="orthographicFront"/>
+      <a:lightRig rig="threePt" dir="t"/>
+    </dgm:scene3d>
+    <dgm:sp3d/>
+    <dgm:txPr/>
+    <dgm:style>
+      <a:lnRef idx="2">
+        <a:scrgbClr r="0" g="0" b="0"/>
+      </a:lnRef>
+      <a:fillRef idx="1">
+        <a:scrgbClr r="0" g="0" b="0"/>
+      </a:fillRef>
+      <a:effectRef idx="0">
+        <a:scrgbClr r="0" g="0" b="0"/>
+      </a:effectRef>
+      <a:fontRef idx="minor"/>
+    </dgm:style>
+  </dgm:styleLbl>
+  <dgm:styleLbl name="sibTrans2D1">
+    <dgm:scene3d>
+      <a:camera prst="orthographicFront"/>
+      <a:lightRig rig="threePt" dir="t"/>
+    </dgm:scene3d>
+    <dgm:sp3d/>
+    <dgm:txPr/>
+    <dgm:style>
+      <a:lnRef idx="0">
+        <a:scrgbClr r="0" g="0" b="0"/>
+      </a:lnRef>
+      <a:fillRef idx="1">
+        <a:scrgbClr r="0" g="0" b="0"/>
+      </a:fillRef>
+      <a:effectRef idx="0">
+        <a:scrgbClr r="0" g="0" b="0"/>
+      </a:effectRef>
+      <a:fontRef idx="minor">
+        <a:schemeClr val="lt1"/>
+      </a:fontRef>
+    </dgm:style>
+  </dgm:styleLbl>
+  <dgm:styleLbl name="fgSibTrans2D1">
+    <dgm:scene3d>
+      <a:camera prst="orthographicFront"/>
+      <a:lightRig rig="threePt" dir="t"/>
+    </dgm:scene3d>
+    <dgm:sp3d/>
+    <dgm:txPr/>
+    <dgm:style>
+      <a:lnRef idx="0">
+        <a:scrgbClr r="0" g="0" b="0"/>
+      </a:lnRef>
+      <a:fillRef idx="1">
+        <a:scrgbClr r="0" g="0" b="0"/>
+      </a:fillRef>
+      <a:effectRef idx="0">
+        <a:scrgbClr r="0" g="0" b="0"/>
+      </a:effectRef>
+      <a:fontRef idx="minor">
+        <a:schemeClr val="lt1"/>
+      </a:fontRef>
+    </dgm:style>
+  </dgm:styleLbl>
+  <dgm:styleLbl name="bgSibTrans2D1">
+    <dgm:scene3d>
+      <a:camera prst="orthographicFront"/>
+      <a:lightRig rig="threePt" dir="t"/>
+    </dgm:scene3d>
+    <dgm:sp3d/>
+    <dgm:txPr/>
+    <dgm:style>
+      <a:lnRef idx="0">
+        <a:scrgbClr r="0" g="0" b="0"/>
+      </a:lnRef>
+      <a:fillRef idx="1">
+        <a:scrgbClr r="0" g="0" b="0"/>
+      </a:fillRef>
+      <a:effectRef idx="0">
+        <a:scrgbClr r="0" g="0" b="0"/>
+      </a:effectRef>
+      <a:fontRef idx="minor">
+        <a:schemeClr val="lt1"/>
+      </a:fontRef>
+    </dgm:style>
+  </dgm:styleLbl>
+  <dgm:styleLbl name="sibTrans1D1">
+    <dgm:scene3d>
+      <a:camera prst="orthographicFront"/>
+      <a:lightRig rig="threePt" dir="t"/>
+    </dgm:scene3d>
+    <dgm:sp3d/>
+    <dgm:txPr/>
+    <dgm:style>
+      <a:lnRef idx="1">
+        <a:scrgbClr r="0" g="0" b="0"/>
+      </a:lnRef>
+      <a:fillRef idx="0">
+        <a:scrgbClr r="0" g="0" b="0"/>
+      </a:fillRef>
+      <a:effectRef idx="0">
+        <a:scrgbClr r="0" g="0" b="0"/>
+      </a:effectRef>
+      <a:fontRef idx="minor"/>
+    </dgm:style>
+  </dgm:styleLbl>
+  <dgm:styleLbl name="callout">
+    <dgm:scene3d>
+      <a:camera prst="orthographicFront"/>
+      <a:lightRig rig="threePt" dir="t"/>
+    </dgm:scene3d>
+    <dgm:sp3d/>
+    <dgm:txPr/>
+    <dgm:style>
+      <a:lnRef idx="2">
+        <a:scrgbClr r="0" g="0" b="0"/>
+      </a:lnRef>
+      <a:fillRef idx="1">
+        <a:scrgbClr r="0" g="0" b="0"/>
+      </a:fillRef>
+      <a:effectRef idx="0">
+        <a:scrgbClr r="0" g="0" b="0"/>
+      </a:effectRef>
+      <a:fontRef idx="minor"/>
+    </dgm:style>
+  </dgm:styleLbl>
+  <dgm:styleLbl name="asst0">
+    <dgm:scene3d>
+      <a:camera prst="orthographicFront"/>
+      <a:lightRig rig="threePt" dir="t"/>
+    </dgm:scene3d>
+    <dgm:sp3d/>
+    <dgm:txPr/>
+    <dgm:style>
+      <a:lnRef idx="2">
+        <a:scrgbClr r="0" g="0" b="0"/>
+      </a:lnRef>
+      <a:fillRef idx="1">
+        <a:scrgbClr r="0" g="0" b="0"/>
+      </a:fillRef>
+      <a:effectRef idx="0">
+        <a:scrgbClr r="0" g="0" b="0"/>
+      </a:effectRef>
+      <a:fontRef idx="minor">
+        <a:schemeClr val="lt1"/>
+      </a:fontRef>
+    </dgm:style>
+  </dgm:styleLbl>
+  <dgm:styleLbl name="asst1">
+    <dgm:scene3d>
+      <a:camera prst="orthographicFront"/>
+      <a:lightRig rig="threePt" dir="t"/>
+    </dgm:scene3d>
+    <dgm:sp3d/>
+    <dgm:txPr/>
+    <dgm:style>
+      <a:lnRef idx="2">
+        <a:scrgbClr r="0" g="0" b="0"/>
+      </a:lnRef>
+      <a:fillRef idx="1">
+        <a:scrgbClr r="0" g="0" b="0"/>
+      </a:fillRef>
+      <a:effectRef idx="0">
+        <a:scrgbClr r="0" g="0" b="0"/>
+      </a:effectRef>
+      <a:fontRef idx="minor">
+        <a:schemeClr val="lt1"/>
+      </a:fontRef>
+    </dgm:style>
+  </dgm:styleLbl>
+  <dgm:styleLbl name="asst2">
+    <dgm:scene3d>
+      <a:camera prst="orthographicFront"/>
+      <a:lightRig rig="threePt" dir="t"/>
+    </dgm:scene3d>
+    <dgm:sp3d/>
+    <dgm:txPr/>
+    <dgm:style>
+      <a:lnRef idx="2">
+        <a:scrgbClr r="0" g="0" b="0"/>
+      </a:lnRef>
+      <a:fillRef idx="1">
+        <a:scrgbClr r="0" g="0" b="0"/>
+      </a:fillRef>
+      <a:effectRef idx="0">
+        <a:scrgbClr r="0" g="0" b="0"/>
+      </a:effectRef>
+      <a:fontRef idx="minor">
+        <a:schemeClr val="lt1"/>
+      </a:fontRef>
+    </dgm:style>
+  </dgm:styleLbl>
+  <dgm:styleLbl name="asst3">
+    <dgm:scene3d>
+      <a:camera prst="orthographicFront"/>
+      <a:lightRig rig="threePt" dir="t"/>
+    </dgm:scene3d>
+    <dgm:sp3d/>
+    <dgm:txPr/>
+    <dgm:style>
+      <a:lnRef idx="2">
+        <a:scrgbClr r="0" g="0" b="0"/>
+      </a:lnRef>
+      <a:fillRef idx="1">
+        <a:scrgbClr r="0" g="0" b="0"/>
+      </a:fillRef>
+      <a:effectRef idx="0">
+        <a:scrgbClr r="0" g="0" b="0"/>
+      </a:effectRef>
+      <a:fontRef idx="minor">
+        <a:schemeClr val="lt1"/>
+      </a:fontRef>
+    </dgm:style>
+  </dgm:styleLbl>
+  <dgm:styleLbl name="asst4">
+    <dgm:scene3d>
+      <a:camera prst="orthographicFront"/>
+      <a:lightRig rig="threePt" dir="t"/>
+    </dgm:scene3d>
+    <dgm:sp3d/>
+    <dgm:txPr/>
+    <dgm:style>
+      <a:lnRef idx="2">
+        <a:scrgbClr r="0" g="0" b="0"/>
+      </a:lnRef>
+      <a:fillRef idx="1">
+        <a:scrgbClr r="0" g="0" b="0"/>
+      </a:fillRef>
+      <a:effectRef idx="0">
+        <a:scrgbClr r="0" g="0" b="0"/>
+      </a:effectRef>
+      <a:fontRef idx="minor">
+        <a:schemeClr val="lt1"/>
+      </a:fontRef>
+    </dgm:style>
+  </dgm:styleLbl>
+  <dgm:styleLbl name="parChTrans2D1">
+    <dgm:scene3d>
+      <a:camera prst="orthographicFront"/>
+      <a:lightRig rig="threePt" dir="t"/>
+    </dgm:scene3d>
+    <dgm:sp3d/>
+    <dgm:txPr/>
+    <dgm:style>
+      <a:lnRef idx="2">
+        <a:scrgbClr r="0" g="0" b="0"/>
+      </a:lnRef>
+      <a:fillRef idx="1">
+        <a:scrgbClr r="0" g="0" b="0"/>
+      </a:fillRef>
+      <a:effectRef idx="0">
+        <a:scrgbClr r="0" g="0" b="0"/>
+      </a:effectRef>
+      <a:fontRef idx="minor">
+        <a:schemeClr val="lt1"/>
+      </a:fontRef>
+    </dgm:style>
+  </dgm:styleLbl>
+  <dgm:styleLbl name="parChTrans2D2">
+    <dgm:scene3d>
+      <a:camera prst="orthographicFront"/>
+      <a:lightRig rig="threePt" dir="t"/>
+    </dgm:scene3d>
+    <dgm:sp3d/>
+    <dgm:txPr/>
+    <dgm:style>
+      <a:lnRef idx="2">
+        <a:scrgbClr r="0" g="0" b="0"/>
+      </a:lnRef>
+      <a:fillRef idx="1">
+        <a:scrgbClr r="0" g="0" b="0"/>
+      </a:fillRef>
+      <a:effectRef idx="0">
+        <a:scrgbClr r="0" g="0" b="0"/>
+      </a:effectRef>
+      <a:fontRef idx="minor">
+        <a:schemeClr val="lt1"/>
+      </a:fontRef>
+    </dgm:style>
+  </dgm:styleLbl>
+  <dgm:styleLbl name="parChTrans2D3">
+    <dgm:scene3d>
+      <a:camera prst="orthographicFront"/>
+      <a:lightRig rig="threePt" dir="t"/>
+    </dgm:scene3d>
+    <dgm:sp3d/>
+    <dgm:txPr/>
+    <dgm:style>
+      <a:lnRef idx="2">
+        <a:scrgbClr r="0" g="0" b="0"/>
+      </a:lnRef>
+      <a:fillRef idx="1">
+        <a:scrgbClr r="0" g="0" b="0"/>
+      </a:fillRef>
+      <a:effectRef idx="0">
+        <a:scrgbClr r="0" g="0" b="0"/>
+      </a:effectRef>
+      <a:fontRef idx="minor">
+        <a:schemeClr val="lt1"/>
+      </a:fontRef>
+    </dgm:style>
+  </dgm:styleLbl>
+  <dgm:styleLbl name="parChTrans2D4">
+    <dgm:scene3d>
+      <a:camera prst="orthographicFront"/>
+      <a:lightRig rig="threePt" dir="t"/>
+    </dgm:scene3d>
+    <dgm:sp3d/>
+    <dgm:txPr/>
+    <dgm:style>
+      <a:lnRef idx="2">
+        <a:scrgbClr r="0" g="0" b="0"/>
+      </a:lnRef>
+      <a:fillRef idx="1">
+        <a:scrgbClr r="0" g="0" b="0"/>
+      </a:fillRef>
+      <a:effectRef idx="0">
+        <a:scrgbClr r="0" g="0" b="0"/>
+      </a:effectRef>
+      <a:fontRef idx="minor">
+        <a:schemeClr val="lt1"/>
+      </a:fontRef>
+    </dgm:style>
+  </dgm:styleLbl>
+  <dgm:styleLbl name="parChTrans1D1">
+    <dgm:scene3d>
+      <a:camera prst="orthographicFront"/>
+      <a:lightRig rig="threePt" dir="t"/>
+    </dgm:scene3d>
+    <dgm:sp3d/>
+    <dgm:txPr/>
+    <dgm:style>
+      <a:lnRef idx="2">
+        <a:scrgbClr r="0" g="0" b="0"/>
+      </a:lnRef>
+      <a:fillRef idx="0">
+        <a:scrgbClr r="0" g="0" b="0"/>
+      </a:fillRef>
+      <a:effectRef idx="0">
+        <a:scrgbClr r="0" g="0" b="0"/>
+      </a:effectRef>
+      <a:fontRef idx="minor"/>
+    </dgm:style>
+  </dgm:styleLbl>
+  <dgm:styleLbl name="parChTrans1D2">
+    <dgm:scene3d>
+      <a:camera prst="orthographicFront"/>
+      <a:lightRig rig="threePt" dir="t"/>
+    </dgm:scene3d>
+    <dgm:sp3d/>
+    <dgm:txPr/>
+    <dgm:style>
+      <a:lnRef idx="2">
+        <a:scrgbClr r="0" g="0" b="0"/>
+      </a:lnRef>
+      <a:fillRef idx="0">
+        <a:scrgbClr r="0" g="0" b="0"/>
+      </a:fillRef>
+      <a:effectRef idx="0">
+        <a:scrgbClr r="0" g="0" b="0"/>
+      </a:effectRef>
+      <a:fontRef idx="minor"/>
+    </dgm:style>
+  </dgm:styleLbl>
+  <dgm:styleLbl name="parChTrans1D3">
+    <dgm:scene3d>
+      <a:camera prst="orthographicFront"/>
+      <a:lightRig rig="threePt" dir="t"/>
+    </dgm:scene3d>
+    <dgm:sp3d/>
+    <dgm:txPr/>
+    <dgm:style>
+      <a:lnRef idx="2">
+        <a:scrgbClr r="0" g="0" b="0"/>
+      </a:lnRef>
+      <a:fillRef idx="0">
+        <a:scrgbClr r="0" g="0" b="0"/>
+      </a:fillRef>
+      <a:effectRef idx="0">
+        <a:scrgbClr r="0" g="0" b="0"/>
+      </a:effectRef>
+      <a:fontRef idx="minor"/>
+    </dgm:style>
+  </dgm:styleLbl>
+  <dgm:styleLbl name="parChTrans1D4">
+    <dgm:scene3d>
+      <a:camera prst="orthographicFront"/>
+      <a:lightRig rig="threePt" dir="t"/>
+    </dgm:scene3d>
+    <dgm:sp3d/>
+    <dgm:txPr/>
+    <dgm:style>
+      <a:lnRef idx="2">
+        <a:scrgbClr r="0" g="0" b="0"/>
+      </a:lnRef>
+      <a:fillRef idx="0">
+        <a:scrgbClr r="0" g="0" b="0"/>
+      </a:fillRef>
+      <a:effectRef idx="0">
+        <a:scrgbClr r="0" g="0" b="0"/>
+      </a:effectRef>
+      <a:fontRef idx="minor"/>
+    </dgm:style>
+  </dgm:styleLbl>
+  <dgm:styleLbl name="fgAcc1">
+    <dgm:scene3d>
+      <a:camera prst="orthographicFront"/>
+      <a:lightRig rig="threePt" dir="t"/>
+    </dgm:scene3d>
+    <dgm:sp3d/>
+    <dgm:txPr/>
+    <dgm:style>
+      <a:lnRef idx="2">
+        <a:scrgbClr r="0" g="0" b="0"/>
+      </a:lnRef>
+      <a:fillRef idx="1">
+        <a:scrgbClr r="0" g="0" b="0"/>
+      </a:fillRef>
+      <a:effectRef idx="0">
+        <a:scrgbClr r="0" g="0" b="0"/>
+      </a:effectRef>
+      <a:fontRef idx="minor"/>
+    </dgm:style>
+  </dgm:styleLbl>
+  <dgm:styleLbl name="conFgAcc1">
+    <dgm:scene3d>
+      <a:camera prst="orthographicFront"/>
+      <a:lightRig rig="threePt" dir="t"/>
+    </dgm:scene3d>
+    <dgm:sp3d/>
+    <dgm:txPr/>
+    <dgm:style>
+      <a:lnRef idx="2">
+        <a:scrgbClr r="0" g="0" b="0"/>
+      </a:lnRef>
+      <a:fillRef idx="1">
+        <a:scrgbClr r="0" g="0" b="0"/>
+      </a:fillRef>
+      <a:effectRef idx="0">
+        <a:scrgbClr r="0" g="0" b="0"/>
+      </a:effectRef>
+      <a:fontRef idx="minor"/>
+    </dgm:style>
+  </dgm:styleLbl>
+  <dgm:styleLbl name="alignAcc1">
+    <dgm:scene3d>
+      <a:camera prst="orthographicFront"/>
+      <a:lightRig rig="threePt" dir="t"/>
+    </dgm:scene3d>
+    <dgm:sp3d/>
+    <dgm:txPr/>
+    <dgm:style>
+      <a:lnRef idx="2">
+        <a:scrgbClr r="0" g="0" b="0"/>
+      </a:lnRef>
+      <a:fillRef idx="1">
+        <a:scrgbClr r="0" g="0" b="0"/>
+      </a:fillRef>
+      <a:effectRef idx="0">
+        <a:scrgbClr r="0" g="0" b="0"/>
+      </a:effectRef>
+      <a:fontRef idx="minor"/>
+    </dgm:style>
+  </dgm:styleLbl>
+  <dgm:styleLbl name="trAlignAcc1">
+    <dgm:scene3d>
+      <a:camera prst="orthographicFront"/>
+      <a:lightRig rig="threePt" dir="t"/>
+    </dgm:scene3d>
+    <dgm:sp3d/>
+    <dgm:txPr/>
+    <dgm:style>
+      <a:lnRef idx="1">
+        <a:scrgbClr r="0" g="0" b="0"/>
+      </a:lnRef>
+      <a:fillRef idx="1">
+        <a:scrgbClr r="0" g="0" b="0"/>
+      </a:fillRef>
+      <a:effectRef idx="0">
+        <a:scrgbClr r="0" g="0" b="0"/>
+      </a:effectRef>
+      <a:fontRef idx="minor"/>
+    </dgm:style>
+  </dgm:styleLbl>
+  <dgm:styleLbl name="bgAcc1">
+    <dgm:scene3d>
+      <a:camera prst="orthographicFront"/>
+      <a:lightRig rig="threePt" dir="t"/>
+    </dgm:scene3d>
+    <dgm:sp3d/>
+    <dgm:txPr/>
+    <dgm:style>
+      <a:lnRef idx="2">
+        <a:scrgbClr r="0" g="0" b="0"/>
+      </a:lnRef>
+      <a:fillRef idx="1">
+        <a:scrgbClr r="0" g="0" b="0"/>
+      </a:fillRef>
+      <a:effectRef idx="0">
+        <a:scrgbClr r="0" g="0" b="0"/>
+      </a:effectRef>
+      <a:fontRef idx="minor"/>
+    </dgm:style>
+  </dgm:styleLbl>
+  <dgm:styleLbl name="solidFgAcc1">
+    <dgm:scene3d>
+      <a:camera prst="orthographicFront"/>
+      <a:lightRig rig="threePt" dir="t"/>
+    </dgm:scene3d>
+    <dgm:sp3d/>
+    <dgm:txPr/>
+    <dgm:style>
+      <a:lnRef idx="2">
+        <a:scrgbClr r="0" g="0" b="0"/>
+      </a:lnRef>
+      <a:fillRef idx="1">
+        <a:scrgbClr r="0" g="0" b="0"/>
+      </a:fillRef>
+      <a:effectRef idx="0">
+        <a:scrgbClr r="0" g="0" b="0"/>
+      </a:effectRef>
+      <a:fontRef idx="minor"/>
+    </dgm:style>
+  </dgm:styleLbl>
+  <dgm:styleLbl name="solidAlignAcc1">
+    <dgm:scene3d>
+      <a:camera prst="orthographicFront"/>
+      <a:lightRig rig="threePt" dir="t"/>
+    </dgm:scene3d>
+    <dgm:sp3d/>
+    <dgm:txPr/>
+    <dgm:style>
+      <a:lnRef idx="2">
+        <a:scrgbClr r="0" g="0" b="0"/>
+      </a:lnRef>
+      <a:fillRef idx="1">
+        <a:scrgbClr r="0" g="0" b="0"/>
+      </a:fillRef>
+      <a:effectRef idx="0">
+        <a:scrgbClr r="0" g="0" b="0"/>
+      </a:effectRef>
+      <a:fontRef idx="minor"/>
+    </dgm:style>
+  </dgm:styleLbl>
+  <dgm:styleLbl name="solidBgAcc1">
+    <dgm:scene3d>
+      <a:camera prst="orthographicFront"/>
+      <a:lightRig rig="threePt" dir="t"/>
+    </dgm:scene3d>
+    <dgm:sp3d/>
+    <dgm:txPr/>
+    <dgm:style>
+      <a:lnRef idx="2">
+        <a:scrgbClr r="0" g="0" b="0"/>
+      </a:lnRef>
+      <a:fillRef idx="1">
+        <a:scrgbClr r="0" g="0" b="0"/>
+      </a:fillRef>
+      <a:effectRef idx="0">
+        <a:scrgbClr r="0" g="0" b="0"/>
+      </a:effectRef>
+      <a:fontRef idx="minor"/>
+    </dgm:style>
+  </dgm:styleLbl>
+  <dgm:styleLbl name="fgAccFollowNode1">
+    <dgm:scene3d>
+      <a:camera prst="orthographicFront"/>
+      <a:lightRig rig="threePt" dir="t"/>
+    </dgm:scene3d>
+    <dgm:sp3d/>
+    <dgm:txPr/>
+    <dgm:style>
+      <a:lnRef idx="2">
+        <a:scrgbClr r="0" g="0" b="0"/>
+      </a:lnRef>
+      <a:fillRef idx="1">
+        <a:scrgbClr r="0" g="0" b="0"/>
+      </a:fillRef>
+      <a:effectRef idx="0">
+        <a:scrgbClr r="0" g="0" b="0"/>
+      </a:effectRef>
+      <a:fontRef idx="minor"/>
+    </dgm:style>
+  </dgm:styleLbl>
+  <dgm:styleLbl name="alignAccFollowNode1">
+    <dgm:scene3d>
+      <a:camera prst="orthographicFront"/>
+      <a:lightRig rig="threePt" dir="t"/>
+    </dgm:scene3d>
+    <dgm:sp3d/>
+    <dgm:txPr/>
+    <dgm:style>
+      <a:lnRef idx="2">
+        <a:scrgbClr r="0" g="0" b="0"/>
+      </a:lnRef>
+      <a:fillRef idx="1">
+        <a:scrgbClr r="0" g="0" b="0"/>
+      </a:fillRef>
+      <a:effectRef idx="0">
+        <a:scrgbClr r="0" g="0" b="0"/>
+      </a:effectRef>
+      <a:fontRef idx="minor"/>
+    </dgm:style>
+  </dgm:styleLbl>
+  <dgm:styleLbl name="bgAccFollowNode1">
+    <dgm:scene3d>
+      <a:camera prst="orthographicFront"/>
+      <a:lightRig rig="threePt" dir="t"/>
+    </dgm:scene3d>
+    <dgm:sp3d/>
+    <dgm:txPr/>
+    <dgm:style>
+      <a:lnRef idx="2">
+        <a:scrgbClr r="0" g="0" b="0"/>
+      </a:lnRef>
+      <a:fillRef idx="1">
+        <a:scrgbClr r="0" g="0" b="0"/>
+      </a:fillRef>
+      <a:effectRef idx="0">
+        <a:scrgbClr r="0" g="0" b="0"/>
+      </a:effectRef>
+      <a:fontRef idx="minor"/>
+    </dgm:style>
+  </dgm:styleLbl>
+  <dgm:styleLbl name="fgAcc0">
+    <dgm:scene3d>
+      <a:camera prst="orthographicFront"/>
+      <a:lightRig rig="threePt" dir="t"/>
+    </dgm:scene3d>
+    <dgm:sp3d/>
+    <dgm:txPr/>
+    <dgm:style>
+      <a:lnRef idx="2">
+        <a:scrgbClr r="0" g="0" b="0"/>
+      </a:lnRef>
+      <a:fillRef idx="1">
+        <a:scrgbClr r="0" g="0" b="0"/>
+      </a:fillRef>
+      <a:effectRef idx="0">
+        <a:scrgbClr r="0" g="0" b="0"/>
+      </a:effectRef>
+      <a:fontRef idx="minor"/>
+    </dgm:style>
+  </dgm:styleLbl>
+  <dgm:styleLbl name="fgAcc2">
+    <dgm:scene3d>
+      <a:camera prst="orthographicFront"/>
+      <a:lightRig rig="threePt" dir="t"/>
+    </dgm:scene3d>
+    <dgm:sp3d/>
+    <dgm:txPr/>
+    <dgm:style>
+      <a:lnRef idx="2">
+        <a:scrgbClr r="0" g="0" b="0"/>
+      </a:lnRef>
+      <a:fillRef idx="1">
+        <a:scrgbClr r="0" g="0" b="0"/>
+      </a:fillRef>
+      <a:effectRef idx="0">
+        <a:scrgbClr r="0" g="0" b="0"/>
+      </a:effectRef>
+      <a:fontRef idx="minor"/>
+    </dgm:style>
+  </dgm:styleLbl>
+  <dgm:styleLbl name="fgAcc3">
+    <dgm:scene3d>
+      <a:camera prst="orthographicFront"/>
+      <a:lightRig rig="threePt" dir="t"/>
+    </dgm:scene3d>
+    <dgm:sp3d/>
+    <dgm:txPr/>
+    <dgm:style>
+      <a:lnRef idx="2">
+        <a:scrgbClr r="0" g="0" b="0"/>
+      </a:lnRef>
+      <a:fillRef idx="1">
+        <a:scrgbClr r="0" g="0" b="0"/>
+      </a:fillRef>
+      <a:effectRef idx="0">
+        <a:scrgbClr r="0" g="0" b="0"/>
+      </a:effectRef>
+      <a:fontRef idx="minor"/>
+    </dgm:style>
+  </dgm:styleLbl>
+  <dgm:styleLbl name="fgAcc4">
+    <dgm:scene3d>
+      <a:camera prst="orthographicFront"/>
+      <a:lightRig rig="threePt" dir="t"/>
+    </dgm:scene3d>
+    <dgm:sp3d/>
+    <dgm:txPr/>
+    <dgm:style>
+      <a:lnRef idx="2">
+        <a:scrgbClr r="0" g="0" b="0"/>
+      </a:lnRef>
+      <a:fillRef idx="1">
+        <a:scrgbClr r="0" g="0" b="0"/>
+      </a:fillRef>
+      <a:effectRef idx="0">
+        <a:scrgbClr r="0" g="0" b="0"/>
+      </a:effectRef>
+      <a:fontRef idx="minor"/>
+    </dgm:style>
+  </dgm:styleLbl>
+  <dgm:styleLbl name="bgShp">
+    <dgm:scene3d>
+      <a:camera prst="orthographicFront"/>
+      <a:lightRig rig="threePt" dir="t"/>
+    </dgm:scene3d>
+    <dgm:sp3d/>
+    <dgm:txPr/>
+    <dgm:style>
+      <a:lnRef idx="0">
+        <a:scrgbClr r="0" g="0" b="0"/>
+      </a:lnRef>
+      <a:fillRef idx="1">
+        <a:scrgbClr r="0" g="0" b="0"/>
+      </a:fillRef>
+      <a:effectRef idx="0">
+        <a:scrgbClr r="0" g="0" b="0"/>
+      </a:effectRef>
+      <a:fontRef idx="minor"/>
+    </dgm:style>
+  </dgm:styleLbl>
+  <dgm:styleLbl name="dkBgShp">
+    <dgm:scene3d>
+      <a:camera prst="orthographicFront"/>
+      <a:lightRig rig="threePt" dir="t"/>
+    </dgm:scene3d>
+    <dgm:sp3d/>
+    <dgm:txPr/>
+    <dgm:style>
+      <a:lnRef idx="0">
+        <a:scrgbClr r="0" g="0" b="0"/>
+      </a:lnRef>
+      <a:fillRef idx="1">
+        <a:scrgbClr r="0" g="0" b="0"/>
+      </a:fillRef>
+      <a:effectRef idx="0">
+        <a:scrgbClr r="0" g="0" b="0"/>
+      </a:effectRef>
+      <a:fontRef idx="minor"/>
+    </dgm:style>
+  </dgm:styleLbl>
+  <dgm:styleLbl name="trBgShp">
+    <dgm:scene3d>
+      <a:camera prst="orthographicFront"/>
+      <a:lightRig rig="threePt" dir="t"/>
+    </dgm:scene3d>
+    <dgm:sp3d/>
+    <dgm:txPr/>
+    <dgm:style>
+      <a:lnRef idx="0">
+        <a:scrgbClr r="0" g="0" b="0"/>
+      </a:lnRef>
+      <a:fillRef idx="1">
+        <a:scrgbClr r="0" g="0" b="0"/>
+      </a:fillRef>
+      <a:effectRef idx="0">
+        <a:scrgbClr r="0" g="0" b="0"/>
+      </a:effectRef>
+      <a:fontRef idx="minor"/>
+    </dgm:style>
+  </dgm:styleLbl>
+  <dgm:styleLbl name="fgShp">
+    <dgm:scene3d>
+      <a:camera prst="orthographicFront"/>
+      <a:lightRig rig="threePt" dir="t"/>
+    </dgm:scene3d>
+    <dgm:sp3d/>
+    <dgm:txPr/>
+    <dgm:style>
+      <a:lnRef idx="2">
+        <a:scrgbClr r="0" g="0" b="0"/>
+      </a:lnRef>
+      <a:fillRef idx="1">
+        <a:scrgbClr r="0" g="0" b="0"/>
+      </a:fillRef>
+      <a:effectRef idx="0">
+        <a:scrgbClr r="0" g="0" b="0"/>
+      </a:effectRef>
+      <a:fontRef idx="minor"/>
+    </dgm:style>
+  </dgm:styleLbl>
+  <dgm:styleLbl name="revTx">
+    <dgm:scene3d>
+      <a:camera prst="orthographicFront"/>
+      <a:lightRig rig="threePt" dir="t"/>
+    </dgm:scene3d>
+    <dgm:sp3d/>
+    <dgm:txPr/>
+    <dgm:style>
+      <a:lnRef idx="0">
+        <a:scrgbClr r="0" g="0" b="0"/>
+      </a:lnRef>
+      <a:fillRef idx="0">
+        <a:scrgbClr r="0" g="0" b="0"/>
+      </a:fillRef>
+      <a:effectRef idx="0">
+        <a:scrgbClr r="0" g="0" b="0"/>
+      </a:effectRef>
+      <a:fontRef idx="minor"/>
+    </dgm:style>
+  </dgm:styleLbl>
+</dgm:styleDef>
+</file>
+
 <file path=ppt/slideLayouts/slideLayout1.xml><?xml version="1.0" encoding="utf-8"?>
 <p:sldLayout xmlns:a="http://schemas.openxmlformats.org/drawingml/2006/main" xmlns:r="http://schemas.openxmlformats.org/officeDocument/2006/relationships" xmlns:p="http://schemas.openxmlformats.org/presentationml/2006/main" type="title" preserve="1">
   <p:cSld name="Title Slide">
@@ -273,7 +4885,7 @@
           <a:p>
             <a:fld id="{07B14240-9E5D-451E-846D-E98EE4A79B8E}" type="datetimeFigureOut">
               <a:rPr lang="en-US" smtClean="0"/>
-              <a:t>11/22/2023</a:t>
+              <a:t>7/11/2024</a:t>
             </a:fld>
             <a:endParaRPr lang="en-US"/>
           </a:p>
@@ -471,7 +5083,7 @@
           <a:p>
             <a:fld id="{07B14240-9E5D-451E-846D-E98EE4A79B8E}" type="datetimeFigureOut">
               <a:rPr lang="en-US" smtClean="0"/>
-              <a:t>11/22/2023</a:t>
+              <a:t>7/11/2024</a:t>
             </a:fld>
             <a:endParaRPr lang="en-US"/>
           </a:p>
@@ -679,7 +5291,7 @@
           <a:p>
             <a:fld id="{07B14240-9E5D-451E-846D-E98EE4A79B8E}" type="datetimeFigureOut">
               <a:rPr lang="en-US" smtClean="0"/>
-              <a:t>11/22/2023</a:t>
+              <a:t>7/11/2024</a:t>
             </a:fld>
             <a:endParaRPr lang="en-US"/>
           </a:p>
@@ -877,7 +5489,7 @@
           <a:p>
             <a:fld id="{07B14240-9E5D-451E-846D-E98EE4A79B8E}" type="datetimeFigureOut">
               <a:rPr lang="en-US" smtClean="0"/>
-              <a:t>11/22/2023</a:t>
+              <a:t>7/11/2024</a:t>
             </a:fld>
             <a:endParaRPr lang="en-US"/>
           </a:p>
@@ -1152,7 +5764,7 @@
           <a:p>
             <a:fld id="{07B14240-9E5D-451E-846D-E98EE4A79B8E}" type="datetimeFigureOut">
               <a:rPr lang="en-US" smtClean="0"/>
-              <a:t>11/22/2023</a:t>
+              <a:t>7/11/2024</a:t>
             </a:fld>
             <a:endParaRPr lang="en-US"/>
           </a:p>
@@ -1417,7 +6029,7 @@
           <a:p>
             <a:fld id="{07B14240-9E5D-451E-846D-E98EE4A79B8E}" type="datetimeFigureOut">
               <a:rPr lang="en-US" smtClean="0"/>
-              <a:t>11/22/2023</a:t>
+              <a:t>7/11/2024</a:t>
             </a:fld>
             <a:endParaRPr lang="en-US"/>
           </a:p>
@@ -1829,7 +6441,7 @@
           <a:p>
             <a:fld id="{07B14240-9E5D-451E-846D-E98EE4A79B8E}" type="datetimeFigureOut">
               <a:rPr lang="en-US" smtClean="0"/>
-              <a:t>11/22/2023</a:t>
+              <a:t>7/11/2024</a:t>
             </a:fld>
             <a:endParaRPr lang="en-US"/>
           </a:p>
@@ -1970,7 +6582,7 @@
           <a:p>
             <a:fld id="{07B14240-9E5D-451E-846D-E98EE4A79B8E}" type="datetimeFigureOut">
               <a:rPr lang="en-US" smtClean="0"/>
-              <a:t>11/22/2023</a:t>
+              <a:t>7/11/2024</a:t>
             </a:fld>
             <a:endParaRPr lang="en-US"/>
           </a:p>
@@ -2083,7 +6695,7 @@
           <a:p>
             <a:fld id="{07B14240-9E5D-451E-846D-E98EE4A79B8E}" type="datetimeFigureOut">
               <a:rPr lang="en-US" smtClean="0"/>
-              <a:t>11/22/2023</a:t>
+              <a:t>7/11/2024</a:t>
             </a:fld>
             <a:endParaRPr lang="en-US"/>
           </a:p>
@@ -2394,7 +7006,7 @@
           <a:p>
             <a:fld id="{07B14240-9E5D-451E-846D-E98EE4A79B8E}" type="datetimeFigureOut">
               <a:rPr lang="en-US" smtClean="0"/>
-              <a:t>11/22/2023</a:t>
+              <a:t>7/11/2024</a:t>
             </a:fld>
             <a:endParaRPr lang="en-US"/>
           </a:p>
@@ -2682,7 +7294,7 @@
           <a:p>
             <a:fld id="{07B14240-9E5D-451E-846D-E98EE4A79B8E}" type="datetimeFigureOut">
               <a:rPr lang="en-US" smtClean="0"/>
-              <a:t>11/22/2023</a:t>
+              <a:t>7/11/2024</a:t>
             </a:fld>
             <a:endParaRPr lang="en-US"/>
           </a:p>
@@ -2923,7 +7535,7 @@
           <a:p>
             <a:fld id="{07B14240-9E5D-451E-846D-E98EE4A79B8E}" type="datetimeFigureOut">
               <a:rPr lang="en-US" smtClean="0"/>
-              <a:t>11/22/2023</a:t>
+              <a:t>7/11/2024</a:t>
             </a:fld>
             <a:endParaRPr lang="en-US"/>
           </a:p>
@@ -9786,6 +14398,92 @@
 </p:sld>
 </file>
 
+<file path=ppt/slides/slide5.xml><?xml version="1.0" encoding="utf-8"?>
+<p:sld xmlns:a="http://schemas.openxmlformats.org/drawingml/2006/main" xmlns:r="http://schemas.openxmlformats.org/officeDocument/2006/relationships" xmlns:p="http://schemas.openxmlformats.org/presentationml/2006/main">
+  <p:cSld>
+    <p:spTree>
+      <p:nvGrpSpPr>
+        <p:cNvPr id="1" name=""/>
+        <p:cNvGrpSpPr/>
+        <p:nvPr/>
+      </p:nvGrpSpPr>
+      <p:grpSpPr>
+        <a:xfrm>
+          <a:off x="0" y="0"/>
+          <a:ext cx="0" cy="0"/>
+          <a:chOff x="0" y="0"/>
+          <a:chExt cx="0" cy="0"/>
+        </a:xfrm>
+      </p:grpSpPr>
+      <p:sp>
+        <p:nvSpPr>
+          <p:cNvPr id="2" name="Title 1">
+            <a:extLst>
+              <a:ext uri="{FF2B5EF4-FFF2-40B4-BE49-F238E27FC236}">
+                <a16:creationId xmlns:a16="http://schemas.microsoft.com/office/drawing/2014/main" id="{03097B54-44D8-4854-5484-E48F452BEE47}"/>
+              </a:ext>
+            </a:extLst>
+          </p:cNvPr>
+          <p:cNvSpPr>
+            <a:spLocks noGrp="1"/>
+          </p:cNvSpPr>
+          <p:nvPr>
+            <p:ph type="title"/>
+          </p:nvPr>
+        </p:nvSpPr>
+        <p:spPr/>
+        <p:txBody>
+          <a:bodyPr/>
+          <a:lstStyle/>
+          <a:p>
+            <a:endParaRPr lang="en-US" dirty="0"/>
+          </a:p>
+        </p:txBody>
+      </p:sp>
+      <p:graphicFrame>
+        <p:nvGraphicFramePr>
+          <p:cNvPr id="4" name="Content Placeholder 3">
+            <a:extLst>
+              <a:ext uri="{FF2B5EF4-FFF2-40B4-BE49-F238E27FC236}">
+                <a16:creationId xmlns:a16="http://schemas.microsoft.com/office/drawing/2014/main" id="{30ECF1DB-B5C7-9B31-2EDD-E066D3883073}"/>
+              </a:ext>
+            </a:extLst>
+          </p:cNvPr>
+          <p:cNvGraphicFramePr>
+            <a:graphicFrameLocks noGrp="1"/>
+          </p:cNvGraphicFramePr>
+          <p:nvPr>
+            <p:ph idx="1"/>
+            <p:extLst>
+              <p:ext uri="{D42A27DB-BD31-4B8C-83A1-F6EECF244321}">
+                <p14:modId xmlns:p14="http://schemas.microsoft.com/office/powerpoint/2010/main" val="1499568256"/>
+              </p:ext>
+            </p:extLst>
+          </p:nvPr>
+        </p:nvGraphicFramePr>
+        <p:xfrm>
+          <a:off x="3121958" y="703589"/>
+          <a:ext cx="5941359" cy="5925811"/>
+        </p:xfrm>
+        <a:graphic>
+          <a:graphicData uri="http://schemas.openxmlformats.org/drawingml/2006/diagram">
+            <dgm:relIds xmlns:dgm="http://schemas.openxmlformats.org/drawingml/2006/diagram" xmlns:r="http://schemas.openxmlformats.org/officeDocument/2006/relationships" r:dm="rId2" r:lo="rId3" r:qs="rId4" r:cs="rId5"/>
+          </a:graphicData>
+        </a:graphic>
+      </p:graphicFrame>
+    </p:spTree>
+    <p:extLst>
+      <p:ext uri="{BB962C8B-B14F-4D97-AF65-F5344CB8AC3E}">
+        <p14:creationId xmlns:p14="http://schemas.microsoft.com/office/powerpoint/2010/main" val="134724459"/>
+      </p:ext>
+    </p:extLst>
+  </p:cSld>
+  <p:clrMapOvr>
+    <a:masterClrMapping/>
+  </p:clrMapOvr>
+</p:sld>
+</file>
+
 <file path=ppt/theme/theme1.xml><?xml version="1.0" encoding="utf-8"?>
 <a:theme xmlns:a="http://schemas.openxmlformats.org/drawingml/2006/main" name="Office Theme">
   <a:themeElements>
